--- a/SSOPresentation.pptx
+++ b/SSOPresentation.pptx
@@ -6,9 +6,9 @@
   </p:sldMasterIdLst>
   <p:sldIdLst>
     <p:sldId id="256" r:id="rId2"/>
-    <p:sldId id="257" r:id="rId3"/>
-    <p:sldId id="258" r:id="rId4"/>
-    <p:sldId id="259" r:id="rId5"/>
+    <p:sldId id="258" r:id="rId3"/>
+    <p:sldId id="259" r:id="rId4"/>
+    <p:sldId id="257" r:id="rId5"/>
     <p:sldId id="260" r:id="rId6"/>
     <p:sldId id="261" r:id="rId7"/>
     <p:sldId id="262" r:id="rId8"/>
@@ -19,14 +19,13 @@
     <p:sldId id="267" r:id="rId13"/>
     <p:sldId id="268" r:id="rId14"/>
     <p:sldId id="269" r:id="rId15"/>
-    <p:sldId id="270" r:id="rId16"/>
-    <p:sldId id="271" r:id="rId17"/>
-    <p:sldId id="272" r:id="rId18"/>
-    <p:sldId id="273" r:id="rId19"/>
-    <p:sldId id="274" r:id="rId20"/>
-    <p:sldId id="275" r:id="rId21"/>
-    <p:sldId id="276" r:id="rId22"/>
-    <p:sldId id="277" r:id="rId23"/>
+    <p:sldId id="271" r:id="rId16"/>
+    <p:sldId id="272" r:id="rId17"/>
+    <p:sldId id="273" r:id="rId18"/>
+    <p:sldId id="278" r:id="rId19"/>
+    <p:sldId id="275" r:id="rId20"/>
+    <p:sldId id="276" r:id="rId21"/>
+    <p:sldId id="277" r:id="rId22"/>
   </p:sldIdLst>
   <p:sldSz cx="12192000" cy="6858000"/>
   <p:notesSz cx="6858000" cy="9144000"/>
@@ -125,6 +124,11 @@
       </a:defRPr>
     </a:lvl9pPr>
   </p:defaultTextStyle>
+  <p:extLst>
+    <p:ext uri="{EFAFB233-063F-42B5-8137-9DF3F51BA10A}">
+      <p15:sldGuideLst xmlns:p15="http://schemas.microsoft.com/office/powerpoint/2012/main"/>
+    </p:ext>
+  </p:extLst>
 </p:presentation>
 </file>
 
@@ -851,7 +855,7 @@
             <a:fld id="{B61BEF0D-F0BB-DE4B-95CE-6DB70DBA9567}" type="datetimeFigureOut">
               <a:rPr lang="en-US" dirty="0"/>
               <a:pPr/>
-              <a:t>10/11/2021</a:t>
+              <a:t>10/13/2021</a:t>
             </a:fld>
             <a:endParaRPr lang="en-US" dirty="0"/>
           </a:p>
@@ -1099,7 +1103,7 @@
             <a:fld id="{B61BEF0D-F0BB-DE4B-95CE-6DB70DBA9567}" type="datetimeFigureOut">
               <a:rPr lang="en-US" dirty="0"/>
               <a:pPr/>
-              <a:t>10/11/2021</a:t>
+              <a:t>10/13/2021</a:t>
             </a:fld>
             <a:endParaRPr lang="en-US" dirty="0"/>
           </a:p>
@@ -1410,7 +1414,7 @@
             <a:fld id="{B61BEF0D-F0BB-DE4B-95CE-6DB70DBA9567}" type="datetimeFigureOut">
               <a:rPr lang="en-US" dirty="0"/>
               <a:pPr/>
-              <a:t>10/11/2021</a:t>
+              <a:t>10/13/2021</a:t>
             </a:fld>
             <a:endParaRPr lang="en-US" dirty="0"/>
           </a:p>
@@ -1748,7 +1752,7 @@
             <a:fld id="{B61BEF0D-F0BB-DE4B-95CE-6DB70DBA9567}" type="datetimeFigureOut">
               <a:rPr lang="en-US" dirty="0"/>
               <a:pPr/>
-              <a:t>10/11/2021</a:t>
+              <a:t>10/13/2021</a:t>
             </a:fld>
             <a:endParaRPr lang="en-US" dirty="0"/>
           </a:p>
@@ -2059,7 +2063,7 @@
             <a:fld id="{B61BEF0D-F0BB-DE4B-95CE-6DB70DBA9567}" type="datetimeFigureOut">
               <a:rPr lang="en-US" dirty="0"/>
               <a:pPr/>
-              <a:t>10/11/2021</a:t>
+              <a:t>10/13/2021</a:t>
             </a:fld>
             <a:endParaRPr lang="en-US" dirty="0"/>
           </a:p>
@@ -2449,7 +2453,7 @@
             <a:fld id="{B61BEF0D-F0BB-DE4B-95CE-6DB70DBA9567}" type="datetimeFigureOut">
               <a:rPr lang="en-US" dirty="0"/>
               <a:pPr/>
-              <a:t>10/11/2021</a:t>
+              <a:t>10/13/2021</a:t>
             </a:fld>
             <a:endParaRPr lang="en-US" dirty="0"/>
           </a:p>
@@ -2615,7 +2619,7 @@
           <a:p>
             <a:fld id="{55C6B4A9-1611-4792-9094-5F34BCA07E0B}" type="datetimeFigureOut">
               <a:rPr lang="en-US" dirty="0"/>
-              <a:t>10/11/2021</a:t>
+              <a:t>10/13/2021</a:t>
             </a:fld>
             <a:endParaRPr lang="en-US" dirty="0"/>
           </a:p>
@@ -2791,7 +2795,7 @@
             <a:fld id="{B61BEF0D-F0BB-DE4B-95CE-6DB70DBA9567}" type="datetimeFigureOut">
               <a:rPr lang="en-US" dirty="0"/>
               <a:pPr/>
-              <a:t>10/11/2021</a:t>
+              <a:t>10/13/2021</a:t>
             </a:fld>
             <a:endParaRPr lang="en-US" dirty="0"/>
           </a:p>
@@ -2964,7 +2968,7 @@
             <a:fld id="{B61BEF0D-F0BB-DE4B-95CE-6DB70DBA9567}" type="datetimeFigureOut">
               <a:rPr lang="en-US" dirty="0"/>
               <a:pPr/>
-              <a:t>10/11/2021</a:t>
+              <a:t>10/13/2021</a:t>
             </a:fld>
             <a:endParaRPr lang="en-US" dirty="0"/>
           </a:p>
@@ -3208,7 +3212,7 @@
             <a:fld id="{B61BEF0D-F0BB-DE4B-95CE-6DB70DBA9567}" type="datetimeFigureOut">
               <a:rPr lang="en-US" dirty="0"/>
               <a:pPr/>
-              <a:t>10/11/2021</a:t>
+              <a:t>10/13/2021</a:t>
             </a:fld>
             <a:endParaRPr lang="en-US" dirty="0"/>
           </a:p>
@@ -3436,7 +3440,7 @@
           <a:p>
             <a:fld id="{EB712588-04B1-427B-82EE-E8DB90309F08}" type="datetimeFigureOut">
               <a:rPr lang="en-US" dirty="0"/>
-              <a:t>10/11/2021</a:t>
+              <a:t>10/13/2021</a:t>
             </a:fld>
             <a:endParaRPr lang="en-US" dirty="0"/>
           </a:p>
@@ -3806,7 +3810,7 @@
             <a:fld id="{B61BEF0D-F0BB-DE4B-95CE-6DB70DBA9567}" type="datetimeFigureOut">
               <a:rPr lang="en-US" dirty="0"/>
               <a:pPr/>
-              <a:t>10/11/2021</a:t>
+              <a:t>10/13/2021</a:t>
             </a:fld>
             <a:endParaRPr lang="en-US" dirty="0"/>
           </a:p>
@@ -3926,7 +3930,7 @@
             <a:fld id="{B61BEF0D-F0BB-DE4B-95CE-6DB70DBA9567}" type="datetimeFigureOut">
               <a:rPr lang="en-US" dirty="0"/>
               <a:pPr/>
-              <a:t>10/11/2021</a:t>
+              <a:t>10/13/2021</a:t>
             </a:fld>
             <a:endParaRPr lang="en-US" dirty="0"/>
           </a:p>
@@ -4018,7 +4022,7 @@
             <a:fld id="{B61BEF0D-F0BB-DE4B-95CE-6DB70DBA9567}" type="datetimeFigureOut">
               <a:rPr lang="en-US" dirty="0"/>
               <a:pPr/>
-              <a:t>10/11/2021</a:t>
+              <a:t>10/13/2021</a:t>
             </a:fld>
             <a:endParaRPr lang="en-US" dirty="0"/>
           </a:p>
@@ -4269,7 +4273,7 @@
           <a:p>
             <a:fld id="{42A54C80-263E-416B-A8E0-580EDEADCBDC}" type="datetimeFigureOut">
               <a:rPr lang="en-US" dirty="0"/>
-              <a:t>10/11/2021</a:t>
+              <a:t>10/13/2021</a:t>
             </a:fld>
             <a:endParaRPr lang="en-US" dirty="0"/>
           </a:p>
@@ -4528,7 +4532,7 @@
             <a:fld id="{B61BEF0D-F0BB-DE4B-95CE-6DB70DBA9567}" type="datetimeFigureOut">
               <a:rPr lang="en-US" dirty="0"/>
               <a:pPr/>
-              <a:t>10/11/2021</a:t>
+              <a:t>10/13/2021</a:t>
             </a:fld>
             <a:endParaRPr lang="en-US" dirty="0"/>
           </a:p>
@@ -5268,7 +5272,7 @@
             <a:fld id="{B61BEF0D-F0BB-DE4B-95CE-6DB70DBA9567}" type="datetimeFigureOut">
               <a:rPr lang="en-US" dirty="0"/>
               <a:pPr/>
-              <a:t>10/11/2021</a:t>
+              <a:t>10/13/2021</a:t>
             </a:fld>
             <a:endParaRPr lang="en-US" dirty="0"/>
           </a:p>
@@ -5806,16 +5810,17 @@
         </p:nvSpPr>
         <p:spPr>
           <a:xfrm>
-            <a:off x="885630" y="1534522"/>
-            <a:ext cx="7766936" cy="1646302"/>
+            <a:off x="2189018" y="1415473"/>
+            <a:ext cx="6049818" cy="2013527"/>
           </a:xfrm>
         </p:spPr>
         <p:txBody>
           <a:bodyPr/>
           <a:lstStyle/>
           <a:p>
-            <a:r>
-              <a:rPr lang="en-US" sz="3200" dirty="0" err="1">
+            <a:pPr algn="ctr"/>
+            <a:r>
+              <a:rPr lang="en-US" sz="4400" dirty="0" err="1">
                 <a:solidFill>
                   <a:srgbClr val="000000"/>
                 </a:solidFill>
@@ -5827,7 +5832,7 @@
               <a:t>Analiza</a:t>
             </a:r>
             <a:r>
-              <a:rPr lang="en-US" sz="3200" dirty="0">
+              <a:rPr lang="en-US" sz="4400" dirty="0">
                 <a:solidFill>
                   <a:srgbClr val="000000"/>
                 </a:solidFill>
@@ -5839,7 +5844,7 @@
               <a:t> </a:t>
             </a:r>
             <a:r>
-              <a:rPr lang="en-US" sz="3200" dirty="0" err="1">
+              <a:rPr lang="en-US" sz="4400" dirty="0" err="1">
                 <a:solidFill>
                   <a:srgbClr val="000000"/>
                 </a:solidFill>
@@ -5851,7 +5856,7 @@
               <a:t>i</a:t>
             </a:r>
             <a:r>
-              <a:rPr lang="en-US" sz="3200" dirty="0">
+              <a:rPr lang="en-US" sz="4400" dirty="0">
                 <a:solidFill>
                   <a:srgbClr val="000000"/>
                 </a:solidFill>
@@ -5863,7 +5868,7 @@
               <a:t> </a:t>
             </a:r>
             <a:r>
-              <a:rPr lang="en-US" sz="3200" dirty="0" err="1">
+              <a:rPr lang="en-US" sz="4400" dirty="0" err="1">
                 <a:solidFill>
                   <a:srgbClr val="000000"/>
                 </a:solidFill>
@@ -5875,7 +5880,7 @@
               <a:t>implementacija</a:t>
             </a:r>
             <a:r>
-              <a:rPr lang="en-US" sz="3200" dirty="0">
+              <a:rPr lang="en-US" sz="4400" dirty="0">
                 <a:solidFill>
                   <a:srgbClr val="000000"/>
                 </a:solidFill>
@@ -5884,10 +5889,10 @@
                 <a:ea typeface="Calibri" panose="020F0502020204030204" pitchFamily="34" charset="0"/>
                 <a:cs typeface="Times New Roman" panose="02020603050405020304" pitchFamily="18" charset="0"/>
               </a:rPr>
-              <a:t> Single Sign On </a:t>
-            </a:r>
-            <a:r>
-              <a:rPr lang="en-US" sz="3200" dirty="0" err="1">
+              <a:t> </a:t>
+            </a:r>
+            <a:r>
+              <a:rPr lang="en-US" sz="4400" b="1" dirty="0">
                 <a:solidFill>
                   <a:srgbClr val="000000"/>
                 </a:solidFill>
@@ -5896,10 +5901,34 @@
                 <a:ea typeface="Calibri" panose="020F0502020204030204" pitchFamily="34" charset="0"/>
                 <a:cs typeface="Times New Roman" panose="02020603050405020304" pitchFamily="18" charset="0"/>
               </a:rPr>
+              <a:t>Single Sign On</a:t>
+            </a:r>
+            <a:r>
+              <a:rPr lang="en-US" sz="4400" dirty="0">
+                <a:solidFill>
+                  <a:srgbClr val="000000"/>
+                </a:solidFill>
+                <a:effectLst/>
+                <a:latin typeface="Calibri" panose="020F0502020204030204" pitchFamily="34" charset="0"/>
+                <a:ea typeface="Calibri" panose="020F0502020204030204" pitchFamily="34" charset="0"/>
+                <a:cs typeface="Times New Roman" panose="02020603050405020304" pitchFamily="18" charset="0"/>
+              </a:rPr>
+              <a:t> </a:t>
+            </a:r>
+            <a:r>
+              <a:rPr lang="en-US" sz="4400" dirty="0" err="1">
+                <a:solidFill>
+                  <a:srgbClr val="000000"/>
+                </a:solidFill>
+                <a:effectLst/>
+                <a:latin typeface="Calibri" panose="020F0502020204030204" pitchFamily="34" charset="0"/>
+                <a:ea typeface="Calibri" panose="020F0502020204030204" pitchFamily="34" charset="0"/>
+                <a:cs typeface="Times New Roman" panose="02020603050405020304" pitchFamily="18" charset="0"/>
+              </a:rPr>
               <a:t>metode</a:t>
             </a:r>
             <a:r>
-              <a:rPr lang="en-US" sz="3200" dirty="0">
+              <a:rPr lang="en-US" sz="4400" dirty="0">
                 <a:solidFill>
                   <a:srgbClr val="000000"/>
                 </a:solidFill>
@@ -5911,7 +5940,7 @@
               <a:t> </a:t>
             </a:r>
             <a:r>
-              <a:rPr lang="en-US" sz="3200" dirty="0" err="1">
+              <a:rPr lang="en-US" sz="4400" dirty="0" err="1">
                 <a:solidFill>
                   <a:srgbClr val="000000"/>
                 </a:solidFill>
@@ -5923,7 +5952,7 @@
               <a:t>autentifikacione</a:t>
             </a:r>
             <a:r>
-              <a:rPr lang="en-US" sz="3200" dirty="0">
+              <a:rPr lang="en-US" sz="4400" dirty="0">
                 <a:solidFill>
                   <a:srgbClr val="000000"/>
                 </a:solidFill>
@@ -5935,7 +5964,7 @@
               <a:t> </a:t>
             </a:r>
             <a:r>
-              <a:rPr lang="en-US" sz="3200" dirty="0" err="1">
+              <a:rPr lang="en-US" sz="4400" dirty="0" err="1">
                 <a:solidFill>
                   <a:srgbClr val="000000"/>
                 </a:solidFill>
@@ -5946,7 +5975,7 @@
               </a:rPr>
               <a:t>šeme</a:t>
             </a:r>
-            <a:endParaRPr lang="en-US" sz="3200" dirty="0"/>
+            <a:endParaRPr lang="en-US" sz="4400" dirty="0"/>
           </a:p>
         </p:txBody>
       </p:sp>
@@ -5964,8 +5993,8 @@
         </p:nvSpPr>
         <p:spPr>
           <a:xfrm>
-            <a:off x="1988598" y="4012707"/>
-            <a:ext cx="3078087" cy="369332"/>
+            <a:off x="2911763" y="4271325"/>
+            <a:ext cx="4604328" cy="523220"/>
           </a:xfrm>
           <a:prstGeom prst="rect">
             <a:avLst/>
@@ -5973,14 +6002,18 @@
           <a:noFill/>
         </p:spPr>
         <p:txBody>
-          <a:bodyPr wrap="none" rtlCol="0">
+          <a:bodyPr wrap="square" rtlCol="0">
             <a:spAutoFit/>
           </a:bodyPr>
           <a:lstStyle/>
           <a:p>
             <a:r>
-              <a:rPr lang="en-US" dirty="0"/>
-              <a:t>Sta je Single Sign On (SSO) ?</a:t>
+              <a:rPr lang="sr-Latn-RS" sz="2800" dirty="0"/>
+              <a:t>Š</a:t>
+            </a:r>
+            <a:r>
+              <a:rPr lang="en-US" sz="2800" dirty="0"/>
+              <a:t>ta je Single Sign On (SSO)?</a:t>
             </a:r>
           </a:p>
         </p:txBody>
@@ -6031,21 +6064,25 @@
             <p:ph type="title"/>
           </p:nvPr>
         </p:nvSpPr>
-        <p:spPr/>
+        <p:spPr>
+          <a:xfrm>
+            <a:off x="677334" y="609600"/>
+            <a:ext cx="6970375" cy="1320800"/>
+          </a:xfrm>
+        </p:spPr>
         <p:txBody>
           <a:bodyPr/>
           <a:lstStyle/>
           <a:p>
             <a:r>
-              <a:rPr lang="sr-Latn-RS" sz="3600" dirty="0">
-                <a:effectLst/>
-                <a:latin typeface="Calibri" panose="020F0502020204030204" pitchFamily="34" charset="0"/>
+              <a:rPr lang="sr-Latn-RS" sz="3600" b="1" dirty="0">
+                <a:effectLst/>
                 <a:ea typeface="Calibri" panose="020F0502020204030204" pitchFamily="34" charset="0"/>
                 <a:cs typeface="Calibri" panose="020F0502020204030204" pitchFamily="34" charset="0"/>
               </a:rPr>
               <a:t>Tok Autorizacionim kodom (eng. Authorization Code Flow)</a:t>
             </a:r>
-            <a:endParaRPr lang="en-US" dirty="0"/>
+            <a:endParaRPr lang="en-US" b="1" dirty="0"/>
           </a:p>
         </p:txBody>
       </p:sp>
@@ -6067,8 +6104,8 @@
         </p:nvSpPr>
         <p:spPr>
           <a:xfrm>
-            <a:off x="561924" y="1930401"/>
-            <a:ext cx="8596668" cy="3769064"/>
+            <a:off x="561924" y="2198255"/>
+            <a:ext cx="8596668" cy="4294908"/>
           </a:xfrm>
         </p:spPr>
         <p:txBody>
@@ -6078,73 +6115,73 @@
           <a:lstStyle/>
           <a:p>
             <a:r>
-              <a:rPr lang="en-US" sz="1800" b="1" dirty="0" err="1">
-                <a:solidFill>
-                  <a:srgbClr val="1F3763"/>
-                </a:solidFill>
-                <a:effectLst/>
-                <a:latin typeface="Calibri Light" panose="020F0302020204030204" pitchFamily="34" charset="0"/>
+              <a:rPr lang="en-US" sz="3000" b="1" dirty="0" err="1">
+                <a:solidFill>
+                  <a:schemeClr val="tx1"/>
+                </a:solidFill>
+                <a:effectLst/>
+                <a:latin typeface="Calibri" panose="020F0502020204030204" pitchFamily="34" charset="0"/>
                 <a:ea typeface="Times New Roman" panose="02020603050405020304" pitchFamily="18" charset="0"/>
-                <a:cs typeface="Times New Roman" panose="02020603050405020304" pitchFamily="18" charset="0"/>
+                <a:cs typeface="Calibri" panose="020F0502020204030204" pitchFamily="34" charset="0"/>
               </a:rPr>
               <a:t>Zahtev</a:t>
             </a:r>
             <a:r>
-              <a:rPr lang="en-US" sz="1800" b="1" dirty="0">
-                <a:solidFill>
-                  <a:srgbClr val="1F3763"/>
-                </a:solidFill>
-                <a:effectLst/>
-                <a:latin typeface="Calibri Light" panose="020F0302020204030204" pitchFamily="34" charset="0"/>
+              <a:rPr lang="en-US" sz="3000" b="1" dirty="0">
+                <a:solidFill>
+                  <a:schemeClr val="tx1"/>
+                </a:solidFill>
+                <a:effectLst/>
+                <a:latin typeface="Calibri" panose="020F0502020204030204" pitchFamily="34" charset="0"/>
                 <a:ea typeface="Times New Roman" panose="02020603050405020304" pitchFamily="18" charset="0"/>
-                <a:cs typeface="Times New Roman" panose="02020603050405020304" pitchFamily="18" charset="0"/>
+                <a:cs typeface="Calibri" panose="020F0502020204030204" pitchFamily="34" charset="0"/>
               </a:rPr>
               <a:t> za </a:t>
             </a:r>
             <a:r>
-              <a:rPr lang="en-US" sz="1800" b="1" dirty="0" err="1">
-                <a:solidFill>
-                  <a:srgbClr val="1F3763"/>
-                </a:solidFill>
-                <a:effectLst/>
-                <a:latin typeface="Calibri Light" panose="020F0302020204030204" pitchFamily="34" charset="0"/>
+              <a:rPr lang="en-US" sz="3000" b="1" dirty="0" err="1">
+                <a:solidFill>
+                  <a:schemeClr val="tx1"/>
+                </a:solidFill>
+                <a:effectLst/>
+                <a:latin typeface="Calibri" panose="020F0502020204030204" pitchFamily="34" charset="0"/>
                 <a:ea typeface="Times New Roman" panose="02020603050405020304" pitchFamily="18" charset="0"/>
-                <a:cs typeface="Times New Roman" panose="02020603050405020304" pitchFamily="18" charset="0"/>
+                <a:cs typeface="Calibri" panose="020F0502020204030204" pitchFamily="34" charset="0"/>
               </a:rPr>
               <a:t>dobijanje</a:t>
             </a:r>
             <a:r>
-              <a:rPr lang="en-US" sz="1800" b="1" dirty="0">
-                <a:solidFill>
-                  <a:srgbClr val="1F3763"/>
-                </a:solidFill>
-                <a:effectLst/>
-                <a:latin typeface="Calibri Light" panose="020F0302020204030204" pitchFamily="34" charset="0"/>
+              <a:rPr lang="en-US" sz="3000" b="1" dirty="0">
+                <a:solidFill>
+                  <a:schemeClr val="tx1"/>
+                </a:solidFill>
+                <a:effectLst/>
+                <a:latin typeface="Calibri" panose="020F0502020204030204" pitchFamily="34" charset="0"/>
                 <a:ea typeface="Times New Roman" panose="02020603050405020304" pitchFamily="18" charset="0"/>
-                <a:cs typeface="Times New Roman" panose="02020603050405020304" pitchFamily="18" charset="0"/>
+                <a:cs typeface="Calibri" panose="020F0502020204030204" pitchFamily="34" charset="0"/>
               </a:rPr>
               <a:t> </a:t>
             </a:r>
             <a:r>
-              <a:rPr lang="en-US" sz="1800" b="1" dirty="0" err="1">
-                <a:solidFill>
-                  <a:srgbClr val="1F3763"/>
-                </a:solidFill>
-                <a:effectLst/>
-                <a:latin typeface="Calibri Light" panose="020F0302020204030204" pitchFamily="34" charset="0"/>
+              <a:rPr lang="en-US" sz="3000" b="1" dirty="0" err="1">
+                <a:solidFill>
+                  <a:schemeClr val="tx1"/>
+                </a:solidFill>
+                <a:effectLst/>
+                <a:latin typeface="Calibri" panose="020F0502020204030204" pitchFamily="34" charset="0"/>
                 <a:ea typeface="Times New Roman" panose="02020603050405020304" pitchFamily="18" charset="0"/>
-                <a:cs typeface="Times New Roman" panose="02020603050405020304" pitchFamily="18" charset="0"/>
+                <a:cs typeface="Calibri" panose="020F0502020204030204" pitchFamily="34" charset="0"/>
               </a:rPr>
               <a:t>tokena</a:t>
             </a:r>
-            <a:endParaRPr lang="en-US" sz="1800" b="1" dirty="0">
+            <a:endParaRPr lang="en-US" sz="3000" b="1" dirty="0">
               <a:solidFill>
-                <a:srgbClr val="1F3763"/>
+                <a:schemeClr val="tx1"/>
               </a:solidFill>
               <a:effectLst/>
-              <a:latin typeface="Calibri Light" panose="020F0302020204030204" pitchFamily="34" charset="0"/>
+              <a:latin typeface="Calibri" panose="020F0502020204030204" pitchFamily="34" charset="0"/>
               <a:ea typeface="Times New Roman" panose="02020603050405020304" pitchFamily="18" charset="0"/>
-              <a:cs typeface="Times New Roman" panose="02020603050405020304" pitchFamily="18" charset="0"/>
+              <a:cs typeface="Calibri" panose="020F0502020204030204" pitchFamily="34" charset="0"/>
             </a:endParaRPr>
           </a:p>
           <a:p>
@@ -6152,7 +6189,7 @@
               <a:buNone/>
             </a:pPr>
             <a:r>
-              <a:rPr lang="en-US" sz="1800" spc="-25" dirty="0">
+              <a:rPr lang="en-US" sz="1900" spc="-25" dirty="0">
                 <a:solidFill>
                   <a:srgbClr val="000000"/>
                 </a:solidFill>
@@ -6164,7 +6201,7 @@
               <a:t>POST /</a:t>
             </a:r>
             <a:r>
-              <a:rPr lang="en-US" sz="1800" spc="-25" dirty="0" err="1">
+              <a:rPr lang="en-US" sz="1900" spc="-25" dirty="0" err="1">
                 <a:solidFill>
                   <a:srgbClr val="000000"/>
                 </a:solidFill>
@@ -6176,7 +6213,7 @@
               <a:t>oidc</a:t>
             </a:r>
             <a:r>
-              <a:rPr lang="en-US" sz="1800" spc="-25" dirty="0">
+              <a:rPr lang="en-US" sz="1900" spc="-25" dirty="0">
                 <a:solidFill>
                   <a:srgbClr val="000000"/>
                 </a:solidFill>
@@ -6188,7 +6225,7 @@
               <a:t>/token HTTP/1.1</a:t>
             </a:r>
             <a:br>
-              <a:rPr lang="en-US" sz="1800" spc="-25" dirty="0">
+              <a:rPr lang="en-US" sz="1900" spc="-25" dirty="0">
                 <a:effectLst/>
                 <a:latin typeface="Calibri" panose="020F0502020204030204" pitchFamily="34" charset="0"/>
                 <a:ea typeface="Calibri" panose="020F0502020204030204" pitchFamily="34" charset="0"/>
@@ -6196,7 +6233,7 @@
               </a:rPr>
             </a:br>
             <a:r>
-              <a:rPr lang="en-US" sz="1800" spc="-25" dirty="0">
+              <a:rPr lang="en-US" sz="1900" spc="-25" dirty="0">
                 <a:solidFill>
                   <a:srgbClr val="000000"/>
                 </a:solidFill>
@@ -6208,7 +6245,7 @@
               <a:t>Host: server.example.com</a:t>
             </a:r>
             <a:br>
-              <a:rPr lang="en-US" sz="1800" spc="-25" dirty="0">
+              <a:rPr lang="en-US" sz="1900" spc="-25" dirty="0">
                 <a:effectLst/>
                 <a:latin typeface="Calibri" panose="020F0502020204030204" pitchFamily="34" charset="0"/>
                 <a:ea typeface="Calibri" panose="020F0502020204030204" pitchFamily="34" charset="0"/>
@@ -6216,7 +6253,7 @@
               </a:rPr>
             </a:br>
             <a:r>
-              <a:rPr lang="en-US" sz="1800" spc="-25" dirty="0">
+              <a:rPr lang="en-US" sz="1900" spc="-25" dirty="0">
                 <a:solidFill>
                   <a:srgbClr val="000000"/>
                 </a:solidFill>
@@ -6228,7 +6265,7 @@
               <a:t>Content-Type: application/x-www-form-</a:t>
             </a:r>
             <a:r>
-              <a:rPr lang="en-US" sz="1800" spc="-25" dirty="0" err="1">
+              <a:rPr lang="en-US" sz="1900" spc="-25" dirty="0" err="1">
                 <a:solidFill>
                   <a:srgbClr val="000000"/>
                 </a:solidFill>
@@ -6240,7 +6277,7 @@
               <a:t>urlencoded</a:t>
             </a:r>
             <a:br>
-              <a:rPr lang="en-US" sz="1800" spc="-25" dirty="0">
+              <a:rPr lang="en-US" sz="1900" spc="-25" dirty="0">
                 <a:effectLst/>
                 <a:latin typeface="Calibri" panose="020F0502020204030204" pitchFamily="34" charset="0"/>
                 <a:ea typeface="Calibri" panose="020F0502020204030204" pitchFamily="34" charset="0"/>
@@ -6248,7 +6285,7 @@
               </a:rPr>
             </a:br>
             <a:r>
-              <a:rPr lang="en-US" sz="1800" spc="-25" dirty="0" err="1">
+              <a:rPr lang="en-US" sz="1900" spc="-25" dirty="0" err="1">
                 <a:solidFill>
                   <a:srgbClr val="000000"/>
                 </a:solidFill>
@@ -6260,7 +6297,7 @@
               <a:t>grant_type</a:t>
             </a:r>
             <a:r>
-              <a:rPr lang="en-US" sz="1800" spc="-25" dirty="0">
+              <a:rPr lang="en-US" sz="1900" spc="-25" dirty="0">
                 <a:solidFill>
                   <a:srgbClr val="000000"/>
                 </a:solidFill>
@@ -6272,7 +6309,7 @@
               <a:t>=</a:t>
             </a:r>
             <a:r>
-              <a:rPr lang="en-US" sz="1800" spc="-25" dirty="0" err="1">
+              <a:rPr lang="en-US" sz="1900" spc="-25" dirty="0" err="1">
                 <a:solidFill>
                   <a:srgbClr val="000000"/>
                 </a:solidFill>
@@ -6284,7 +6321,7 @@
               <a:t>authorization_code</a:t>
             </a:r>
             <a:r>
-              <a:rPr lang="en-US" sz="1800" spc="-25" dirty="0">
+              <a:rPr lang="en-US" sz="1900" spc="-25" dirty="0">
                 <a:solidFill>
                   <a:srgbClr val="000000"/>
                 </a:solidFill>
@@ -6296,7 +6333,7 @@
               <a:t>&amp;</a:t>
             </a:r>
             <a:br>
-              <a:rPr lang="en-US" sz="1800" spc="-25" dirty="0">
+              <a:rPr lang="en-US" sz="1900" spc="-25" dirty="0">
                 <a:effectLst/>
                 <a:latin typeface="Calibri" panose="020F0502020204030204" pitchFamily="34" charset="0"/>
                 <a:ea typeface="Calibri" panose="020F0502020204030204" pitchFamily="34" charset="0"/>
@@ -6304,7 +6341,7 @@
               </a:rPr>
             </a:br>
             <a:r>
-              <a:rPr lang="en-US" sz="1800" spc="-25" dirty="0">
+              <a:rPr lang="en-US" sz="1900" spc="-25" dirty="0">
                 <a:solidFill>
                   <a:srgbClr val="000000"/>
                 </a:solidFill>
@@ -6316,7 +6353,7 @@
               <a:t>code=SplxlOBeZQQYbYS6WxSbIA&amp;</a:t>
             </a:r>
             <a:br>
-              <a:rPr lang="en-US" sz="1800" spc="-25" dirty="0">
+              <a:rPr lang="en-US" sz="1900" spc="-25" dirty="0">
                 <a:effectLst/>
                 <a:latin typeface="Calibri" panose="020F0502020204030204" pitchFamily="34" charset="0"/>
                 <a:ea typeface="Calibri" panose="020F0502020204030204" pitchFamily="34" charset="0"/>
@@ -6324,7 +6361,7 @@
               </a:rPr>
             </a:br>
             <a:r>
-              <a:rPr lang="en-US" sz="1800" spc="-25" dirty="0" err="1">
+              <a:rPr lang="en-US" sz="1900" spc="-25" dirty="0" err="1">
                 <a:solidFill>
                   <a:srgbClr val="000000"/>
                 </a:solidFill>
@@ -6336,7 +6373,7 @@
               <a:t>redirect_uri</a:t>
             </a:r>
             <a:r>
-              <a:rPr lang="en-US" sz="1800" spc="-25" dirty="0">
+              <a:rPr lang="en-US" sz="1900" spc="-25" dirty="0">
                 <a:solidFill>
                   <a:srgbClr val="000000"/>
                 </a:solidFill>
@@ -6348,7 +6385,7 @@
               <a:t>=https%3A%2F%2Fclient.example.org%2Fcb&amp;</a:t>
             </a:r>
             <a:br>
-              <a:rPr lang="en-US" sz="1800" spc="-25" dirty="0">
+              <a:rPr lang="en-US" sz="1900" spc="-25" dirty="0">
                 <a:effectLst/>
                 <a:latin typeface="Calibri" panose="020F0502020204030204" pitchFamily="34" charset="0"/>
                 <a:ea typeface="Calibri" panose="020F0502020204030204" pitchFamily="34" charset="0"/>
@@ -6356,7 +6393,7 @@
               </a:rPr>
             </a:br>
             <a:r>
-              <a:rPr lang="en-US" sz="1800" spc="-25" dirty="0" err="1">
+              <a:rPr lang="en-US" sz="1900" spc="-25" dirty="0" err="1">
                 <a:solidFill>
                   <a:srgbClr val="000000"/>
                 </a:solidFill>
@@ -6368,7 +6405,7 @@
               <a:t>client_id</a:t>
             </a:r>
             <a:r>
-              <a:rPr lang="en-US" sz="1800" spc="-25" dirty="0">
+              <a:rPr lang="en-US" sz="1900" spc="-25" dirty="0">
                 <a:solidFill>
                   <a:srgbClr val="000000"/>
                 </a:solidFill>
@@ -6380,7 +6417,7 @@
               <a:t>=s6BhdRkqt3&amp;</a:t>
             </a:r>
             <a:br>
-              <a:rPr lang="en-US" sz="1800" spc="-25" dirty="0">
+              <a:rPr lang="en-US" sz="1900" spc="-25" dirty="0">
                 <a:effectLst/>
                 <a:latin typeface="Calibri" panose="020F0502020204030204" pitchFamily="34" charset="0"/>
                 <a:ea typeface="Calibri" panose="020F0502020204030204" pitchFamily="34" charset="0"/>
@@ -6388,7 +6425,7 @@
               </a:rPr>
             </a:br>
             <a:r>
-              <a:rPr lang="en-US" sz="1800" spc="-25" dirty="0" err="1">
+              <a:rPr lang="en-US" sz="1900" spc="-25" dirty="0" err="1">
                 <a:solidFill>
                   <a:srgbClr val="000000"/>
                 </a:solidFill>
@@ -6400,7 +6437,7 @@
               <a:t>client_secret</a:t>
             </a:r>
             <a:r>
-              <a:rPr lang="en-US" sz="1800" spc="-25" dirty="0">
+              <a:rPr lang="en-US" sz="1900" spc="-25" dirty="0">
                 <a:solidFill>
                   <a:srgbClr val="000000"/>
                 </a:solidFill>
@@ -6414,37 +6451,49 @@
           </a:p>
           <a:p>
             <a:r>
-              <a:rPr lang="en-US" sz="1800" dirty="0" err="1">
-                <a:effectLst/>
-                <a:latin typeface="Calibri" panose="020F0502020204030204" pitchFamily="34" charset="0"/>
-                <a:ea typeface="Calibri" panose="020F0502020204030204" pitchFamily="34" charset="0"/>
-                <a:cs typeface="Times New Roman" panose="02020603050405020304" pitchFamily="18" charset="0"/>
+              <a:rPr lang="en-US" sz="3000" b="1" dirty="0" err="1">
+                <a:solidFill>
+                  <a:schemeClr val="tx1"/>
+                </a:solidFill>
+                <a:effectLst/>
+                <a:latin typeface="Calibri" panose="020F0502020204030204" pitchFamily="34" charset="0"/>
+                <a:ea typeface="Calibri" panose="020F0502020204030204" pitchFamily="34" charset="0"/>
+                <a:cs typeface="Calibri" panose="020F0502020204030204" pitchFamily="34" charset="0"/>
               </a:rPr>
               <a:t>Odgovor</a:t>
             </a:r>
             <a:r>
-              <a:rPr lang="en-US" sz="1800" dirty="0">
-                <a:effectLst/>
-                <a:latin typeface="Calibri" panose="020F0502020204030204" pitchFamily="34" charset="0"/>
-                <a:ea typeface="Calibri" panose="020F0502020204030204" pitchFamily="34" charset="0"/>
-                <a:cs typeface="Times New Roman" panose="02020603050405020304" pitchFamily="18" charset="0"/>
+              <a:rPr lang="en-US" sz="3000" b="1" dirty="0">
+                <a:solidFill>
+                  <a:schemeClr val="tx1"/>
+                </a:solidFill>
+                <a:effectLst/>
+                <a:latin typeface="Calibri" panose="020F0502020204030204" pitchFamily="34" charset="0"/>
+                <a:ea typeface="Calibri" panose="020F0502020204030204" pitchFamily="34" charset="0"/>
+                <a:cs typeface="Calibri" panose="020F0502020204030204" pitchFamily="34" charset="0"/>
               </a:rPr>
               <a:t> Token </a:t>
             </a:r>
             <a:r>
-              <a:rPr lang="en-US" sz="1800" dirty="0" err="1">
-                <a:effectLst/>
-                <a:latin typeface="Calibri" panose="020F0502020204030204" pitchFamily="34" charset="0"/>
-                <a:ea typeface="Calibri" panose="020F0502020204030204" pitchFamily="34" charset="0"/>
-                <a:cs typeface="Times New Roman" panose="02020603050405020304" pitchFamily="18" charset="0"/>
+              <a:rPr lang="en-US" sz="3000" b="1" dirty="0" err="1">
+                <a:solidFill>
+                  <a:schemeClr val="tx1"/>
+                </a:solidFill>
+                <a:effectLst/>
+                <a:latin typeface="Calibri" panose="020F0502020204030204" pitchFamily="34" charset="0"/>
+                <a:ea typeface="Calibri" panose="020F0502020204030204" pitchFamily="34" charset="0"/>
+                <a:cs typeface="Calibri" panose="020F0502020204030204" pitchFamily="34" charset="0"/>
               </a:rPr>
               <a:t>metode</a:t>
             </a:r>
-            <a:endParaRPr lang="en-US" sz="1800" dirty="0">
+            <a:endParaRPr lang="en-US" sz="3000" b="1" dirty="0">
+              <a:solidFill>
+                <a:schemeClr val="tx1"/>
+              </a:solidFill>
               <a:effectLst/>
               <a:latin typeface="Calibri" panose="020F0502020204030204" pitchFamily="34" charset="0"/>
               <a:ea typeface="Calibri" panose="020F0502020204030204" pitchFamily="34" charset="0"/>
-              <a:cs typeface="Times New Roman" panose="02020603050405020304" pitchFamily="18" charset="0"/>
+              <a:cs typeface="Calibri" panose="020F0502020204030204" pitchFamily="34" charset="0"/>
             </a:endParaRPr>
           </a:p>
           <a:p>
@@ -6452,163 +6501,178 @@
               <a:buNone/>
             </a:pPr>
             <a:r>
-              <a:rPr lang="en-US" sz="1800" spc="-25" dirty="0">
-                <a:solidFill>
-                  <a:srgbClr val="000000"/>
-                </a:solidFill>
-                <a:effectLst/>
-                <a:latin typeface="Calibri" panose="020F0502020204030204" pitchFamily="34" charset="0"/>
-                <a:ea typeface="Calibri" panose="020F0502020204030204" pitchFamily="34" charset="0"/>
+              <a:rPr lang="en-US" sz="1900" spc="-25" dirty="0">
+                <a:solidFill>
+                  <a:srgbClr val="000000"/>
+                </a:solidFill>
+                <a:effectLst/>
+                <a:latin typeface="Calibri" panose="020F0502020204030204" pitchFamily="34" charset="0"/>
+                <a:ea typeface="Calibri" panose="020F0502020204030204" pitchFamily="34" charset="0"/>
+                <a:cs typeface="Calibri" panose="020F0502020204030204" pitchFamily="34" charset="0"/>
               </a:rPr>
               <a:t>“</a:t>
             </a:r>
             <a:r>
-              <a:rPr lang="en-US" sz="1800" spc="-25" dirty="0" err="1">
-                <a:solidFill>
-                  <a:srgbClr val="000000"/>
-                </a:solidFill>
-                <a:effectLst/>
-                <a:latin typeface="Calibri" panose="020F0502020204030204" pitchFamily="34" charset="0"/>
-                <a:ea typeface="Calibri" panose="020F0502020204030204" pitchFamily="34" charset="0"/>
+              <a:rPr lang="en-US" sz="1900" spc="-25" dirty="0" err="1">
+                <a:solidFill>
+                  <a:srgbClr val="000000"/>
+                </a:solidFill>
+                <a:effectLst/>
+                <a:latin typeface="Calibri" panose="020F0502020204030204" pitchFamily="34" charset="0"/>
+                <a:ea typeface="Calibri" panose="020F0502020204030204" pitchFamily="34" charset="0"/>
+                <a:cs typeface="Calibri" panose="020F0502020204030204" pitchFamily="34" charset="0"/>
               </a:rPr>
               <a:t>access_token</a:t>
             </a:r>
             <a:r>
-              <a:rPr lang="en-US" sz="1800" spc="-25" dirty="0">
-                <a:solidFill>
-                  <a:srgbClr val="000000"/>
-                </a:solidFill>
-                <a:effectLst/>
-                <a:latin typeface="Calibri" panose="020F0502020204030204" pitchFamily="34" charset="0"/>
-                <a:ea typeface="Calibri" panose="020F0502020204030204" pitchFamily="34" charset="0"/>
+              <a:rPr lang="en-US" sz="1900" spc="-25" dirty="0">
+                <a:solidFill>
+                  <a:srgbClr val="000000"/>
+                </a:solidFill>
+                <a:effectLst/>
+                <a:latin typeface="Calibri" panose="020F0502020204030204" pitchFamily="34" charset="0"/>
+                <a:ea typeface="Calibri" panose="020F0502020204030204" pitchFamily="34" charset="0"/>
+                <a:cs typeface="Calibri" panose="020F0502020204030204" pitchFamily="34" charset="0"/>
               </a:rPr>
               <a:t>”: “SlAV32hkKG”,</a:t>
             </a:r>
             <a:br>
-              <a:rPr lang="en-US" sz="1800" spc="-25" dirty="0">
-                <a:effectLst/>
-                <a:latin typeface="Calibri" panose="020F0502020204030204" pitchFamily="34" charset="0"/>
-                <a:ea typeface="Calibri" panose="020F0502020204030204" pitchFamily="34" charset="0"/>
+              <a:rPr lang="en-US" sz="1900" spc="-25" dirty="0">
+                <a:effectLst/>
+                <a:latin typeface="Calibri" panose="020F0502020204030204" pitchFamily="34" charset="0"/>
+                <a:ea typeface="Calibri" panose="020F0502020204030204" pitchFamily="34" charset="0"/>
+                <a:cs typeface="Calibri" panose="020F0502020204030204" pitchFamily="34" charset="0"/>
               </a:rPr>
             </a:br>
             <a:r>
-              <a:rPr lang="en-US" sz="1800" spc="-25" dirty="0">
-                <a:solidFill>
-                  <a:srgbClr val="000000"/>
-                </a:solidFill>
-                <a:effectLst/>
-                <a:latin typeface="Calibri" panose="020F0502020204030204" pitchFamily="34" charset="0"/>
-                <a:ea typeface="Calibri" panose="020F0502020204030204" pitchFamily="34" charset="0"/>
+              <a:rPr lang="en-US" sz="1900" spc="-25" dirty="0">
+                <a:solidFill>
+                  <a:srgbClr val="000000"/>
+                </a:solidFill>
+                <a:effectLst/>
+                <a:latin typeface="Calibri" panose="020F0502020204030204" pitchFamily="34" charset="0"/>
+                <a:ea typeface="Calibri" panose="020F0502020204030204" pitchFamily="34" charset="0"/>
+                <a:cs typeface="Calibri" panose="020F0502020204030204" pitchFamily="34" charset="0"/>
               </a:rPr>
               <a:t>“</a:t>
             </a:r>
             <a:r>
-              <a:rPr lang="en-US" sz="1800" spc="-25" dirty="0" err="1">
-                <a:solidFill>
-                  <a:srgbClr val="000000"/>
-                </a:solidFill>
-                <a:effectLst/>
-                <a:latin typeface="Calibri" panose="020F0502020204030204" pitchFamily="34" charset="0"/>
-                <a:ea typeface="Calibri" panose="020F0502020204030204" pitchFamily="34" charset="0"/>
+              <a:rPr lang="en-US" sz="1900" spc="-25" dirty="0" err="1">
+                <a:solidFill>
+                  <a:srgbClr val="000000"/>
+                </a:solidFill>
+                <a:effectLst/>
+                <a:latin typeface="Calibri" panose="020F0502020204030204" pitchFamily="34" charset="0"/>
+                <a:ea typeface="Calibri" panose="020F0502020204030204" pitchFamily="34" charset="0"/>
+                <a:cs typeface="Calibri" panose="020F0502020204030204" pitchFamily="34" charset="0"/>
               </a:rPr>
               <a:t>token_type</a:t>
             </a:r>
             <a:r>
-              <a:rPr lang="en-US" sz="1800" spc="-25" dirty="0">
-                <a:solidFill>
-                  <a:srgbClr val="000000"/>
-                </a:solidFill>
-                <a:effectLst/>
-                <a:latin typeface="Calibri" panose="020F0502020204030204" pitchFamily="34" charset="0"/>
-                <a:ea typeface="Calibri" panose="020F0502020204030204" pitchFamily="34" charset="0"/>
+              <a:rPr lang="en-US" sz="1900" spc="-25" dirty="0">
+                <a:solidFill>
+                  <a:srgbClr val="000000"/>
+                </a:solidFill>
+                <a:effectLst/>
+                <a:latin typeface="Calibri" panose="020F0502020204030204" pitchFamily="34" charset="0"/>
+                <a:ea typeface="Calibri" panose="020F0502020204030204" pitchFamily="34" charset="0"/>
+                <a:cs typeface="Calibri" panose="020F0502020204030204" pitchFamily="34" charset="0"/>
               </a:rPr>
               <a:t>”: “Bearer”,</a:t>
             </a:r>
             <a:br>
-              <a:rPr lang="en-US" sz="1800" spc="-25" dirty="0">
-                <a:effectLst/>
-                <a:latin typeface="Calibri" panose="020F0502020204030204" pitchFamily="34" charset="0"/>
-                <a:ea typeface="Calibri" panose="020F0502020204030204" pitchFamily="34" charset="0"/>
+              <a:rPr lang="en-US" sz="1900" spc="-25" dirty="0">
+                <a:effectLst/>
+                <a:latin typeface="Calibri" panose="020F0502020204030204" pitchFamily="34" charset="0"/>
+                <a:ea typeface="Calibri" panose="020F0502020204030204" pitchFamily="34" charset="0"/>
+                <a:cs typeface="Calibri" panose="020F0502020204030204" pitchFamily="34" charset="0"/>
               </a:rPr>
             </a:br>
             <a:r>
-              <a:rPr lang="en-US" sz="1800" spc="-25" dirty="0">
-                <a:solidFill>
-                  <a:srgbClr val="000000"/>
-                </a:solidFill>
-                <a:effectLst/>
-                <a:latin typeface="Calibri" panose="020F0502020204030204" pitchFamily="34" charset="0"/>
-                <a:ea typeface="Calibri" panose="020F0502020204030204" pitchFamily="34" charset="0"/>
+              <a:rPr lang="en-US" sz="1900" spc="-25" dirty="0">
+                <a:solidFill>
+                  <a:srgbClr val="000000"/>
+                </a:solidFill>
+                <a:effectLst/>
+                <a:latin typeface="Calibri" panose="020F0502020204030204" pitchFamily="34" charset="0"/>
+                <a:ea typeface="Calibri" panose="020F0502020204030204" pitchFamily="34" charset="0"/>
+                <a:cs typeface="Calibri" panose="020F0502020204030204" pitchFamily="34" charset="0"/>
               </a:rPr>
               <a:t>“</a:t>
             </a:r>
             <a:r>
-              <a:rPr lang="en-US" sz="1800" spc="-25" dirty="0" err="1">
-                <a:solidFill>
-                  <a:srgbClr val="000000"/>
-                </a:solidFill>
-                <a:effectLst/>
-                <a:latin typeface="Calibri" panose="020F0502020204030204" pitchFamily="34" charset="0"/>
-                <a:ea typeface="Calibri" panose="020F0502020204030204" pitchFamily="34" charset="0"/>
+              <a:rPr lang="en-US" sz="1900" spc="-25" dirty="0" err="1">
+                <a:solidFill>
+                  <a:srgbClr val="000000"/>
+                </a:solidFill>
+                <a:effectLst/>
+                <a:latin typeface="Calibri" panose="020F0502020204030204" pitchFamily="34" charset="0"/>
+                <a:ea typeface="Calibri" panose="020F0502020204030204" pitchFamily="34" charset="0"/>
+                <a:cs typeface="Calibri" panose="020F0502020204030204" pitchFamily="34" charset="0"/>
               </a:rPr>
               <a:t>expires_in</a:t>
             </a:r>
             <a:r>
-              <a:rPr lang="en-US" sz="1800" spc="-25" dirty="0">
-                <a:solidFill>
-                  <a:srgbClr val="000000"/>
-                </a:solidFill>
-                <a:effectLst/>
-                <a:latin typeface="Calibri" panose="020F0502020204030204" pitchFamily="34" charset="0"/>
-                <a:ea typeface="Calibri" panose="020F0502020204030204" pitchFamily="34" charset="0"/>
+              <a:rPr lang="en-US" sz="1900" spc="-25" dirty="0">
+                <a:solidFill>
+                  <a:srgbClr val="000000"/>
+                </a:solidFill>
+                <a:effectLst/>
+                <a:latin typeface="Calibri" panose="020F0502020204030204" pitchFamily="34" charset="0"/>
+                <a:ea typeface="Calibri" panose="020F0502020204030204" pitchFamily="34" charset="0"/>
+                <a:cs typeface="Calibri" panose="020F0502020204030204" pitchFamily="34" charset="0"/>
               </a:rPr>
               <a:t>”: 3600,</a:t>
             </a:r>
             <a:br>
-              <a:rPr lang="en-US" sz="1800" spc="-25" dirty="0">
-                <a:effectLst/>
-                <a:latin typeface="Calibri" panose="020F0502020204030204" pitchFamily="34" charset="0"/>
-                <a:ea typeface="Calibri" panose="020F0502020204030204" pitchFamily="34" charset="0"/>
+              <a:rPr lang="en-US" sz="1900" spc="-25" dirty="0">
+                <a:effectLst/>
+                <a:latin typeface="Calibri" panose="020F0502020204030204" pitchFamily="34" charset="0"/>
+                <a:ea typeface="Calibri" panose="020F0502020204030204" pitchFamily="34" charset="0"/>
+                <a:cs typeface="Calibri" panose="020F0502020204030204" pitchFamily="34" charset="0"/>
               </a:rPr>
             </a:br>
             <a:r>
-              <a:rPr lang="en-US" sz="1800" spc="-25" dirty="0">
-                <a:solidFill>
-                  <a:srgbClr val="000000"/>
-                </a:solidFill>
-                <a:effectLst/>
-                <a:latin typeface="Calibri" panose="020F0502020204030204" pitchFamily="34" charset="0"/>
-                <a:ea typeface="Calibri" panose="020F0502020204030204" pitchFamily="34" charset="0"/>
+              <a:rPr lang="en-US" sz="1900" spc="-25" dirty="0">
+                <a:solidFill>
+                  <a:srgbClr val="000000"/>
+                </a:solidFill>
+                <a:effectLst/>
+                <a:latin typeface="Calibri" panose="020F0502020204030204" pitchFamily="34" charset="0"/>
+                <a:ea typeface="Calibri" panose="020F0502020204030204" pitchFamily="34" charset="0"/>
+                <a:cs typeface="Calibri" panose="020F0502020204030204" pitchFamily="34" charset="0"/>
               </a:rPr>
               <a:t>“</a:t>
             </a:r>
             <a:r>
-              <a:rPr lang="en-US" sz="1800" spc="-25" dirty="0" err="1">
-                <a:solidFill>
-                  <a:srgbClr val="000000"/>
-                </a:solidFill>
-                <a:effectLst/>
-                <a:latin typeface="Calibri" panose="020F0502020204030204" pitchFamily="34" charset="0"/>
-                <a:ea typeface="Calibri" panose="020F0502020204030204" pitchFamily="34" charset="0"/>
+              <a:rPr lang="en-US" sz="1900" spc="-25" dirty="0" err="1">
+                <a:solidFill>
+                  <a:srgbClr val="000000"/>
+                </a:solidFill>
+                <a:effectLst/>
+                <a:latin typeface="Calibri" panose="020F0502020204030204" pitchFamily="34" charset="0"/>
+                <a:ea typeface="Calibri" panose="020F0502020204030204" pitchFamily="34" charset="0"/>
+                <a:cs typeface="Calibri" panose="020F0502020204030204" pitchFamily="34" charset="0"/>
               </a:rPr>
               <a:t>id_token</a:t>
             </a:r>
             <a:r>
-              <a:rPr lang="en-US" sz="1800" spc="-25" dirty="0">
-                <a:solidFill>
-                  <a:srgbClr val="000000"/>
-                </a:solidFill>
-                <a:effectLst/>
-                <a:latin typeface="Calibri" panose="020F0502020204030204" pitchFamily="34" charset="0"/>
-                <a:ea typeface="Calibri" panose="020F0502020204030204" pitchFamily="34" charset="0"/>
+              <a:rPr lang="en-US" sz="1900" spc="-25" dirty="0">
+                <a:solidFill>
+                  <a:srgbClr val="000000"/>
+                </a:solidFill>
+                <a:effectLst/>
+                <a:latin typeface="Calibri" panose="020F0502020204030204" pitchFamily="34" charset="0"/>
+                <a:ea typeface="Calibri" panose="020F0502020204030204" pitchFamily="34" charset="0"/>
+                <a:cs typeface="Calibri" panose="020F0502020204030204" pitchFamily="34" charset="0"/>
               </a:rPr>
               <a:t>”: “eyJhbGciOiJSUzI1NiIsImtpZCI6IjFlOWdkazcifQ.ewogImlzc…”</a:t>
             </a:r>
-            <a:endParaRPr lang="en-US" sz="1800" dirty="0">
+            <a:endParaRPr lang="en-US" sz="1900" dirty="0">
               <a:effectLst/>
               <a:latin typeface="Calibri" panose="020F0502020204030204" pitchFamily="34" charset="0"/>
               <a:ea typeface="Calibri" panose="020F0502020204030204" pitchFamily="34" charset="0"/>
-              <a:cs typeface="Times New Roman" panose="02020603050405020304" pitchFamily="18" charset="0"/>
+              <a:cs typeface="Calibri" panose="020F0502020204030204" pitchFamily="34" charset="0"/>
             </a:endParaRPr>
           </a:p>
           <a:p>
@@ -6673,11 +6737,11 @@
           <a:lstStyle/>
           <a:p>
             <a:r>
-              <a:rPr lang="en-US" dirty="0" err="1"/>
+              <a:rPr lang="en-US" b="1" dirty="0" err="1"/>
               <a:t>Implicitni</a:t>
             </a:r>
             <a:r>
-              <a:rPr lang="en-US" dirty="0"/>
+              <a:rPr lang="en-US" b="1" dirty="0"/>
               <a:t> Tok</a:t>
             </a:r>
           </a:p>
@@ -6702,35 +6766,35 @@
         <p:spPr>
           <a:xfrm>
             <a:off x="588557" y="1488613"/>
-            <a:ext cx="8596668" cy="4645857"/>
+            <a:ext cx="8596668" cy="5369387"/>
           </a:xfrm>
         </p:spPr>
         <p:txBody>
           <a:bodyPr>
-            <a:normAutofit lnSpcReduction="10000"/>
+            <a:normAutofit/>
           </a:bodyPr>
           <a:lstStyle/>
           <a:p>
             <a:r>
-              <a:rPr lang="sr-Latn-RS" sz="1800" b="1" dirty="0">
-                <a:solidFill>
-                  <a:srgbClr val="1F3763"/>
-                </a:solidFill>
-                <a:effectLst/>
-                <a:latin typeface="Calibri Light" panose="020F0302020204030204" pitchFamily="34" charset="0"/>
+              <a:rPr lang="sr-Latn-RS" sz="2800" b="1" dirty="0">
+                <a:solidFill>
+                  <a:schemeClr val="tx1"/>
+                </a:solidFill>
+                <a:effectLst/>
+                <a:latin typeface="Calibri" panose="020F0502020204030204" pitchFamily="34" charset="0"/>
                 <a:ea typeface="Times New Roman" panose="02020603050405020304" pitchFamily="18" charset="0"/>
-                <a:cs typeface="Times New Roman" panose="02020603050405020304" pitchFamily="18" charset="0"/>
+                <a:cs typeface="Calibri" panose="020F0502020204030204" pitchFamily="34" charset="0"/>
               </a:rPr>
               <a:t>Zahtev za autentikaciju</a:t>
             </a:r>
-            <a:endParaRPr lang="en-US" sz="1800" b="1" dirty="0">
+            <a:endParaRPr lang="en-US" sz="2800" b="1" dirty="0">
               <a:solidFill>
-                <a:srgbClr val="1F3763"/>
+                <a:schemeClr val="tx1"/>
               </a:solidFill>
               <a:effectLst/>
-              <a:latin typeface="Calibri Light" panose="020F0302020204030204" pitchFamily="34" charset="0"/>
+              <a:latin typeface="Calibri" panose="020F0502020204030204" pitchFamily="34" charset="0"/>
               <a:ea typeface="Times New Roman" panose="02020603050405020304" pitchFamily="18" charset="0"/>
-              <a:cs typeface="Times New Roman" panose="02020603050405020304" pitchFamily="18" charset="0"/>
+              <a:cs typeface="Calibri" panose="020F0502020204030204" pitchFamily="34" charset="0"/>
             </a:endParaRPr>
           </a:p>
           <a:p>
@@ -6745,6 +6809,7 @@
                 <a:effectLst/>
                 <a:latin typeface="Calibri" panose="020F0502020204030204" pitchFamily="34" charset="0"/>
                 <a:ea typeface="Calibri" panose="020F0502020204030204" pitchFamily="34" charset="0"/>
+                <a:cs typeface="Calibri" panose="020F0502020204030204" pitchFamily="34" charset="0"/>
               </a:rPr>
               <a:t>GET /</a:t>
             </a:r>
@@ -6756,6 +6821,7 @@
                 <a:effectLst/>
                 <a:latin typeface="Calibri" panose="020F0502020204030204" pitchFamily="34" charset="0"/>
                 <a:ea typeface="Calibri" panose="020F0502020204030204" pitchFamily="34" charset="0"/>
+                <a:cs typeface="Calibri" panose="020F0502020204030204" pitchFamily="34" charset="0"/>
               </a:rPr>
               <a:t>oidc</a:t>
             </a:r>
@@ -6767,6 +6833,7 @@
                 <a:effectLst/>
                 <a:latin typeface="Calibri" panose="020F0502020204030204" pitchFamily="34" charset="0"/>
                 <a:ea typeface="Calibri" panose="020F0502020204030204" pitchFamily="34" charset="0"/>
+                <a:cs typeface="Calibri" panose="020F0502020204030204" pitchFamily="34" charset="0"/>
               </a:rPr>
               <a:t>/authorize?</a:t>
             </a:r>
@@ -6775,6 +6842,7 @@
                 <a:effectLst/>
                 <a:latin typeface="Calibri" panose="020F0502020204030204" pitchFamily="34" charset="0"/>
                 <a:ea typeface="Calibri" panose="020F0502020204030204" pitchFamily="34" charset="0"/>
+                <a:cs typeface="Calibri" panose="020F0502020204030204" pitchFamily="34" charset="0"/>
               </a:rPr>
             </a:br>
             <a:r>
@@ -6785,6 +6853,7 @@
                 <a:effectLst/>
                 <a:latin typeface="Calibri" panose="020F0502020204030204" pitchFamily="34" charset="0"/>
                 <a:ea typeface="Calibri" panose="020F0502020204030204" pitchFamily="34" charset="0"/>
+                <a:cs typeface="Calibri" panose="020F0502020204030204" pitchFamily="34" charset="0"/>
               </a:rPr>
               <a:t>response_type</a:t>
             </a:r>
@@ -6796,6 +6865,7 @@
                 <a:effectLst/>
                 <a:latin typeface="Calibri" panose="020F0502020204030204" pitchFamily="34" charset="0"/>
                 <a:ea typeface="Calibri" panose="020F0502020204030204" pitchFamily="34" charset="0"/>
+                <a:cs typeface="Calibri" panose="020F0502020204030204" pitchFamily="34" charset="0"/>
               </a:rPr>
               <a:t>=id_token%20token</a:t>
             </a:r>
@@ -6804,6 +6874,7 @@
                 <a:effectLst/>
                 <a:latin typeface="Calibri" panose="020F0502020204030204" pitchFamily="34" charset="0"/>
                 <a:ea typeface="Calibri" panose="020F0502020204030204" pitchFamily="34" charset="0"/>
+                <a:cs typeface="Calibri" panose="020F0502020204030204" pitchFamily="34" charset="0"/>
               </a:rPr>
             </a:br>
             <a:r>
@@ -6814,6 +6885,7 @@
                 <a:effectLst/>
                 <a:latin typeface="Calibri" panose="020F0502020204030204" pitchFamily="34" charset="0"/>
                 <a:ea typeface="Calibri" panose="020F0502020204030204" pitchFamily="34" charset="0"/>
+                <a:cs typeface="Calibri" panose="020F0502020204030204" pitchFamily="34" charset="0"/>
               </a:rPr>
               <a:t>&amp;</a:t>
             </a:r>
@@ -6825,6 +6897,7 @@
                 <a:effectLst/>
                 <a:latin typeface="Calibri" panose="020F0502020204030204" pitchFamily="34" charset="0"/>
                 <a:ea typeface="Calibri" panose="020F0502020204030204" pitchFamily="34" charset="0"/>
+                <a:cs typeface="Calibri" panose="020F0502020204030204" pitchFamily="34" charset="0"/>
               </a:rPr>
               <a:t>client_id</a:t>
             </a:r>
@@ -6836,6 +6909,7 @@
                 <a:effectLst/>
                 <a:latin typeface="Calibri" panose="020F0502020204030204" pitchFamily="34" charset="0"/>
                 <a:ea typeface="Calibri" panose="020F0502020204030204" pitchFamily="34" charset="0"/>
+                <a:cs typeface="Calibri" panose="020F0502020204030204" pitchFamily="34" charset="0"/>
               </a:rPr>
               <a:t>=s6BhdRkqt3</a:t>
             </a:r>
@@ -6844,6 +6918,7 @@
                 <a:effectLst/>
                 <a:latin typeface="Calibri" panose="020F0502020204030204" pitchFamily="34" charset="0"/>
                 <a:ea typeface="Calibri" panose="020F0502020204030204" pitchFamily="34" charset="0"/>
+                <a:cs typeface="Calibri" panose="020F0502020204030204" pitchFamily="34" charset="0"/>
               </a:rPr>
             </a:br>
             <a:r>
@@ -6854,6 +6929,7 @@
                 <a:effectLst/>
                 <a:latin typeface="Calibri" panose="020F0502020204030204" pitchFamily="34" charset="0"/>
                 <a:ea typeface="Calibri" panose="020F0502020204030204" pitchFamily="34" charset="0"/>
+                <a:cs typeface="Calibri" panose="020F0502020204030204" pitchFamily="34" charset="0"/>
               </a:rPr>
               <a:t>&amp;</a:t>
             </a:r>
@@ -6865,6 +6941,7 @@
                 <a:effectLst/>
                 <a:latin typeface="Calibri" panose="020F0502020204030204" pitchFamily="34" charset="0"/>
                 <a:ea typeface="Calibri" panose="020F0502020204030204" pitchFamily="34" charset="0"/>
+                <a:cs typeface="Calibri" panose="020F0502020204030204" pitchFamily="34" charset="0"/>
               </a:rPr>
               <a:t>redirect_uri</a:t>
             </a:r>
@@ -6876,6 +6953,7 @@
                 <a:effectLst/>
                 <a:latin typeface="Calibri" panose="020F0502020204030204" pitchFamily="34" charset="0"/>
                 <a:ea typeface="Calibri" panose="020F0502020204030204" pitchFamily="34" charset="0"/>
+                <a:cs typeface="Calibri" panose="020F0502020204030204" pitchFamily="34" charset="0"/>
               </a:rPr>
               <a:t>=https%3A%2F%2Fclient.example.org%2Fcb</a:t>
             </a:r>
@@ -6884,6 +6962,7 @@
                 <a:effectLst/>
                 <a:latin typeface="Calibri" panose="020F0502020204030204" pitchFamily="34" charset="0"/>
                 <a:ea typeface="Calibri" panose="020F0502020204030204" pitchFamily="34" charset="0"/>
+                <a:cs typeface="Calibri" panose="020F0502020204030204" pitchFamily="34" charset="0"/>
               </a:rPr>
             </a:br>
             <a:r>
@@ -6894,6 +6973,7 @@
                 <a:effectLst/>
                 <a:latin typeface="Calibri" panose="020F0502020204030204" pitchFamily="34" charset="0"/>
                 <a:ea typeface="Calibri" panose="020F0502020204030204" pitchFamily="34" charset="0"/>
+                <a:cs typeface="Calibri" panose="020F0502020204030204" pitchFamily="34" charset="0"/>
               </a:rPr>
               <a:t>&amp;scope=openid%20profile</a:t>
             </a:r>
@@ -6902,6 +6982,7 @@
                 <a:effectLst/>
                 <a:latin typeface="Calibri" panose="020F0502020204030204" pitchFamily="34" charset="0"/>
                 <a:ea typeface="Calibri" panose="020F0502020204030204" pitchFamily="34" charset="0"/>
+                <a:cs typeface="Calibri" panose="020F0502020204030204" pitchFamily="34" charset="0"/>
               </a:rPr>
             </a:br>
             <a:r>
@@ -6912,6 +6993,7 @@
                 <a:effectLst/>
                 <a:latin typeface="Calibri" panose="020F0502020204030204" pitchFamily="34" charset="0"/>
                 <a:ea typeface="Calibri" panose="020F0502020204030204" pitchFamily="34" charset="0"/>
+                <a:cs typeface="Calibri" panose="020F0502020204030204" pitchFamily="34" charset="0"/>
               </a:rPr>
               <a:t>&amp;state=af0ifjsldkj</a:t>
             </a:r>
@@ -6920,6 +7002,7 @@
                 <a:effectLst/>
                 <a:latin typeface="Calibri" panose="020F0502020204030204" pitchFamily="34" charset="0"/>
                 <a:ea typeface="Calibri" panose="020F0502020204030204" pitchFamily="34" charset="0"/>
+                <a:cs typeface="Calibri" panose="020F0502020204030204" pitchFamily="34" charset="0"/>
               </a:rPr>
             </a:br>
             <a:r>
@@ -6930,43 +7013,44 @@
                 <a:effectLst/>
                 <a:latin typeface="Calibri" panose="020F0502020204030204" pitchFamily="34" charset="0"/>
                 <a:ea typeface="Calibri" panose="020F0502020204030204" pitchFamily="34" charset="0"/>
+                <a:cs typeface="Calibri" panose="020F0502020204030204" pitchFamily="34" charset="0"/>
               </a:rPr>
               <a:t>&amp;nonce=n-0S6_WzA2Mj HTTP/1.1</a:t>
             </a:r>
           </a:p>
           <a:p>
             <a:r>
-              <a:rPr lang="en-US" sz="1800" b="1" dirty="0" err="1">
-                <a:solidFill>
-                  <a:srgbClr val="1F3763"/>
-                </a:solidFill>
-                <a:effectLst/>
-                <a:latin typeface="Calibri Light" panose="020F0302020204030204" pitchFamily="34" charset="0"/>
+              <a:rPr lang="en-US" sz="2800" b="1" dirty="0" err="1">
+                <a:solidFill>
+                  <a:schemeClr val="tx1"/>
+                </a:solidFill>
+                <a:effectLst/>
+                <a:latin typeface="Calibri" panose="020F0502020204030204" pitchFamily="34" charset="0"/>
                 <a:ea typeface="Times New Roman" panose="02020603050405020304" pitchFamily="18" charset="0"/>
-                <a:cs typeface="Times New Roman" panose="02020603050405020304" pitchFamily="18" charset="0"/>
+                <a:cs typeface="Calibri" panose="020F0502020204030204" pitchFamily="34" charset="0"/>
               </a:rPr>
               <a:t>Uspe</a:t>
             </a:r>
             <a:r>
-              <a:rPr lang="sr-Latn-RS" sz="1800" b="1" dirty="0">
-                <a:solidFill>
-                  <a:srgbClr val="1F3763"/>
-                </a:solidFill>
-                <a:effectLst/>
-                <a:latin typeface="Calibri Light" panose="020F0302020204030204" pitchFamily="34" charset="0"/>
+              <a:rPr lang="sr-Latn-RS" sz="2800" b="1" dirty="0">
+                <a:solidFill>
+                  <a:schemeClr val="tx1"/>
+                </a:solidFill>
+                <a:effectLst/>
+                <a:latin typeface="Calibri" panose="020F0502020204030204" pitchFamily="34" charset="0"/>
                 <a:ea typeface="Times New Roman" panose="02020603050405020304" pitchFamily="18" charset="0"/>
-                <a:cs typeface="Times New Roman" panose="02020603050405020304" pitchFamily="18" charset="0"/>
+                <a:cs typeface="Calibri" panose="020F0502020204030204" pitchFamily="34" charset="0"/>
               </a:rPr>
               <a:t>šan odgovor nakon potvrde identiteta</a:t>
             </a:r>
-            <a:endParaRPr lang="en-US" sz="1800" b="1" dirty="0">
+            <a:endParaRPr lang="en-US" sz="2800" b="1" dirty="0">
               <a:solidFill>
-                <a:srgbClr val="1F3763"/>
+                <a:schemeClr val="tx1"/>
               </a:solidFill>
               <a:effectLst/>
-              <a:latin typeface="Calibri Light" panose="020F0302020204030204" pitchFamily="34" charset="0"/>
+              <a:latin typeface="Calibri" panose="020F0502020204030204" pitchFamily="34" charset="0"/>
               <a:ea typeface="Times New Roman" panose="02020603050405020304" pitchFamily="18" charset="0"/>
-              <a:cs typeface="Times New Roman" panose="02020603050405020304" pitchFamily="18" charset="0"/>
+              <a:cs typeface="Calibri" panose="020F0502020204030204" pitchFamily="34" charset="0"/>
             </a:endParaRPr>
           </a:p>
           <a:p>
@@ -7003,18 +7087,36 @@
                 <a:ea typeface="Calibri" panose="020F0502020204030204" pitchFamily="34" charset="0"/>
                 <a:cs typeface="Calibri" panose="020F0502020204030204" pitchFamily="34" charset="0"/>
               </a:rPr>
-              <a:t>Location: </a:t>
-            </a:r>
-            <a:r>
-              <a:rPr lang="en-US" sz="1800" u="sng" spc="-25" dirty="0">
-                <a:solidFill>
-                  <a:srgbClr val="000000"/>
-                </a:solidFill>
-                <a:effectLst/>
-                <a:latin typeface="Calibri" panose="020F0502020204030204" pitchFamily="34" charset="0"/>
-                <a:ea typeface="Calibri" panose="020F0502020204030204" pitchFamily="34" charset="0"/>
-                <a:cs typeface="Calibri" panose="020F0502020204030204" pitchFamily="34" charset="0"/>
-                <a:hlinkClick r:id="rId2"/>
+              <a:t>Location</a:t>
+            </a:r>
+            <a:r>
+              <a:rPr lang="en-US" sz="1800" spc="-25" dirty="0">
+                <a:solidFill>
+                  <a:schemeClr val="tx1"/>
+                </a:solidFill>
+                <a:effectLst/>
+                <a:latin typeface="Calibri" panose="020F0502020204030204" pitchFamily="34" charset="0"/>
+                <a:ea typeface="Calibri" panose="020F0502020204030204" pitchFamily="34" charset="0"/>
+                <a:cs typeface="Calibri" panose="020F0502020204030204" pitchFamily="34" charset="0"/>
+              </a:rPr>
+              <a:t>: </a:t>
+            </a:r>
+            <a:r>
+              <a:rPr lang="en-US" sz="1800" b="1" u="sng" spc="-25" dirty="0">
+                <a:solidFill>
+                  <a:schemeClr val="tx1"/>
+                </a:solidFill>
+                <a:effectLst/>
+                <a:latin typeface="Calibri" panose="020F0502020204030204" pitchFamily="34" charset="0"/>
+                <a:ea typeface="Calibri" panose="020F0502020204030204" pitchFamily="34" charset="0"/>
+                <a:cs typeface="Calibri" panose="020F0502020204030204" pitchFamily="34" charset="0"/>
+                <a:hlinkClick r:id="rId2">
+                  <a:extLst>
+                    <a:ext uri="{A12FA001-AC4F-418D-AE19-62706E023703}">
+                      <ahyp:hlinkClr xmlns:ahyp="http://schemas.microsoft.com/office/drawing/2018/hyperlinkcolor" val="tx"/>
+                    </a:ext>
+                  </a:extLst>
+                </a:hlinkClick>
               </a:rPr>
               <a:t>https://client.example.org/cb#</a:t>
             </a:r>
@@ -7218,7 +7320,7 @@
               <a:effectLst/>
               <a:latin typeface="Calibri" panose="020F0502020204030204" pitchFamily="34" charset="0"/>
               <a:ea typeface="Calibri" panose="020F0502020204030204" pitchFamily="34" charset="0"/>
-              <a:cs typeface="Times New Roman" panose="02020603050405020304" pitchFamily="18" charset="0"/>
+              <a:cs typeface="Calibri" panose="020F0502020204030204" pitchFamily="34" charset="0"/>
             </a:endParaRPr>
           </a:p>
           <a:p>
@@ -7315,29 +7417,21 @@
         </p:spPr>
         <p:txBody>
           <a:bodyPr>
-            <a:normAutofit fontScale="90000"/>
+            <a:noAutofit/>
           </a:bodyPr>
           <a:lstStyle/>
           <a:p>
             <a:r>
-              <a:rPr lang="sr-Latn-RS" sz="1800" b="1" dirty="0">
-                <a:solidFill>
-                  <a:srgbClr val="2F5496"/>
-                </a:solidFill>
-                <a:effectLst/>
-                <a:latin typeface="Calibri Light" panose="020F0302020204030204" pitchFamily="34" charset="0"/>
+              <a:rPr lang="sr-Latn-RS" b="1" dirty="0">
+                <a:effectLst/>
                 <a:ea typeface="Times New Roman" panose="02020603050405020304" pitchFamily="18" charset="0"/>
                 <a:cs typeface="Times New Roman" panose="02020603050405020304" pitchFamily="18" charset="0"/>
               </a:rPr>
-              <a:t>Tok Autorizacionim kodom sa dokazom kljuca za razmenu kodova (Authorization Code Flow with Proof Key for Code Excange - PKCE)</a:t>
+              <a:t>Tok Autorizacionim kodom sa dokazom ključa za razmenu kodova - PKCE</a:t>
             </a:r>
             <a:br>
-              <a:rPr lang="en-US" sz="1800" b="1" dirty="0">
-                <a:solidFill>
-                  <a:srgbClr val="2F5496"/>
-                </a:solidFill>
-                <a:effectLst/>
-                <a:latin typeface="Calibri Light" panose="020F0302020204030204" pitchFamily="34" charset="0"/>
+              <a:rPr lang="en-US" b="1" dirty="0">
+                <a:effectLst/>
                 <a:ea typeface="Times New Roman" panose="02020603050405020304" pitchFamily="18" charset="0"/>
                 <a:cs typeface="Times New Roman" panose="02020603050405020304" pitchFamily="18" charset="0"/>
               </a:rPr>
@@ -7364,36 +7458,36 @@
         </p:nvSpPr>
         <p:spPr>
           <a:xfrm>
-            <a:off x="561924" y="1420783"/>
-            <a:ext cx="8963816" cy="4642666"/>
+            <a:off x="677334" y="2059709"/>
+            <a:ext cx="8848406" cy="4188691"/>
           </a:xfrm>
         </p:spPr>
         <p:txBody>
           <a:bodyPr>
-            <a:normAutofit/>
+            <a:normAutofit lnSpcReduction="10000"/>
           </a:bodyPr>
           <a:lstStyle/>
           <a:p>
             <a:r>
-              <a:rPr lang="sr-Latn-RS" sz="1800" b="1" dirty="0">
-                <a:solidFill>
-                  <a:srgbClr val="1F3763"/>
-                </a:solidFill>
-                <a:effectLst/>
-                <a:latin typeface="Calibri Light" panose="020F0302020204030204" pitchFamily="34" charset="0"/>
+              <a:rPr lang="sr-Latn-RS" sz="2800" b="1" dirty="0">
+                <a:solidFill>
+                  <a:schemeClr val="tx1"/>
+                </a:solidFill>
+                <a:effectLst/>
+                <a:latin typeface="Calibri" panose="020F0502020204030204" pitchFamily="34" charset="0"/>
                 <a:ea typeface="Times New Roman" panose="02020603050405020304" pitchFamily="18" charset="0"/>
-                <a:cs typeface="Times New Roman" panose="02020603050405020304" pitchFamily="18" charset="0"/>
+                <a:cs typeface="Calibri" panose="020F0502020204030204" pitchFamily="34" charset="0"/>
               </a:rPr>
               <a:t>Zahtev za autentikaciju</a:t>
             </a:r>
-            <a:endParaRPr lang="en-US" sz="1800" b="1" dirty="0">
+            <a:endParaRPr lang="en-US" sz="2800" b="1" dirty="0">
               <a:solidFill>
-                <a:srgbClr val="1F3763"/>
+                <a:schemeClr val="tx1"/>
               </a:solidFill>
               <a:effectLst/>
-              <a:latin typeface="Calibri Light" panose="020F0302020204030204" pitchFamily="34" charset="0"/>
+              <a:latin typeface="Calibri" panose="020F0502020204030204" pitchFamily="34" charset="0"/>
               <a:ea typeface="Times New Roman" panose="02020603050405020304" pitchFamily="18" charset="0"/>
-              <a:cs typeface="Times New Roman" panose="02020603050405020304" pitchFamily="18" charset="0"/>
+              <a:cs typeface="Calibri" panose="020F0502020204030204" pitchFamily="34" charset="0"/>
             </a:endParaRPr>
           </a:p>
           <a:p>
@@ -7624,25 +7718,16 @@
               </a:rPr>
             </a:br>
             <a:r>
-              <a:rPr lang="en-US" sz="1800" spc="-25" dirty="0">
-                <a:solidFill>
-                  <a:srgbClr val="000000"/>
-                </a:solidFill>
-                <a:effectLst/>
-                <a:latin typeface="Calibri" panose="020F0502020204030204" pitchFamily="34" charset="0"/>
-                <a:ea typeface="Calibri" panose="020F0502020204030204" pitchFamily="34" charset="0"/>
-                <a:cs typeface="Calibri" panose="020F0502020204030204" pitchFamily="34" charset="0"/>
-              </a:rPr>
-              <a:t>$</a:t>
-            </a:r>
-            <a:r>
-              <a:rPr lang="en-US" sz="1800" dirty="0">
-                <a:effectLst/>
-                <a:latin typeface="Calibri" panose="020F0502020204030204" pitchFamily="34" charset="0"/>
-                <a:ea typeface="Calibri" panose="020F0502020204030204" pitchFamily="34" charset="0"/>
-                <a:cs typeface="Calibri" panose="020F0502020204030204" pitchFamily="34" charset="0"/>
-              </a:rPr>
-              <a:t> </a:t>
+              <a:rPr lang="sr-Latn-RS" sz="1800" spc="-25" dirty="0">
+                <a:solidFill>
+                  <a:srgbClr val="000000"/>
+                </a:solidFill>
+                <a:effectLst/>
+                <a:latin typeface="Calibri" panose="020F0502020204030204" pitchFamily="34" charset="0"/>
+                <a:ea typeface="Calibri" panose="020F0502020204030204" pitchFamily="34" charset="0"/>
+                <a:cs typeface="Calibri" panose="020F0502020204030204" pitchFamily="34" charset="0"/>
+              </a:rPr>
+              <a:t>&amp;</a:t>
             </a:r>
             <a:r>
               <a:rPr lang="en-US" sz="1800" spc="-25" dirty="0" err="1">
@@ -7735,37 +7820,37 @@
           </a:p>
           <a:p>
             <a:r>
-              <a:rPr lang="en-US" sz="1800" b="1" dirty="0" err="1">
-                <a:solidFill>
-                  <a:srgbClr val="1F3763"/>
-                </a:solidFill>
-                <a:effectLst/>
-                <a:latin typeface="Calibri Light" panose="020F0302020204030204" pitchFamily="34" charset="0"/>
+              <a:rPr lang="en-US" sz="2800" b="1" dirty="0" err="1">
+                <a:solidFill>
+                  <a:schemeClr val="tx1"/>
+                </a:solidFill>
+                <a:effectLst/>
+                <a:latin typeface="Calibri" panose="020F0502020204030204" pitchFamily="34" charset="0"/>
                 <a:ea typeface="Times New Roman" panose="02020603050405020304" pitchFamily="18" charset="0"/>
-                <a:cs typeface="Times New Roman" panose="02020603050405020304" pitchFamily="18" charset="0"/>
+                <a:cs typeface="Calibri" panose="020F0502020204030204" pitchFamily="34" charset="0"/>
               </a:rPr>
               <a:t>Uspe</a:t>
             </a:r>
             <a:r>
-              <a:rPr lang="sr-Latn-RS" sz="1800" b="1" dirty="0">
-                <a:solidFill>
-                  <a:srgbClr val="1F3763"/>
-                </a:solidFill>
-                <a:effectLst/>
-                <a:latin typeface="Calibri Light" panose="020F0302020204030204" pitchFamily="34" charset="0"/>
+              <a:rPr lang="sr-Latn-RS" sz="2800" b="1" dirty="0">
+                <a:solidFill>
+                  <a:schemeClr val="tx1"/>
+                </a:solidFill>
+                <a:effectLst/>
+                <a:latin typeface="Calibri" panose="020F0502020204030204" pitchFamily="34" charset="0"/>
                 <a:ea typeface="Times New Roman" panose="02020603050405020304" pitchFamily="18" charset="0"/>
-                <a:cs typeface="Times New Roman" panose="02020603050405020304" pitchFamily="18" charset="0"/>
+                <a:cs typeface="Calibri" panose="020F0502020204030204" pitchFamily="34" charset="0"/>
               </a:rPr>
               <a:t>šan odgovor nakon potvrde identiteta</a:t>
             </a:r>
-            <a:endParaRPr lang="en-US" sz="1800" b="1" dirty="0">
+            <a:endParaRPr lang="en-US" sz="2800" b="1" dirty="0">
               <a:solidFill>
-                <a:srgbClr val="1F3763"/>
+                <a:schemeClr val="tx1"/>
               </a:solidFill>
               <a:effectLst/>
-              <a:latin typeface="Calibri Light" panose="020F0302020204030204" pitchFamily="34" charset="0"/>
+              <a:latin typeface="Calibri" panose="020F0502020204030204" pitchFamily="34" charset="0"/>
               <a:ea typeface="Times New Roman" panose="02020603050405020304" pitchFamily="18" charset="0"/>
-              <a:cs typeface="Times New Roman" panose="02020603050405020304" pitchFamily="18" charset="0"/>
+              <a:cs typeface="Calibri" panose="020F0502020204030204" pitchFamily="34" charset="0"/>
             </a:endParaRPr>
           </a:p>
           <a:p>
@@ -7785,15 +7870,21 @@
               <a:t>GET </a:t>
             </a:r>
             <a:r>
-              <a:rPr lang="en-US" sz="1800" u="sng" spc="-25" dirty="0">
-                <a:solidFill>
-                  <a:srgbClr val="000000"/>
-                </a:solidFill>
-                <a:effectLst/>
-                <a:latin typeface="Calibri" panose="020F0502020204030204" pitchFamily="34" charset="0"/>
-                <a:ea typeface="Calibri" panose="020F0502020204030204" pitchFamily="34" charset="0"/>
-                <a:cs typeface="Calibri" panose="020F0502020204030204" pitchFamily="34" charset="0"/>
-                <a:hlinkClick r:id="rId2"/>
+              <a:rPr lang="en-US" sz="1800" b="1" u="sng" spc="-25" dirty="0">
+                <a:solidFill>
+                  <a:schemeClr val="tx1"/>
+                </a:solidFill>
+                <a:effectLst/>
+                <a:latin typeface="Calibri" panose="020F0502020204030204" pitchFamily="34" charset="0"/>
+                <a:ea typeface="Calibri" panose="020F0502020204030204" pitchFamily="34" charset="0"/>
+                <a:cs typeface="Calibri" panose="020F0502020204030204" pitchFamily="34" charset="0"/>
+                <a:hlinkClick r:id="rId2">
+                  <a:extLst>
+                    <a:ext uri="{A12FA001-AC4F-418D-AE19-62706E023703}">
+                      <ahyp:hlinkClr xmlns:ahyp="http://schemas.microsoft.com/office/drawing/2018/hyperlinkcolor" val="tx"/>
+                    </a:ext>
+                  </a:extLst>
+                </a:hlinkClick>
               </a:rPr>
               <a:t>https://client.example.org/cb?</a:t>
             </a:r>
@@ -7841,7 +7932,7 @@
               <a:effectLst/>
               <a:latin typeface="Calibri" panose="020F0502020204030204" pitchFamily="34" charset="0"/>
               <a:ea typeface="Calibri" panose="020F0502020204030204" pitchFamily="34" charset="0"/>
-              <a:cs typeface="Times New Roman" panose="02020603050405020304" pitchFamily="18" charset="0"/>
+              <a:cs typeface="Calibri" panose="020F0502020204030204" pitchFamily="34" charset="0"/>
             </a:endParaRPr>
           </a:p>
           <a:p>
@@ -7922,21 +8013,32 @@
         <p:spPr/>
         <p:txBody>
           <a:bodyPr>
-            <a:normAutofit fontScale="90000"/>
+            <a:normAutofit/>
           </a:bodyPr>
           <a:lstStyle/>
           <a:p>
             <a:r>
               <a:rPr lang="sr-Latn-RS" sz="3600" b="1" dirty="0">
-                <a:solidFill>
-                  <a:srgbClr val="2F5496"/>
-                </a:solidFill>
-                <a:effectLst/>
-                <a:latin typeface="Calibri Light" panose="020F0302020204030204" pitchFamily="34" charset="0"/>
+                <a:effectLst/>
                 <a:ea typeface="Times New Roman" panose="02020603050405020304" pitchFamily="18" charset="0"/>
                 <a:cs typeface="Times New Roman" panose="02020603050405020304" pitchFamily="18" charset="0"/>
               </a:rPr>
-              <a:t>Tok Autorizacionim kodom sa dokazom kljuca za razmenu kodova (Authorization Code Flow with Proof Key for Code Excange - PKCE)</a:t>
+              <a:t>Tok Autorizacionim kodom sa dokazom ključa za razmenu kodova </a:t>
+            </a:r>
+            <a:r>
+              <a:rPr lang="sr-Latn-RS" b="1" dirty="0">
+                <a:ea typeface="Times New Roman" panose="02020603050405020304" pitchFamily="18" charset="0"/>
+                <a:cs typeface="Times New Roman" panose="02020603050405020304" pitchFamily="18" charset="0"/>
+              </a:rPr>
+              <a:t>- </a:t>
+            </a:r>
+            <a:r>
+              <a:rPr lang="sr-Latn-RS" sz="3600" b="1" dirty="0">
+                <a:effectLst/>
+                <a:ea typeface="Times New Roman" panose="02020603050405020304" pitchFamily="18" charset="0"/>
+                <a:cs typeface="Times New Roman" panose="02020603050405020304" pitchFamily="18" charset="0"/>
+              </a:rPr>
+              <a:t>PKCE</a:t>
             </a:r>
             <a:endParaRPr lang="en-US" dirty="0"/>
           </a:p>
@@ -7969,73 +8071,73 @@
           <a:lstStyle/>
           <a:p>
             <a:r>
-              <a:rPr lang="en-US" sz="1800" b="1" dirty="0" err="1">
-                <a:solidFill>
-                  <a:srgbClr val="1F3763"/>
-                </a:solidFill>
-                <a:effectLst/>
-                <a:latin typeface="Calibri Light" panose="020F0302020204030204" pitchFamily="34" charset="0"/>
+              <a:rPr lang="en-US" sz="2800" b="1" dirty="0" err="1">
+                <a:solidFill>
+                  <a:schemeClr val="tx1"/>
+                </a:solidFill>
+                <a:effectLst/>
+                <a:latin typeface="Calibri" panose="020F0502020204030204" pitchFamily="34" charset="0"/>
                 <a:ea typeface="Times New Roman" panose="02020603050405020304" pitchFamily="18" charset="0"/>
-                <a:cs typeface="Times New Roman" panose="02020603050405020304" pitchFamily="18" charset="0"/>
+                <a:cs typeface="Calibri" panose="020F0502020204030204" pitchFamily="34" charset="0"/>
               </a:rPr>
               <a:t>Zahtev</a:t>
             </a:r>
             <a:r>
-              <a:rPr lang="en-US" sz="1800" b="1" dirty="0">
-                <a:solidFill>
-                  <a:srgbClr val="1F3763"/>
-                </a:solidFill>
-                <a:effectLst/>
-                <a:latin typeface="Calibri Light" panose="020F0302020204030204" pitchFamily="34" charset="0"/>
+              <a:rPr lang="en-US" sz="2800" b="1" dirty="0">
+                <a:solidFill>
+                  <a:schemeClr val="tx1"/>
+                </a:solidFill>
+                <a:effectLst/>
+                <a:latin typeface="Calibri" panose="020F0502020204030204" pitchFamily="34" charset="0"/>
                 <a:ea typeface="Times New Roman" panose="02020603050405020304" pitchFamily="18" charset="0"/>
-                <a:cs typeface="Times New Roman" panose="02020603050405020304" pitchFamily="18" charset="0"/>
+                <a:cs typeface="Calibri" panose="020F0502020204030204" pitchFamily="34" charset="0"/>
               </a:rPr>
               <a:t> za </a:t>
             </a:r>
             <a:r>
-              <a:rPr lang="en-US" sz="1800" b="1" dirty="0" err="1">
-                <a:solidFill>
-                  <a:srgbClr val="1F3763"/>
-                </a:solidFill>
-                <a:effectLst/>
-                <a:latin typeface="Calibri Light" panose="020F0302020204030204" pitchFamily="34" charset="0"/>
+              <a:rPr lang="en-US" sz="2800" b="1" dirty="0" err="1">
+                <a:solidFill>
+                  <a:schemeClr val="tx1"/>
+                </a:solidFill>
+                <a:effectLst/>
+                <a:latin typeface="Calibri" panose="020F0502020204030204" pitchFamily="34" charset="0"/>
                 <a:ea typeface="Times New Roman" panose="02020603050405020304" pitchFamily="18" charset="0"/>
-                <a:cs typeface="Times New Roman" panose="02020603050405020304" pitchFamily="18" charset="0"/>
+                <a:cs typeface="Calibri" panose="020F0502020204030204" pitchFamily="34" charset="0"/>
               </a:rPr>
               <a:t>dobijanje</a:t>
             </a:r>
             <a:r>
-              <a:rPr lang="en-US" sz="1800" b="1" dirty="0">
-                <a:solidFill>
-                  <a:srgbClr val="1F3763"/>
-                </a:solidFill>
-                <a:effectLst/>
-                <a:latin typeface="Calibri Light" panose="020F0302020204030204" pitchFamily="34" charset="0"/>
+              <a:rPr lang="en-US" sz="2800" b="1" dirty="0">
+                <a:solidFill>
+                  <a:schemeClr val="tx1"/>
+                </a:solidFill>
+                <a:effectLst/>
+                <a:latin typeface="Calibri" panose="020F0502020204030204" pitchFamily="34" charset="0"/>
                 <a:ea typeface="Times New Roman" panose="02020603050405020304" pitchFamily="18" charset="0"/>
-                <a:cs typeface="Times New Roman" panose="02020603050405020304" pitchFamily="18" charset="0"/>
+                <a:cs typeface="Calibri" panose="020F0502020204030204" pitchFamily="34" charset="0"/>
               </a:rPr>
               <a:t> </a:t>
             </a:r>
             <a:r>
-              <a:rPr lang="en-US" sz="1800" b="1" dirty="0" err="1">
-                <a:solidFill>
-                  <a:srgbClr val="1F3763"/>
-                </a:solidFill>
-                <a:effectLst/>
-                <a:latin typeface="Calibri Light" panose="020F0302020204030204" pitchFamily="34" charset="0"/>
+              <a:rPr lang="en-US" sz="2800" b="1" dirty="0" err="1">
+                <a:solidFill>
+                  <a:schemeClr val="tx1"/>
+                </a:solidFill>
+                <a:effectLst/>
+                <a:latin typeface="Calibri" panose="020F0502020204030204" pitchFamily="34" charset="0"/>
                 <a:ea typeface="Times New Roman" panose="02020603050405020304" pitchFamily="18" charset="0"/>
-                <a:cs typeface="Times New Roman" panose="02020603050405020304" pitchFamily="18" charset="0"/>
+                <a:cs typeface="Calibri" panose="020F0502020204030204" pitchFamily="34" charset="0"/>
               </a:rPr>
               <a:t>tokena</a:t>
             </a:r>
-            <a:endParaRPr lang="en-US" sz="1800" b="1" dirty="0">
+            <a:endParaRPr lang="en-US" sz="2800" b="1" dirty="0">
               <a:solidFill>
-                <a:srgbClr val="1F3763"/>
+                <a:schemeClr val="tx1"/>
               </a:solidFill>
               <a:effectLst/>
-              <a:latin typeface="Calibri Light" panose="020F0302020204030204" pitchFamily="34" charset="0"/>
+              <a:latin typeface="Calibri" panose="020F0502020204030204" pitchFamily="34" charset="0"/>
               <a:ea typeface="Times New Roman" panose="02020603050405020304" pitchFamily="18" charset="0"/>
-              <a:cs typeface="Times New Roman" panose="02020603050405020304" pitchFamily="18" charset="0"/>
+              <a:cs typeface="Calibri" panose="020F0502020204030204" pitchFamily="34" charset="0"/>
             </a:endParaRPr>
           </a:p>
           <a:p>
@@ -8306,7 +8408,7 @@
               <a:effectLst/>
               <a:latin typeface="Calibri" panose="020F0502020204030204" pitchFamily="34" charset="0"/>
               <a:ea typeface="Calibri" panose="020F0502020204030204" pitchFamily="34" charset="0"/>
-              <a:cs typeface="Times New Roman" panose="02020603050405020304" pitchFamily="18" charset="0"/>
+              <a:cs typeface="Calibri" panose="020F0502020204030204" pitchFamily="34" charset="0"/>
             </a:endParaRPr>
           </a:p>
         </p:txBody>
@@ -8380,10 +8482,10 @@
       </p:sp>
       <p:pic>
         <p:nvPicPr>
-          <p:cNvPr id="5" name="Content Placeholder 4">
+          <p:cNvPr id="7" name="Content Placeholder 6">
             <a:extLst>
               <a:ext uri="{FF2B5EF4-FFF2-40B4-BE49-F238E27FC236}">
-                <a16:creationId xmlns:a16="http://schemas.microsoft.com/office/drawing/2014/main" id="{BA6D1023-2C12-4D53-A5DC-D7B76E966FC7}"/>
+                <a16:creationId xmlns:a16="http://schemas.microsoft.com/office/drawing/2014/main" id="{FDED0C12-CD65-4E7F-8FC7-A8BBFC7726D4}"/>
               </a:ext>
             </a:extLst>
           </p:cNvPr>
@@ -8402,8 +8504,8 @@
         </p:blipFill>
         <p:spPr>
           <a:xfrm>
-            <a:off x="827204" y="1464816"/>
-            <a:ext cx="8453894" cy="4417411"/>
+            <a:off x="364186" y="1293092"/>
+            <a:ext cx="9050237" cy="4729018"/>
           </a:xfrm>
         </p:spPr>
       </p:pic>
@@ -8442,7 +8544,7 @@
           <p:cNvPr id="2" name="Title 1">
             <a:extLst>
               <a:ext uri="{FF2B5EF4-FFF2-40B4-BE49-F238E27FC236}">
-                <a16:creationId xmlns:a16="http://schemas.microsoft.com/office/drawing/2014/main" id="{17F5D0EA-FD6F-4B61-BF89-4FA5AF3AF06F}"/>
+                <a16:creationId xmlns:a16="http://schemas.microsoft.com/office/drawing/2014/main" id="{82F525C4-6F60-4005-8E19-3E00CB50637A}"/>
               </a:ext>
             </a:extLst>
           </p:cNvPr>
@@ -8455,87 +8557,129 @@
         </p:nvSpPr>
         <p:spPr>
           <a:xfrm>
-            <a:off x="469027" y="356173"/>
-            <a:ext cx="2358829" cy="429087"/>
+            <a:off x="677334" y="609600"/>
+            <a:ext cx="8596668" cy="877427"/>
           </a:xfrm>
         </p:spPr>
         <p:txBody>
-          <a:bodyPr>
-            <a:normAutofit fontScale="90000"/>
-          </a:bodyPr>
+          <a:bodyPr/>
           <a:lstStyle/>
           <a:p>
             <a:r>
-              <a:rPr lang="en-US" sz="1800" b="1" kern="0" dirty="0">
-                <a:solidFill>
-                  <a:srgbClr val="2F5496"/>
-                </a:solidFill>
-                <a:effectLst/>
-                <a:latin typeface="Calibri Light" panose="020F0302020204030204" pitchFamily="34" charset="0"/>
-                <a:ea typeface="Times New Roman" panose="02020603050405020304" pitchFamily="18" charset="0"/>
-                <a:cs typeface="Times New Roman" panose="02020603050405020304" pitchFamily="18" charset="0"/>
-              </a:rPr>
-              <a:t>Identity Server Solution</a:t>
-            </a:r>
-            <a:br>
-              <a:rPr lang="en-US" sz="1800" b="1" kern="0" dirty="0">
-                <a:solidFill>
-                  <a:srgbClr val="2F5496"/>
-                </a:solidFill>
-                <a:effectLst/>
-                <a:latin typeface="Calibri Light" panose="020F0302020204030204" pitchFamily="34" charset="0"/>
-                <a:ea typeface="Times New Roman" panose="02020603050405020304" pitchFamily="18" charset="0"/>
-                <a:cs typeface="Times New Roman" panose="02020603050405020304" pitchFamily="18" charset="0"/>
-              </a:rPr>
-            </a:br>
-            <a:endParaRPr lang="en-US" dirty="0"/>
-          </a:p>
-        </p:txBody>
-      </p:sp>
-      <p:pic>
-        <p:nvPicPr>
-          <p:cNvPr id="4" name="Content Placeholder 3">
+              <a:rPr lang="en-US" b="1" dirty="0"/>
+              <a:t>Identity Server 4 resources</a:t>
+            </a:r>
+          </a:p>
+        </p:txBody>
+      </p:sp>
+      <p:sp>
+        <p:nvSpPr>
+          <p:cNvPr id="3" name="Content Placeholder 2">
             <a:extLst>
               <a:ext uri="{FF2B5EF4-FFF2-40B4-BE49-F238E27FC236}">
-                <a16:creationId xmlns:a16="http://schemas.microsoft.com/office/drawing/2014/main" id="{3FF8796F-3B56-4D1D-BE11-E97DBF1158F1}"/>
+                <a16:creationId xmlns:a16="http://schemas.microsoft.com/office/drawing/2014/main" id="{87BF0CA6-A044-43D0-BEAF-8DB5B9A7482A}"/>
               </a:ext>
             </a:extLst>
           </p:cNvPr>
-          <p:cNvPicPr>
-            <a:picLocks noGrp="1" noChangeAspect="1"/>
-          </p:cNvPicPr>
+          <p:cNvSpPr>
+            <a:spLocks noGrp="1"/>
+          </p:cNvSpPr>
           <p:nvPr>
             <p:ph idx="1"/>
           </p:nvPr>
-        </p:nvPicPr>
-        <p:blipFill>
-          <a:blip r:embed="rId2">
-            <a:extLst>
-              <a:ext uri="{28A0092B-C50C-407E-A947-70E740481C1C}">
-                <a14:useLocalDpi xmlns:a14="http://schemas.microsoft.com/office/drawing/2010/main" val="0"/>
-              </a:ext>
-            </a:extLst>
-          </a:blip>
-          <a:stretch>
-            <a:fillRect/>
-          </a:stretch>
-        </p:blipFill>
+        </p:nvSpPr>
         <p:spPr>
           <a:xfrm>
-            <a:off x="828693" y="1535836"/>
-            <a:ext cx="8161727" cy="2164268"/>
+            <a:off x="677334" y="1819565"/>
+            <a:ext cx="8596668" cy="4221798"/>
           </a:xfrm>
-          <a:prstGeom prst="rect">
-            <a:avLst/>
-          </a:prstGeom>
         </p:spPr>
-      </p:pic>
+        <p:txBody>
+          <a:bodyPr/>
+          <a:lstStyle/>
+          <a:p>
+            <a:r>
+              <a:rPr lang="sr-Latn-RS" sz="2800" b="1" dirty="0">
+                <a:solidFill>
+                  <a:schemeClr val="tx1"/>
+                </a:solidFill>
+                <a:effectLst/>
+                <a:latin typeface="Calibri" panose="020F0502020204030204" pitchFamily="34" charset="0"/>
+                <a:ea typeface="Calibri" panose="020F0502020204030204" pitchFamily="34" charset="0"/>
+                <a:cs typeface="Times New Roman" panose="02020603050405020304" pitchFamily="18" charset="0"/>
+              </a:rPr>
+              <a:t>API Resources</a:t>
+            </a:r>
+          </a:p>
+          <a:p>
+            <a:r>
+              <a:rPr lang="sr-Latn-RS" sz="2800" b="1" dirty="0">
+                <a:solidFill>
+                  <a:schemeClr val="tx1"/>
+                </a:solidFill>
+                <a:effectLst/>
+                <a:latin typeface="Calibri" panose="020F0502020204030204" pitchFamily="34" charset="0"/>
+                <a:ea typeface="Calibri" panose="020F0502020204030204" pitchFamily="34" charset="0"/>
+                <a:cs typeface="Times New Roman" panose="02020603050405020304" pitchFamily="18" charset="0"/>
+              </a:rPr>
+              <a:t>Identity Resources</a:t>
+            </a:r>
+            <a:endParaRPr lang="en-US" sz="2800" b="1" dirty="0">
+              <a:solidFill>
+                <a:schemeClr val="tx1"/>
+              </a:solidFill>
+              <a:effectLst/>
+              <a:latin typeface="Calibri" panose="020F0502020204030204" pitchFamily="34" charset="0"/>
+              <a:ea typeface="Calibri" panose="020F0502020204030204" pitchFamily="34" charset="0"/>
+              <a:cs typeface="Times New Roman" panose="02020603050405020304" pitchFamily="18" charset="0"/>
+            </a:endParaRPr>
+          </a:p>
+          <a:p>
+            <a:r>
+              <a:rPr lang="sr-Latn-RS" sz="2800" dirty="0">
+                <a:solidFill>
+                  <a:schemeClr val="tx1"/>
+                </a:solidFill>
+                <a:effectLst/>
+                <a:latin typeface="Calibri" panose="020F0502020204030204" pitchFamily="34" charset="0"/>
+                <a:ea typeface="Calibri" panose="020F0502020204030204" pitchFamily="34" charset="0"/>
+                <a:cs typeface="Times New Roman" panose="02020603050405020304" pitchFamily="18" charset="0"/>
+              </a:rPr>
+              <a:t>API resources</a:t>
+            </a:r>
+            <a:endParaRPr lang="en-US" sz="2800" dirty="0">
+              <a:solidFill>
+                <a:schemeClr val="tx1"/>
+              </a:solidFill>
+              <a:effectLst/>
+              <a:latin typeface="Calibri" panose="020F0502020204030204" pitchFamily="34" charset="0"/>
+              <a:ea typeface="Calibri" panose="020F0502020204030204" pitchFamily="34" charset="0"/>
+              <a:cs typeface="Times New Roman" panose="02020603050405020304" pitchFamily="18" charset="0"/>
+            </a:endParaRPr>
+          </a:p>
+          <a:p>
+            <a:pPr marL="0" indent="0">
+              <a:buNone/>
+            </a:pPr>
+            <a:endParaRPr lang="en-US" b="1" dirty="0">
+              <a:latin typeface="Calibri" panose="020F0502020204030204" pitchFamily="34" charset="0"/>
+              <a:cs typeface="Times New Roman" panose="02020603050405020304" pitchFamily="18" charset="0"/>
+            </a:endParaRPr>
+          </a:p>
+          <a:p>
+            <a:pPr marL="0" indent="0">
+              <a:buNone/>
+            </a:pPr>
+            <a:endParaRPr lang="en-US" dirty="0"/>
+          </a:p>
+        </p:txBody>
+      </p:sp>
       <p:pic>
         <p:nvPicPr>
           <p:cNvPr id="5" name="Picture 4">
             <a:extLst>
               <a:ext uri="{FF2B5EF4-FFF2-40B4-BE49-F238E27FC236}">
-                <a16:creationId xmlns:a16="http://schemas.microsoft.com/office/drawing/2014/main" id="{9088F45E-5924-45F8-A5F2-E6A6FC446250}"/>
+                <a16:creationId xmlns:a16="http://schemas.microsoft.com/office/drawing/2014/main" id="{EBC7A0E4-3C1B-45DE-A295-684E9B72CE03}"/>
               </a:ext>
             </a:extLst>
           </p:cNvPr>
@@ -8545,138 +8689,25 @@
           <p:nvPr/>
         </p:nvPicPr>
         <p:blipFill>
-          <a:blip r:embed="rId3">
-            <a:extLst>
-              <a:ext uri="{28A0092B-C50C-407E-A947-70E740481C1C}">
-                <a14:useLocalDpi xmlns:a14="http://schemas.microsoft.com/office/drawing/2010/main" val="0"/>
-              </a:ext>
-            </a:extLst>
-          </a:blip>
-          <a:srcRect/>
+          <a:blip r:embed="rId2"/>
           <a:stretch>
             <a:fillRect/>
           </a:stretch>
         </p:blipFill>
-        <p:spPr bwMode="auto">
+        <p:spPr>
           <a:xfrm>
-            <a:off x="898743" y="4450680"/>
-            <a:ext cx="6611766" cy="1578743"/>
+            <a:off x="677333" y="2886194"/>
+            <a:ext cx="7062739" cy="3505016"/>
           </a:xfrm>
           <a:prstGeom prst="rect">
             <a:avLst/>
           </a:prstGeom>
-          <a:noFill/>
-          <a:ln>
-            <a:noFill/>
-          </a:ln>
         </p:spPr>
       </p:pic>
-      <p:sp>
-        <p:nvSpPr>
-          <p:cNvPr id="7" name="TextBox 6">
-            <a:extLst>
-              <a:ext uri="{FF2B5EF4-FFF2-40B4-BE49-F238E27FC236}">
-                <a16:creationId xmlns:a16="http://schemas.microsoft.com/office/drawing/2014/main" id="{ED342CD5-2188-445B-8FF0-A49FF5A8049D}"/>
-              </a:ext>
-            </a:extLst>
-          </p:cNvPr>
-          <p:cNvSpPr txBox="1"/>
-          <p:nvPr/>
-        </p:nvSpPr>
-        <p:spPr>
-          <a:xfrm>
-            <a:off x="-110970" y="3887616"/>
-            <a:ext cx="6098958" cy="375552"/>
-          </a:xfrm>
-          <a:prstGeom prst="rect">
-            <a:avLst/>
-          </a:prstGeom>
-          <a:noFill/>
-        </p:spPr>
-        <p:txBody>
-          <a:bodyPr wrap="square">
-            <a:spAutoFit/>
-          </a:bodyPr>
-          <a:lstStyle/>
-          <a:p>
-            <a:pPr marR="0" lvl="2">
-              <a:lnSpc>
-                <a:spcPct val="107000"/>
-              </a:lnSpc>
-              <a:spcBef>
-                <a:spcPts val="200"/>
-              </a:spcBef>
-              <a:spcAft>
-                <a:spcPts val="0"/>
-              </a:spcAft>
-            </a:pPr>
-            <a:r>
-              <a:rPr lang="sr-Latn-RS" sz="1800" b="1" dirty="0">
-                <a:solidFill>
-                  <a:srgbClr val="1F3763"/>
-                </a:solidFill>
-                <a:effectLst/>
-                <a:latin typeface="Calibri Light" panose="020F0302020204030204" pitchFamily="34" charset="0"/>
-                <a:ea typeface="Times New Roman" panose="02020603050405020304" pitchFamily="18" charset="0"/>
-                <a:cs typeface="Times New Roman" panose="02020603050405020304" pitchFamily="18" charset="0"/>
-              </a:rPr>
-              <a:t>Validacija kredencijala i kreiranje kolačića sesije</a:t>
-            </a:r>
-            <a:endParaRPr lang="en-US" sz="1800" b="1" dirty="0">
-              <a:solidFill>
-                <a:srgbClr val="1F3763"/>
-              </a:solidFill>
-              <a:effectLst/>
-              <a:latin typeface="Calibri Light" panose="020F0302020204030204" pitchFamily="34" charset="0"/>
-              <a:ea typeface="Times New Roman" panose="02020603050405020304" pitchFamily="18" charset="0"/>
-              <a:cs typeface="Times New Roman" panose="02020603050405020304" pitchFamily="18" charset="0"/>
-            </a:endParaRPr>
-          </a:p>
-        </p:txBody>
-      </p:sp>
-      <p:sp>
-        <p:nvSpPr>
-          <p:cNvPr id="8" name="TextBox 7">
-            <a:extLst>
-              <a:ext uri="{FF2B5EF4-FFF2-40B4-BE49-F238E27FC236}">
-                <a16:creationId xmlns:a16="http://schemas.microsoft.com/office/drawing/2014/main" id="{52243A87-7709-4772-9EE5-B19921A96D6A}"/>
-              </a:ext>
-            </a:extLst>
-          </p:cNvPr>
-          <p:cNvSpPr txBox="1"/>
-          <p:nvPr/>
-        </p:nvSpPr>
-        <p:spPr>
-          <a:xfrm>
-            <a:off x="828693" y="978992"/>
-            <a:ext cx="2432076" cy="369332"/>
-          </a:xfrm>
-          <a:prstGeom prst="rect">
-            <a:avLst/>
-          </a:prstGeom>
-          <a:noFill/>
-        </p:spPr>
-        <p:txBody>
-          <a:bodyPr wrap="none" rtlCol="0">
-            <a:spAutoFit/>
-          </a:bodyPr>
-          <a:lstStyle/>
-          <a:p>
-            <a:r>
-              <a:rPr lang="en-US" dirty="0" err="1"/>
-              <a:t>Oidc</a:t>
-            </a:r>
-            <a:r>
-              <a:rPr lang="en-US" dirty="0"/>
-              <a:t> implementation</a:t>
-            </a:r>
-          </a:p>
-        </p:txBody>
-      </p:sp>
     </p:spTree>
     <p:extLst>
       <p:ext uri="{BB962C8B-B14F-4D97-AF65-F5344CB8AC3E}">
-        <p14:creationId xmlns:p14="http://schemas.microsoft.com/office/powerpoint/2010/main" val="1715781102"/>
+        <p14:creationId xmlns:p14="http://schemas.microsoft.com/office/powerpoint/2010/main" val="38752720"/>
       </p:ext>
     </p:extLst>
   </p:cSld>
@@ -8708,165 +8739,6 @@
           <p:cNvPr id="2" name="Title 1">
             <a:extLst>
               <a:ext uri="{FF2B5EF4-FFF2-40B4-BE49-F238E27FC236}">
-                <a16:creationId xmlns:a16="http://schemas.microsoft.com/office/drawing/2014/main" id="{82F525C4-6F60-4005-8E19-3E00CB50637A}"/>
-              </a:ext>
-            </a:extLst>
-          </p:cNvPr>
-          <p:cNvSpPr>
-            <a:spLocks noGrp="1"/>
-          </p:cNvSpPr>
-          <p:nvPr>
-            <p:ph type="title"/>
-          </p:nvPr>
-        </p:nvSpPr>
-        <p:spPr/>
-        <p:txBody>
-          <a:bodyPr/>
-          <a:lstStyle/>
-          <a:p>
-            <a:r>
-              <a:rPr lang="en-US" dirty="0"/>
-              <a:t>Identity Server 4 resources</a:t>
-            </a:r>
-          </a:p>
-        </p:txBody>
-      </p:sp>
-      <p:sp>
-        <p:nvSpPr>
-          <p:cNvPr id="3" name="Content Placeholder 2">
-            <a:extLst>
-              <a:ext uri="{FF2B5EF4-FFF2-40B4-BE49-F238E27FC236}">
-                <a16:creationId xmlns:a16="http://schemas.microsoft.com/office/drawing/2014/main" id="{87BF0CA6-A044-43D0-BEAF-8DB5B9A7482A}"/>
-              </a:ext>
-            </a:extLst>
-          </p:cNvPr>
-          <p:cNvSpPr>
-            <a:spLocks noGrp="1"/>
-          </p:cNvSpPr>
-          <p:nvPr>
-            <p:ph idx="1"/>
-          </p:nvPr>
-        </p:nvSpPr>
-        <p:spPr/>
-        <p:txBody>
-          <a:bodyPr/>
-          <a:lstStyle/>
-          <a:p>
-            <a:r>
-              <a:rPr lang="sr-Latn-RS" sz="1800" b="1" dirty="0">
-                <a:effectLst/>
-                <a:latin typeface="Calibri" panose="020F0502020204030204" pitchFamily="34" charset="0"/>
-                <a:ea typeface="Calibri" panose="020F0502020204030204" pitchFamily="34" charset="0"/>
-                <a:cs typeface="Times New Roman" panose="02020603050405020304" pitchFamily="18" charset="0"/>
-              </a:rPr>
-              <a:t>Identity Resources</a:t>
-            </a:r>
-            <a:endParaRPr lang="en-US" sz="1800" b="1" dirty="0">
-              <a:effectLst/>
-              <a:latin typeface="Calibri" panose="020F0502020204030204" pitchFamily="34" charset="0"/>
-              <a:ea typeface="Calibri" panose="020F0502020204030204" pitchFamily="34" charset="0"/>
-              <a:cs typeface="Times New Roman" panose="02020603050405020304" pitchFamily="18" charset="0"/>
-            </a:endParaRPr>
-          </a:p>
-          <a:p>
-            <a:r>
-              <a:rPr lang="sr-Latn-RS" sz="1800" b="1" dirty="0">
-                <a:effectLst/>
-                <a:latin typeface="Calibri" panose="020F0502020204030204" pitchFamily="34" charset="0"/>
-                <a:ea typeface="Calibri" panose="020F0502020204030204" pitchFamily="34" charset="0"/>
-                <a:cs typeface="Times New Roman" panose="02020603050405020304" pitchFamily="18" charset="0"/>
-              </a:rPr>
-              <a:t>API resources</a:t>
-            </a:r>
-            <a:endParaRPr lang="en-US" sz="1800" b="1" dirty="0">
-              <a:effectLst/>
-              <a:latin typeface="Calibri" panose="020F0502020204030204" pitchFamily="34" charset="0"/>
-              <a:ea typeface="Calibri" panose="020F0502020204030204" pitchFamily="34" charset="0"/>
-              <a:cs typeface="Times New Roman" panose="02020603050405020304" pitchFamily="18" charset="0"/>
-            </a:endParaRPr>
-          </a:p>
-          <a:p>
-            <a:pPr marL="0" indent="0">
-              <a:buNone/>
-            </a:pPr>
-            <a:endParaRPr lang="en-US" b="1" dirty="0">
-              <a:latin typeface="Calibri" panose="020F0502020204030204" pitchFamily="34" charset="0"/>
-              <a:cs typeface="Times New Roman" panose="02020603050405020304" pitchFamily="18" charset="0"/>
-            </a:endParaRPr>
-          </a:p>
-          <a:p>
-            <a:pPr marL="0" indent="0">
-              <a:buNone/>
-            </a:pPr>
-            <a:endParaRPr lang="en-US" dirty="0"/>
-          </a:p>
-        </p:txBody>
-      </p:sp>
-      <p:pic>
-        <p:nvPicPr>
-          <p:cNvPr id="5" name="Picture 4">
-            <a:extLst>
-              <a:ext uri="{FF2B5EF4-FFF2-40B4-BE49-F238E27FC236}">
-                <a16:creationId xmlns:a16="http://schemas.microsoft.com/office/drawing/2014/main" id="{EBC7A0E4-3C1B-45DE-A295-684E9B72CE03}"/>
-              </a:ext>
-            </a:extLst>
-          </p:cNvPr>
-          <p:cNvPicPr>
-            <a:picLocks noChangeAspect="1"/>
-          </p:cNvPicPr>
-          <p:nvPr/>
-        </p:nvPicPr>
-        <p:blipFill>
-          <a:blip r:embed="rId2"/>
-          <a:stretch>
-            <a:fillRect/>
-          </a:stretch>
-        </p:blipFill>
-        <p:spPr>
-          <a:xfrm>
-            <a:off x="3117173" y="2834150"/>
-            <a:ext cx="5105400" cy="2533650"/>
-          </a:xfrm>
-          <a:prstGeom prst="rect">
-            <a:avLst/>
-          </a:prstGeom>
-        </p:spPr>
-      </p:pic>
-    </p:spTree>
-    <p:extLst>
-      <p:ext uri="{BB962C8B-B14F-4D97-AF65-F5344CB8AC3E}">
-        <p14:creationId xmlns:p14="http://schemas.microsoft.com/office/powerpoint/2010/main" val="38752720"/>
-      </p:ext>
-    </p:extLst>
-  </p:cSld>
-  <p:clrMapOvr>
-    <a:masterClrMapping/>
-  </p:clrMapOvr>
-</p:sld>
-</file>
-
-<file path=ppt/slides/slide17.xml><?xml version="1.0" encoding="utf-8"?>
-<p:sld xmlns:a="http://schemas.openxmlformats.org/drawingml/2006/main" xmlns:r="http://schemas.openxmlformats.org/officeDocument/2006/relationships" xmlns:p="http://schemas.openxmlformats.org/presentationml/2006/main">
-  <p:cSld>
-    <p:spTree>
-      <p:nvGrpSpPr>
-        <p:cNvPr id="1" name=""/>
-        <p:cNvGrpSpPr/>
-        <p:nvPr/>
-      </p:nvGrpSpPr>
-      <p:grpSpPr>
-        <a:xfrm>
-          <a:off x="0" y="0"/>
-          <a:ext cx="0" cy="0"/>
-          <a:chOff x="0" y="0"/>
-          <a:chExt cx="0" cy="0"/>
-        </a:xfrm>
-      </p:grpSpPr>
-      <p:sp>
-        <p:nvSpPr>
-          <p:cNvPr id="2" name="Title 1">
-            <a:extLst>
-              <a:ext uri="{FF2B5EF4-FFF2-40B4-BE49-F238E27FC236}">
                 <a16:creationId xmlns:a16="http://schemas.microsoft.com/office/drawing/2014/main" id="{C9791174-8B25-4B91-A79D-D4A7F48B87DF}"/>
               </a:ext>
             </a:extLst>
@@ -8881,15 +8753,17 @@
         <p:spPr>
           <a:xfrm>
             <a:off x="677334" y="609600"/>
-            <a:ext cx="5332849" cy="713173"/>
+            <a:ext cx="5741939" cy="1055796"/>
           </a:xfrm>
         </p:spPr>
         <p:txBody>
-          <a:bodyPr/>
+          <a:bodyPr>
+            <a:noAutofit/>
+          </a:bodyPr>
           <a:lstStyle/>
           <a:p>
             <a:r>
-              <a:rPr lang="en-US" dirty="0"/>
+              <a:rPr lang="en-US" b="1" dirty="0"/>
               <a:t>Identity Server 4 Clients</a:t>
             </a:r>
           </a:p>
@@ -8968,7 +8842,7 @@
 </p:sld>
 </file>
 
-<file path=ppt/slides/slide18.xml><?xml version="1.0" encoding="utf-8"?>
+<file path=ppt/slides/slide17.xml><?xml version="1.0" encoding="utf-8"?>
 <p:sld xmlns:a="http://schemas.openxmlformats.org/drawingml/2006/main" xmlns:r="http://schemas.openxmlformats.org/officeDocument/2006/relationships" xmlns:p="http://schemas.openxmlformats.org/presentationml/2006/main">
   <p:cSld>
     <p:spTree>
@@ -9007,7 +8881,7 @@
           <a:lstStyle/>
           <a:p>
             <a:r>
-              <a:rPr lang="en-US" dirty="0"/>
+              <a:rPr lang="en-US" b="1" dirty="0"/>
               <a:t>Identity Server Login</a:t>
             </a:r>
           </a:p>
@@ -9015,36 +8889,28 @@
       </p:sp>
       <p:pic>
         <p:nvPicPr>
-          <p:cNvPr id="4" name="Content Placeholder 3">
+          <p:cNvPr id="7" name="Picture 6">
             <a:extLst>
               <a:ext uri="{FF2B5EF4-FFF2-40B4-BE49-F238E27FC236}">
-                <a16:creationId xmlns:a16="http://schemas.microsoft.com/office/drawing/2014/main" id="{3F24186B-9D95-43F4-81AA-ECAEF8077621}"/>
+                <a16:creationId xmlns:a16="http://schemas.microsoft.com/office/drawing/2014/main" id="{F199B45E-ED4F-4C81-87A5-C455EC717EC6}"/>
               </a:ext>
             </a:extLst>
           </p:cNvPr>
           <p:cNvPicPr>
-            <a:picLocks noGrp="1" noChangeAspect="1"/>
+            <a:picLocks noChangeAspect="1"/>
           </p:cNvPicPr>
-          <p:nvPr>
-            <p:ph idx="1"/>
-          </p:nvPr>
+          <p:nvPr/>
         </p:nvPicPr>
         <p:blipFill>
-          <a:blip r:embed="rId2">
-            <a:extLst>
-              <a:ext uri="{28A0092B-C50C-407E-A947-70E740481C1C}">
-                <a14:useLocalDpi xmlns:a14="http://schemas.microsoft.com/office/drawing/2010/main" val="0"/>
-              </a:ext>
-            </a:extLst>
-          </a:blip>
+          <a:blip r:embed="rId2"/>
           <a:stretch>
             <a:fillRect/>
           </a:stretch>
         </p:blipFill>
         <p:spPr>
           <a:xfrm>
-            <a:off x="1546668" y="1755244"/>
-            <a:ext cx="6858000" cy="3857625"/>
+            <a:off x="1117600" y="1468582"/>
+            <a:ext cx="7767782" cy="4984370"/>
           </a:xfrm>
           <a:prstGeom prst="rect">
             <a:avLst/>
@@ -9064,7 +8930,7 @@
 </p:sld>
 </file>
 
-<file path=ppt/slides/slide19.xml><?xml version="1.0" encoding="utf-8"?>
+<file path=ppt/slides/slide18.xml><?xml version="1.0" encoding="utf-8"?>
 <p:sld xmlns:a="http://schemas.openxmlformats.org/drawingml/2006/main" xmlns:r="http://schemas.openxmlformats.org/officeDocument/2006/relationships" xmlns:p="http://schemas.openxmlformats.org/presentationml/2006/main">
   <p:cSld>
     <p:spTree>
@@ -9086,7 +8952,7 @@
           <p:cNvPr id="2" name="Title 1">
             <a:extLst>
               <a:ext uri="{FF2B5EF4-FFF2-40B4-BE49-F238E27FC236}">
-                <a16:creationId xmlns:a16="http://schemas.microsoft.com/office/drawing/2014/main" id="{AA897AFF-C98B-4AB1-B7D0-A3D7D704DD8F}"/>
+                <a16:creationId xmlns:a16="http://schemas.microsoft.com/office/drawing/2014/main" id="{C18D6195-AE2C-4171-8BE0-3A60BFAC7F62}"/>
               </a:ext>
             </a:extLst>
           </p:cNvPr>
@@ -9097,18 +8963,13 @@
             <p:ph type="title"/>
           </p:nvPr>
         </p:nvSpPr>
-        <p:spPr>
-          <a:xfrm>
-            <a:off x="517536" y="378780"/>
-            <a:ext cx="3113431" cy="668784"/>
-          </a:xfrm>
-        </p:spPr>
+        <p:spPr/>
         <p:txBody>
           <a:bodyPr/>
           <a:lstStyle/>
           <a:p>
             <a:r>
-              <a:rPr lang="en-US" dirty="0"/>
+              <a:rPr lang="en-US" b="1" dirty="0"/>
               <a:t>Angular Client</a:t>
             </a:r>
           </a:p>
@@ -9116,10 +8977,10 @@
       </p:sp>
       <p:sp>
         <p:nvSpPr>
-          <p:cNvPr id="3" name="Content Placeholder 2">
+          <p:cNvPr id="4" name="Content Placeholder 2">
             <a:extLst>
               <a:ext uri="{FF2B5EF4-FFF2-40B4-BE49-F238E27FC236}">
-                <a16:creationId xmlns:a16="http://schemas.microsoft.com/office/drawing/2014/main" id="{3DC9D84C-889D-4F19-ADBD-378A661B9A59}"/>
+                <a16:creationId xmlns:a16="http://schemas.microsoft.com/office/drawing/2014/main" id="{00E8F6A1-4EED-4275-91F7-179946DD0979}"/>
               </a:ext>
             </a:extLst>
           </p:cNvPr>
@@ -9141,7 +9002,7 @@
           <a:lstStyle/>
           <a:p>
             <a:r>
-              <a:rPr lang="en-US" sz="1800" dirty="0">
+              <a:rPr lang="en-US" sz="2800" b="1" dirty="0">
                 <a:effectLst/>
                 <a:latin typeface="Calibri" panose="020F0502020204030204" pitchFamily="34" charset="0"/>
                 <a:ea typeface="Calibri" panose="020F0502020204030204" pitchFamily="34" charset="0"/>
@@ -9265,10 +9126,10 @@
       </p:sp>
       <p:pic>
         <p:nvPicPr>
-          <p:cNvPr id="6" name="Picture 5">
+          <p:cNvPr id="5" name="Picture 4">
             <a:extLst>
               <a:ext uri="{FF2B5EF4-FFF2-40B4-BE49-F238E27FC236}">
-                <a16:creationId xmlns:a16="http://schemas.microsoft.com/office/drawing/2014/main" id="{AE57AB08-D21A-4852-95DF-86C835CD58A9}"/>
+                <a16:creationId xmlns:a16="http://schemas.microsoft.com/office/drawing/2014/main" id="{AEB06735-ADB3-43DB-8220-B014AE78DC5F}"/>
               </a:ext>
             </a:extLst>
           </p:cNvPr>
@@ -9296,7 +9157,107 @@
     </p:spTree>
     <p:extLst>
       <p:ext uri="{BB962C8B-B14F-4D97-AF65-F5344CB8AC3E}">
-        <p14:creationId xmlns:p14="http://schemas.microsoft.com/office/powerpoint/2010/main" val="1863367285"/>
+        <p14:creationId xmlns:p14="http://schemas.microsoft.com/office/powerpoint/2010/main" val="4111892707"/>
+      </p:ext>
+    </p:extLst>
+  </p:cSld>
+  <p:clrMapOvr>
+    <a:masterClrMapping/>
+  </p:clrMapOvr>
+</p:sld>
+</file>
+
+<file path=ppt/slides/slide19.xml><?xml version="1.0" encoding="utf-8"?>
+<p:sld xmlns:a="http://schemas.openxmlformats.org/drawingml/2006/main" xmlns:r="http://schemas.openxmlformats.org/officeDocument/2006/relationships" xmlns:p="http://schemas.openxmlformats.org/presentationml/2006/main">
+  <p:cSld>
+    <p:spTree>
+      <p:nvGrpSpPr>
+        <p:cNvPr id="1" name=""/>
+        <p:cNvGrpSpPr/>
+        <p:nvPr/>
+      </p:nvGrpSpPr>
+      <p:grpSpPr>
+        <a:xfrm>
+          <a:off x="0" y="0"/>
+          <a:ext cx="0" cy="0"/>
+          <a:chOff x="0" y="0"/>
+          <a:chExt cx="0" cy="0"/>
+        </a:xfrm>
+      </p:grpSpPr>
+      <p:sp>
+        <p:nvSpPr>
+          <p:cNvPr id="2" name="Title 1">
+            <a:extLst>
+              <a:ext uri="{FF2B5EF4-FFF2-40B4-BE49-F238E27FC236}">
+                <a16:creationId xmlns:a16="http://schemas.microsoft.com/office/drawing/2014/main" id="{3A7F4EC2-D749-4808-9070-4D4868BF49EB}"/>
+              </a:ext>
+            </a:extLst>
+          </p:cNvPr>
+          <p:cNvSpPr>
+            <a:spLocks noGrp="1"/>
+          </p:cNvSpPr>
+          <p:nvPr>
+            <p:ph type="title"/>
+          </p:nvPr>
+        </p:nvSpPr>
+        <p:spPr>
+          <a:xfrm>
+            <a:off x="677334" y="609600"/>
+            <a:ext cx="3424149" cy="642151"/>
+          </a:xfrm>
+        </p:spPr>
+        <p:txBody>
+          <a:bodyPr/>
+          <a:lstStyle/>
+          <a:p>
+            <a:r>
+              <a:rPr lang="en-US" b="1" dirty="0"/>
+              <a:t>Angular</a:t>
+            </a:r>
+            <a:r>
+              <a:rPr lang="en-US" dirty="0"/>
+              <a:t> </a:t>
+            </a:r>
+            <a:r>
+              <a:rPr lang="en-US" b="1" dirty="0"/>
+              <a:t>Client</a:t>
+            </a:r>
+          </a:p>
+        </p:txBody>
+      </p:sp>
+      <p:pic>
+        <p:nvPicPr>
+          <p:cNvPr id="5" name="Content Placeholder 4">
+            <a:extLst>
+              <a:ext uri="{FF2B5EF4-FFF2-40B4-BE49-F238E27FC236}">
+                <a16:creationId xmlns:a16="http://schemas.microsoft.com/office/drawing/2014/main" id="{C1F4A4BD-1FFC-4A99-B0BE-B60BDEFEB386}"/>
+              </a:ext>
+            </a:extLst>
+          </p:cNvPr>
+          <p:cNvPicPr>
+            <a:picLocks noGrp="1" noChangeAspect="1"/>
+          </p:cNvPicPr>
+          <p:nvPr>
+            <p:ph idx="1"/>
+          </p:nvPr>
+        </p:nvPicPr>
+        <p:blipFill>
+          <a:blip r:embed="rId2"/>
+          <a:stretch>
+            <a:fillRect/>
+          </a:stretch>
+        </p:blipFill>
+        <p:spPr>
+          <a:xfrm>
+            <a:off x="1089891" y="1665475"/>
+            <a:ext cx="7241309" cy="4755346"/>
+          </a:xfrm>
+        </p:spPr>
+      </p:pic>
+    </p:spTree>
+    <p:extLst>
+      <p:ext uri="{BB962C8B-B14F-4D97-AF65-F5344CB8AC3E}">
+        <p14:creationId xmlns:p14="http://schemas.microsoft.com/office/powerpoint/2010/main" val="9691325"/>
       </p:ext>
     </p:extLst>
   </p:cSld>
@@ -9328,7 +9289,7 @@
           <p:cNvPr id="2" name="Title 1">
             <a:extLst>
               <a:ext uri="{FF2B5EF4-FFF2-40B4-BE49-F238E27FC236}">
-                <a16:creationId xmlns:a16="http://schemas.microsoft.com/office/drawing/2014/main" id="{29C61D79-9719-46A1-AECB-F9112D1069E0}"/>
+                <a16:creationId xmlns:a16="http://schemas.microsoft.com/office/drawing/2014/main" id="{E1BBFA27-5A21-4F98-A76B-5C6BD5C70CDB}"/>
               </a:ext>
             </a:extLst>
           </p:cNvPr>
@@ -9341,375 +9302,49 @@
         </p:nvSpPr>
         <p:spPr/>
         <p:txBody>
-          <a:bodyPr>
-            <a:normAutofit fontScale="90000"/>
-          </a:bodyPr>
+          <a:bodyPr/>
           <a:lstStyle/>
           <a:p>
             <a:r>
-              <a:rPr lang="en-US" b="1" kern="0" dirty="0" err="1">
-                <a:solidFill>
-                  <a:srgbClr val="2F5496"/>
-                </a:solidFill>
-                <a:effectLst/>
-                <a:latin typeface="Calibri Light" panose="020F0302020204030204" pitchFamily="34" charset="0"/>
-                <a:ea typeface="Times New Roman" panose="02020603050405020304" pitchFamily="18" charset="0"/>
-                <a:cs typeface="Times New Roman" panose="02020603050405020304" pitchFamily="18" charset="0"/>
-              </a:rPr>
-              <a:t>Ujedinjeni</a:t>
-            </a:r>
-            <a:r>
-              <a:rPr lang="en-US" b="1" kern="0" dirty="0">
-                <a:solidFill>
-                  <a:srgbClr val="2F5496"/>
-                </a:solidFill>
-                <a:effectLst/>
-                <a:latin typeface="Calibri Light" panose="020F0302020204030204" pitchFamily="34" charset="0"/>
-                <a:ea typeface="Times New Roman" panose="02020603050405020304" pitchFamily="18" charset="0"/>
-                <a:cs typeface="Times New Roman" panose="02020603050405020304" pitchFamily="18" charset="0"/>
-              </a:rPr>
-              <a:t> </a:t>
-            </a:r>
-            <a:r>
-              <a:rPr lang="en-US" b="1" kern="0" dirty="0" err="1">
-                <a:solidFill>
-                  <a:srgbClr val="2F5496"/>
-                </a:solidFill>
-                <a:effectLst/>
-                <a:latin typeface="Calibri Light" panose="020F0302020204030204" pitchFamily="34" charset="0"/>
-                <a:ea typeface="Times New Roman" panose="02020603050405020304" pitchFamily="18" charset="0"/>
-                <a:cs typeface="Times New Roman" panose="02020603050405020304" pitchFamily="18" charset="0"/>
-              </a:rPr>
-              <a:t>sistemi</a:t>
-            </a:r>
-            <a:r>
-              <a:rPr lang="en-US" b="1" kern="0" dirty="0">
-                <a:solidFill>
-                  <a:srgbClr val="2F5496"/>
-                </a:solidFill>
-                <a:effectLst/>
-                <a:latin typeface="Calibri Light" panose="020F0302020204030204" pitchFamily="34" charset="0"/>
-                <a:ea typeface="Times New Roman" panose="02020603050405020304" pitchFamily="18" charset="0"/>
-                <a:cs typeface="Times New Roman" panose="02020603050405020304" pitchFamily="18" charset="0"/>
-              </a:rPr>
-              <a:t> </a:t>
-            </a:r>
-            <a:r>
-              <a:rPr lang="en-US" b="1" kern="0" dirty="0" err="1">
-                <a:solidFill>
-                  <a:srgbClr val="2F5496"/>
-                </a:solidFill>
-                <a:effectLst/>
-                <a:latin typeface="Calibri Light" panose="020F0302020204030204" pitchFamily="34" charset="0"/>
-                <a:ea typeface="Times New Roman" panose="02020603050405020304" pitchFamily="18" charset="0"/>
-                <a:cs typeface="Times New Roman" panose="02020603050405020304" pitchFamily="18" charset="0"/>
-              </a:rPr>
-              <a:t>identiteta</a:t>
-            </a:r>
-            <a:r>
-              <a:rPr lang="en-US" b="1" kern="0" dirty="0">
-                <a:solidFill>
-                  <a:srgbClr val="2F5496"/>
-                </a:solidFill>
-                <a:effectLst/>
-                <a:latin typeface="Calibri Light" panose="020F0302020204030204" pitchFamily="34" charset="0"/>
-                <a:ea typeface="Times New Roman" panose="02020603050405020304" pitchFamily="18" charset="0"/>
-                <a:cs typeface="Times New Roman" panose="02020603050405020304" pitchFamily="18" charset="0"/>
-              </a:rPr>
-              <a:t> (Federated Identity)</a:t>
-            </a:r>
-            <a:br>
-              <a:rPr lang="en-US" sz="1800" b="1" kern="0" dirty="0">
-                <a:solidFill>
-                  <a:srgbClr val="2F5496"/>
-                </a:solidFill>
-                <a:effectLst/>
-                <a:latin typeface="Calibri Light" panose="020F0302020204030204" pitchFamily="34" charset="0"/>
-                <a:ea typeface="Times New Roman" panose="02020603050405020304" pitchFamily="18" charset="0"/>
-                <a:cs typeface="Times New Roman" panose="02020603050405020304" pitchFamily="18" charset="0"/>
-              </a:rPr>
-            </a:br>
-            <a:endParaRPr lang="en-US" dirty="0"/>
-          </a:p>
-        </p:txBody>
-      </p:sp>
-      <p:sp>
-        <p:nvSpPr>
-          <p:cNvPr id="3" name="Content Placeholder 2">
+              <a:rPr lang="en-US" b="1" dirty="0"/>
+              <a:t>Scenario bez Singe Sign On-a</a:t>
+            </a:r>
+          </a:p>
+        </p:txBody>
+      </p:sp>
+      <p:pic>
+        <p:nvPicPr>
+          <p:cNvPr id="5" name="Content Placeholder 4">
             <a:extLst>
               <a:ext uri="{FF2B5EF4-FFF2-40B4-BE49-F238E27FC236}">
-                <a16:creationId xmlns:a16="http://schemas.microsoft.com/office/drawing/2014/main" id="{8C16861A-89B7-45A4-8507-34B0678817AC}"/>
+                <a16:creationId xmlns:a16="http://schemas.microsoft.com/office/drawing/2014/main" id="{91BE8D3A-DF43-4B2C-A53A-051C96D96037}"/>
               </a:ext>
             </a:extLst>
           </p:cNvPr>
-          <p:cNvSpPr>
-            <a:spLocks noGrp="1"/>
-          </p:cNvSpPr>
+          <p:cNvPicPr>
+            <a:picLocks noGrp="1" noChangeAspect="1"/>
+          </p:cNvPicPr>
           <p:nvPr>
             <p:ph idx="1"/>
           </p:nvPr>
-        </p:nvSpPr>
-        <p:spPr/>
-        <p:txBody>
-          <a:bodyPr/>
-          <a:lstStyle/>
-          <a:p>
-            <a:pPr marL="0" indent="0">
-              <a:buNone/>
-            </a:pPr>
-            <a:r>
-              <a:rPr lang="en-US" sz="1800" dirty="0" err="1">
-                <a:effectLst/>
-                <a:latin typeface="Calibri" panose="020F0502020204030204" pitchFamily="34" charset="0"/>
-                <a:ea typeface="Calibri" panose="020F0502020204030204" pitchFamily="34" charset="0"/>
-                <a:cs typeface="Times New Roman" panose="02020603050405020304" pitchFamily="18" charset="0"/>
-              </a:rPr>
-              <a:t>Ujedinjeni</a:t>
-            </a:r>
-            <a:r>
-              <a:rPr lang="en-US" sz="1800" dirty="0">
-                <a:effectLst/>
-                <a:latin typeface="Calibri" panose="020F0502020204030204" pitchFamily="34" charset="0"/>
-                <a:ea typeface="Calibri" panose="020F0502020204030204" pitchFamily="34" charset="0"/>
-                <a:cs typeface="Times New Roman" panose="02020603050405020304" pitchFamily="18" charset="0"/>
-              </a:rPr>
-              <a:t> </a:t>
-            </a:r>
-            <a:r>
-              <a:rPr lang="en-US" sz="1800" dirty="0" err="1">
-                <a:effectLst/>
-                <a:latin typeface="Calibri" panose="020F0502020204030204" pitchFamily="34" charset="0"/>
-                <a:ea typeface="Calibri" panose="020F0502020204030204" pitchFamily="34" charset="0"/>
-                <a:cs typeface="Times New Roman" panose="02020603050405020304" pitchFamily="18" charset="0"/>
-              </a:rPr>
-              <a:t>sistemi</a:t>
-            </a:r>
-            <a:r>
-              <a:rPr lang="en-US" sz="1800" dirty="0">
-                <a:effectLst/>
-                <a:latin typeface="Calibri" panose="020F0502020204030204" pitchFamily="34" charset="0"/>
-                <a:ea typeface="Calibri" panose="020F0502020204030204" pitchFamily="34" charset="0"/>
-                <a:cs typeface="Times New Roman" panose="02020603050405020304" pitchFamily="18" charset="0"/>
-              </a:rPr>
-              <a:t> </a:t>
-            </a:r>
-            <a:r>
-              <a:rPr lang="en-US" sz="1800" dirty="0" err="1">
-                <a:effectLst/>
-                <a:latin typeface="Calibri" panose="020F0502020204030204" pitchFamily="34" charset="0"/>
-                <a:ea typeface="Calibri" panose="020F0502020204030204" pitchFamily="34" charset="0"/>
-                <a:cs typeface="Times New Roman" panose="02020603050405020304" pitchFamily="18" charset="0"/>
-              </a:rPr>
-              <a:t>identiteta</a:t>
-            </a:r>
-            <a:r>
-              <a:rPr lang="en-US" sz="1800" dirty="0">
-                <a:effectLst/>
-                <a:latin typeface="Calibri" panose="020F0502020204030204" pitchFamily="34" charset="0"/>
-                <a:ea typeface="Calibri" panose="020F0502020204030204" pitchFamily="34" charset="0"/>
-                <a:cs typeface="Times New Roman" panose="02020603050405020304" pitchFamily="18" charset="0"/>
-              </a:rPr>
-              <a:t> </a:t>
-            </a:r>
-            <a:r>
-              <a:rPr lang="en-US" sz="1800" dirty="0" err="1">
-                <a:effectLst/>
-                <a:latin typeface="Calibri" panose="020F0502020204030204" pitchFamily="34" charset="0"/>
-                <a:ea typeface="Calibri" panose="020F0502020204030204" pitchFamily="34" charset="0"/>
-                <a:cs typeface="Times New Roman" panose="02020603050405020304" pitchFamily="18" charset="0"/>
-              </a:rPr>
-              <a:t>rešavaju</a:t>
-            </a:r>
-            <a:r>
-              <a:rPr lang="en-US" sz="1800" dirty="0">
-                <a:effectLst/>
-                <a:latin typeface="Calibri" panose="020F0502020204030204" pitchFamily="34" charset="0"/>
-                <a:ea typeface="Calibri" panose="020F0502020204030204" pitchFamily="34" charset="0"/>
-                <a:cs typeface="Times New Roman" panose="02020603050405020304" pitchFamily="18" charset="0"/>
-              </a:rPr>
-              <a:t> </a:t>
-            </a:r>
-            <a:r>
-              <a:rPr lang="en-US" sz="1800" dirty="0" err="1">
-                <a:effectLst/>
-                <a:latin typeface="Calibri" panose="020F0502020204030204" pitchFamily="34" charset="0"/>
-                <a:ea typeface="Calibri" panose="020F0502020204030204" pitchFamily="34" charset="0"/>
-                <a:cs typeface="Times New Roman" panose="02020603050405020304" pitchFamily="18" charset="0"/>
-              </a:rPr>
-              <a:t>nekoliko</a:t>
-            </a:r>
-            <a:r>
-              <a:rPr lang="en-US" sz="1800" dirty="0">
-                <a:effectLst/>
-                <a:latin typeface="Calibri" panose="020F0502020204030204" pitchFamily="34" charset="0"/>
-                <a:ea typeface="Calibri" panose="020F0502020204030204" pitchFamily="34" charset="0"/>
-                <a:cs typeface="Times New Roman" panose="02020603050405020304" pitchFamily="18" charset="0"/>
-              </a:rPr>
-              <a:t> </a:t>
-            </a:r>
-            <a:r>
-              <a:rPr lang="en-US" sz="1800" dirty="0" err="1">
-                <a:effectLst/>
-                <a:latin typeface="Calibri" panose="020F0502020204030204" pitchFamily="34" charset="0"/>
-                <a:ea typeface="Calibri" panose="020F0502020204030204" pitchFamily="34" charset="0"/>
-                <a:cs typeface="Times New Roman" panose="02020603050405020304" pitchFamily="18" charset="0"/>
-              </a:rPr>
-              <a:t>problema</a:t>
-            </a:r>
-            <a:r>
-              <a:rPr lang="en-US" sz="1800" dirty="0">
-                <a:effectLst/>
-                <a:latin typeface="Calibri" panose="020F0502020204030204" pitchFamily="34" charset="0"/>
-                <a:ea typeface="Calibri" panose="020F0502020204030204" pitchFamily="34" charset="0"/>
-                <a:cs typeface="Times New Roman" panose="02020603050405020304" pitchFamily="18" charset="0"/>
-              </a:rPr>
-              <a:t>: </a:t>
-            </a:r>
-          </a:p>
-          <a:p>
-            <a:pPr marL="342900" marR="0" lvl="0" indent="-342900" algn="just">
-              <a:lnSpc>
-                <a:spcPct val="107000"/>
-              </a:lnSpc>
-              <a:spcBef>
-                <a:spcPts val="0"/>
-              </a:spcBef>
-              <a:spcAft>
-                <a:spcPts val="0"/>
-              </a:spcAft>
-              <a:buFont typeface="Symbol" panose="05050102010706020507" pitchFamily="18" charset="2"/>
-              <a:buChar char=""/>
-            </a:pPr>
-            <a:r>
-              <a:rPr lang="sr-Latn-RS" sz="1800" dirty="0">
-                <a:effectLst/>
-                <a:latin typeface="Calibri" panose="020F0502020204030204" pitchFamily="34" charset="0"/>
-                <a:ea typeface="Calibri" panose="020F0502020204030204" pitchFamily="34" charset="0"/>
-                <a:cs typeface="Times New Roman" panose="02020603050405020304" pitchFamily="18" charset="0"/>
-              </a:rPr>
-              <a:t>Autentifikacij</a:t>
-            </a:r>
-            <a:r>
-              <a:rPr lang="en-US" sz="1800" dirty="0">
-                <a:effectLst/>
-                <a:latin typeface="Calibri" panose="020F0502020204030204" pitchFamily="34" charset="0"/>
-                <a:ea typeface="Calibri" panose="020F0502020204030204" pitchFamily="34" charset="0"/>
-                <a:cs typeface="Times New Roman" panose="02020603050405020304" pitchFamily="18" charset="0"/>
-              </a:rPr>
-              <a:t>a</a:t>
-            </a:r>
-          </a:p>
-          <a:p>
-            <a:pPr marL="342900" marR="0" lvl="0" indent="-342900" algn="just">
-              <a:lnSpc>
-                <a:spcPct val="107000"/>
-              </a:lnSpc>
-              <a:spcBef>
-                <a:spcPts val="0"/>
-              </a:spcBef>
-              <a:spcAft>
-                <a:spcPts val="0"/>
-              </a:spcAft>
-              <a:buFont typeface="Symbol" panose="05050102010706020507" pitchFamily="18" charset="2"/>
-              <a:buChar char=""/>
-            </a:pPr>
-            <a:r>
-              <a:rPr lang="sr-Latn-RS" sz="1800" dirty="0">
-                <a:effectLst/>
-                <a:latin typeface="Calibri" panose="020F0502020204030204" pitchFamily="34" charset="0"/>
-                <a:ea typeface="Calibri" panose="020F0502020204030204" pitchFamily="34" charset="0"/>
-                <a:cs typeface="Times New Roman" panose="02020603050405020304" pitchFamily="18" charset="0"/>
-              </a:rPr>
-              <a:t>Pravo pristupa resursima</a:t>
-            </a:r>
-            <a:endParaRPr lang="en-US" sz="1800" dirty="0">
-              <a:effectLst/>
-              <a:latin typeface="Calibri" panose="020F0502020204030204" pitchFamily="34" charset="0"/>
-              <a:ea typeface="Calibri" panose="020F0502020204030204" pitchFamily="34" charset="0"/>
-              <a:cs typeface="Times New Roman" panose="02020603050405020304" pitchFamily="18" charset="0"/>
-            </a:endParaRPr>
-          </a:p>
-          <a:p>
-            <a:pPr marL="342900" marR="0" lvl="0" indent="-342900" algn="just">
-              <a:lnSpc>
-                <a:spcPct val="107000"/>
-              </a:lnSpc>
-              <a:spcBef>
-                <a:spcPts val="0"/>
-              </a:spcBef>
-              <a:spcAft>
-                <a:spcPts val="0"/>
-              </a:spcAft>
-              <a:buFont typeface="Symbol" panose="05050102010706020507" pitchFamily="18" charset="2"/>
-              <a:buChar char=""/>
-            </a:pPr>
-            <a:r>
-              <a:rPr lang="sr-Latn-RS" sz="1800" dirty="0">
-                <a:effectLst/>
-                <a:latin typeface="Calibri" panose="020F0502020204030204" pitchFamily="34" charset="0"/>
-                <a:ea typeface="Calibri" panose="020F0502020204030204" pitchFamily="34" charset="0"/>
-                <a:cs typeface="Times New Roman" panose="02020603050405020304" pitchFamily="18" charset="0"/>
-              </a:rPr>
-              <a:t>Razmena korisnickih podataka</a:t>
-            </a:r>
-            <a:endParaRPr lang="en-US" sz="1800" dirty="0">
-              <a:effectLst/>
-              <a:latin typeface="Calibri" panose="020F0502020204030204" pitchFamily="34" charset="0"/>
-              <a:ea typeface="Calibri" panose="020F0502020204030204" pitchFamily="34" charset="0"/>
-              <a:cs typeface="Times New Roman" panose="02020603050405020304" pitchFamily="18" charset="0"/>
-            </a:endParaRPr>
-          </a:p>
-          <a:p>
-            <a:pPr marL="342900" marR="0" lvl="0" indent="-342900" algn="just">
-              <a:lnSpc>
-                <a:spcPct val="107000"/>
-              </a:lnSpc>
-              <a:spcBef>
-                <a:spcPts val="0"/>
-              </a:spcBef>
-              <a:spcAft>
-                <a:spcPts val="800"/>
-              </a:spcAft>
-              <a:buFont typeface="Symbol" panose="05050102010706020507" pitchFamily="18" charset="2"/>
-              <a:buChar char=""/>
-            </a:pPr>
-            <a:r>
-              <a:rPr lang="sr-Latn-RS" sz="1800" dirty="0">
-                <a:effectLst/>
-                <a:latin typeface="Calibri" panose="020F0502020204030204" pitchFamily="34" charset="0"/>
-                <a:ea typeface="Calibri" panose="020F0502020204030204" pitchFamily="34" charset="0"/>
-                <a:cs typeface="Times New Roman" panose="02020603050405020304" pitchFamily="18" charset="0"/>
-              </a:rPr>
-              <a:t>Upravljanje korisnicima</a:t>
-            </a:r>
-            <a:endParaRPr lang="en-US" sz="1800" dirty="0">
-              <a:effectLst/>
-              <a:latin typeface="Calibri" panose="020F0502020204030204" pitchFamily="34" charset="0"/>
-              <a:ea typeface="Calibri" panose="020F0502020204030204" pitchFamily="34" charset="0"/>
-              <a:cs typeface="Times New Roman" panose="02020603050405020304" pitchFamily="18" charset="0"/>
-            </a:endParaRPr>
-          </a:p>
-          <a:p>
-            <a:endParaRPr lang="en-US" sz="1800" dirty="0">
-              <a:effectLst/>
-              <a:latin typeface="Calibri" panose="020F0502020204030204" pitchFamily="34" charset="0"/>
-              <a:ea typeface="Calibri" panose="020F0502020204030204" pitchFamily="34" charset="0"/>
-              <a:cs typeface="Times New Roman" panose="02020603050405020304" pitchFamily="18" charset="0"/>
-            </a:endParaRPr>
-          </a:p>
-          <a:p>
-            <a:pPr>
-              <a:buFont typeface="+mj-lt"/>
-              <a:buAutoNum type="arabicPeriod"/>
-            </a:pPr>
-            <a:endParaRPr lang="en-US" dirty="0"/>
-          </a:p>
-        </p:txBody>
-      </p:sp>
+        </p:nvPicPr>
+        <p:blipFill>
+          <a:blip r:embed="rId2"/>
+          <a:stretch>
+            <a:fillRect/>
+          </a:stretch>
+        </p:blipFill>
+        <p:spPr>
+          <a:xfrm>
+            <a:off x="1339273" y="1662545"/>
+            <a:ext cx="6742545" cy="5017629"/>
+          </a:xfrm>
+        </p:spPr>
+      </p:pic>
     </p:spTree>
     <p:extLst>
       <p:ext uri="{BB962C8B-B14F-4D97-AF65-F5344CB8AC3E}">
-        <p14:creationId xmlns:p14="http://schemas.microsoft.com/office/powerpoint/2010/main" val="1428585126"/>
+        <p14:creationId xmlns:p14="http://schemas.microsoft.com/office/powerpoint/2010/main" val="1657054353"/>
       </p:ext>
     </p:extLst>
   </p:cSld>
@@ -9741,98 +9376,6 @@
           <p:cNvPr id="2" name="Title 1">
             <a:extLst>
               <a:ext uri="{FF2B5EF4-FFF2-40B4-BE49-F238E27FC236}">
-                <a16:creationId xmlns:a16="http://schemas.microsoft.com/office/drawing/2014/main" id="{3A7F4EC2-D749-4808-9070-4D4868BF49EB}"/>
-              </a:ext>
-            </a:extLst>
-          </p:cNvPr>
-          <p:cNvSpPr>
-            <a:spLocks noGrp="1"/>
-          </p:cNvSpPr>
-          <p:nvPr>
-            <p:ph type="title"/>
-          </p:nvPr>
-        </p:nvSpPr>
-        <p:spPr>
-          <a:xfrm>
-            <a:off x="677334" y="609600"/>
-            <a:ext cx="3424149" cy="642151"/>
-          </a:xfrm>
-        </p:spPr>
-        <p:txBody>
-          <a:bodyPr/>
-          <a:lstStyle/>
-          <a:p>
-            <a:r>
-              <a:rPr lang="en-US" dirty="0"/>
-              <a:t>Angular Client</a:t>
-            </a:r>
-          </a:p>
-        </p:txBody>
-      </p:sp>
-      <p:pic>
-        <p:nvPicPr>
-          <p:cNvPr id="5" name="Content Placeholder 4">
-            <a:extLst>
-              <a:ext uri="{FF2B5EF4-FFF2-40B4-BE49-F238E27FC236}">
-                <a16:creationId xmlns:a16="http://schemas.microsoft.com/office/drawing/2014/main" id="{C1F4A4BD-1FFC-4A99-B0BE-B60BDEFEB386}"/>
-              </a:ext>
-            </a:extLst>
-          </p:cNvPr>
-          <p:cNvPicPr>
-            <a:picLocks noGrp="1" noChangeAspect="1"/>
-          </p:cNvPicPr>
-          <p:nvPr>
-            <p:ph idx="1"/>
-          </p:nvPr>
-        </p:nvPicPr>
-        <p:blipFill>
-          <a:blip r:embed="rId2"/>
-          <a:stretch>
-            <a:fillRect/>
-          </a:stretch>
-        </p:blipFill>
-        <p:spPr>
-          <a:xfrm>
-            <a:off x="1559108" y="1796604"/>
-            <a:ext cx="6267614" cy="4115924"/>
-          </a:xfrm>
-        </p:spPr>
-      </p:pic>
-    </p:spTree>
-    <p:extLst>
-      <p:ext uri="{BB962C8B-B14F-4D97-AF65-F5344CB8AC3E}">
-        <p14:creationId xmlns:p14="http://schemas.microsoft.com/office/powerpoint/2010/main" val="9691325"/>
-      </p:ext>
-    </p:extLst>
-  </p:cSld>
-  <p:clrMapOvr>
-    <a:masterClrMapping/>
-  </p:clrMapOvr>
-</p:sld>
-</file>
-
-<file path=ppt/slides/slide21.xml><?xml version="1.0" encoding="utf-8"?>
-<p:sld xmlns:a="http://schemas.openxmlformats.org/drawingml/2006/main" xmlns:r="http://schemas.openxmlformats.org/officeDocument/2006/relationships" xmlns:p="http://schemas.openxmlformats.org/presentationml/2006/main">
-  <p:cSld>
-    <p:spTree>
-      <p:nvGrpSpPr>
-        <p:cNvPr id="1" name=""/>
-        <p:cNvGrpSpPr/>
-        <p:nvPr/>
-      </p:nvGrpSpPr>
-      <p:grpSpPr>
-        <a:xfrm>
-          <a:off x="0" y="0"/>
-          <a:ext cx="0" cy="0"/>
-          <a:chOff x="0" y="0"/>
-          <a:chExt cx="0" cy="0"/>
-        </a:xfrm>
-      </p:grpSpPr>
-      <p:sp>
-        <p:nvSpPr>
-          <p:cNvPr id="2" name="Title 1">
-            <a:extLst>
-              <a:ext uri="{FF2B5EF4-FFF2-40B4-BE49-F238E27FC236}">
                 <a16:creationId xmlns:a16="http://schemas.microsoft.com/office/drawing/2014/main" id="{14A90DC2-5790-4546-95F4-08D1FDEFB5AD}"/>
               </a:ext>
             </a:extLst>
@@ -9850,7 +9393,7 @@
           <a:lstStyle/>
           <a:p>
             <a:r>
-              <a:rPr lang="en-US" dirty="0"/>
+              <a:rPr lang="en-US" b="1" dirty="0"/>
               <a:t>MVC Client</a:t>
             </a:r>
           </a:p>
@@ -9886,8 +9429,8 @@
         </p:blipFill>
         <p:spPr>
           <a:xfrm>
-            <a:off x="677334" y="1579065"/>
-            <a:ext cx="8093141" cy="1333616"/>
+            <a:off x="677335" y="1431283"/>
+            <a:ext cx="7598448" cy="1252099"/>
           </a:xfrm>
           <a:prstGeom prst="rect">
             <a:avLst/>
@@ -9916,8 +9459,8 @@
         </p:blipFill>
         <p:spPr>
           <a:xfrm>
-            <a:off x="677334" y="2922908"/>
-            <a:ext cx="8596669" cy="3325492"/>
+            <a:off x="677335" y="2752083"/>
+            <a:ext cx="8644300" cy="3343917"/>
           </a:xfrm>
           <a:prstGeom prst="rect">
             <a:avLst/>
@@ -9937,7 +9480,7 @@
 </p:sld>
 </file>
 
-<file path=ppt/slides/slide22.xml><?xml version="1.0" encoding="utf-8"?>
+<file path=ppt/slides/slide21.xml><?xml version="1.0" encoding="utf-8"?>
 <p:sld xmlns:a="http://schemas.openxmlformats.org/drawingml/2006/main" xmlns:r="http://schemas.openxmlformats.org/officeDocument/2006/relationships" xmlns:p="http://schemas.openxmlformats.org/presentationml/2006/main">
   <p:cSld>
     <p:spTree>
@@ -9981,10 +9524,18 @@
           <a:lstStyle/>
           <a:p>
             <a:r>
-              <a:rPr lang="en-US" dirty="0" err="1"/>
-              <a:t>Zakljucak</a:t>
-            </a:r>
-            <a:endParaRPr lang="en-US" dirty="0"/>
+              <a:rPr lang="en-US" b="1" dirty="0" err="1"/>
+              <a:t>Zaklju</a:t>
+            </a:r>
+            <a:r>
+              <a:rPr lang="sr-Latn-RS" b="1" dirty="0"/>
+              <a:t>č</a:t>
+            </a:r>
+            <a:r>
+              <a:rPr lang="en-US" b="1" dirty="0" err="1"/>
+              <a:t>ak</a:t>
+            </a:r>
+            <a:endParaRPr lang="en-US" b="1" dirty="0"/>
           </a:p>
         </p:txBody>
       </p:sp>
@@ -10006,28 +9557,40 @@
         </p:nvSpPr>
         <p:spPr/>
         <p:txBody>
-          <a:bodyPr/>
+          <a:bodyPr>
+            <a:normAutofit/>
+          </a:bodyPr>
           <a:lstStyle/>
           <a:p>
-            <a:r>
-              <a:rPr lang="en-US" dirty="0"/>
+            <a:pPr>
+              <a:spcBef>
+                <a:spcPts val="600"/>
+              </a:spcBef>
+            </a:pPr>
+            <a:r>
+              <a:rPr lang="en-US" sz="2800" b="1" dirty="0"/>
               <a:t>Alternative</a:t>
             </a:r>
           </a:p>
           <a:p>
-            <a:r>
-              <a:rPr lang="en-US" dirty="0" err="1"/>
+            <a:pPr>
+              <a:spcBef>
+                <a:spcPts val="600"/>
+              </a:spcBef>
+            </a:pPr>
+            <a:r>
+              <a:rPr lang="en-US" sz="2800" b="1" dirty="0" err="1"/>
               <a:t>Komparativne</a:t>
             </a:r>
             <a:r>
-              <a:rPr lang="en-US" dirty="0"/>
+              <a:rPr lang="en-US" sz="2800" b="1" dirty="0"/>
               <a:t> </a:t>
             </a:r>
             <a:r>
-              <a:rPr lang="en-US" dirty="0" err="1"/>
+              <a:rPr lang="en-US" sz="2800" b="1" dirty="0" err="1"/>
               <a:t>Tehnike</a:t>
             </a:r>
-            <a:endParaRPr lang="en-US" dirty="0"/>
+            <a:endParaRPr lang="en-US" sz="2800" b="1" dirty="0"/>
           </a:p>
         </p:txBody>
       </p:sp>
@@ -10066,7 +9629,7 @@
           <p:cNvPr id="2" name="Title 1">
             <a:extLst>
               <a:ext uri="{FF2B5EF4-FFF2-40B4-BE49-F238E27FC236}">
-                <a16:creationId xmlns:a16="http://schemas.microsoft.com/office/drawing/2014/main" id="{E1BBFA27-5A21-4F98-A76B-5C6BD5C70CDB}"/>
+                <a16:creationId xmlns:a16="http://schemas.microsoft.com/office/drawing/2014/main" id="{3C2F1305-1279-4FA3-92A3-B91FC713306D}"/>
               </a:ext>
             </a:extLst>
           </p:cNvPr>
@@ -10077,14 +9640,27 @@
             <p:ph type="title"/>
           </p:nvPr>
         </p:nvSpPr>
-        <p:spPr/>
+        <p:spPr>
+          <a:xfrm>
+            <a:off x="677334" y="609600"/>
+            <a:ext cx="8596668" cy="738909"/>
+          </a:xfrm>
+        </p:spPr>
         <p:txBody>
           <a:bodyPr/>
           <a:lstStyle/>
           <a:p>
             <a:r>
-              <a:rPr lang="en-US" dirty="0"/>
-              <a:t>Scenario bez Singe Sign On-a</a:t>
+              <a:rPr lang="en-US" b="1" dirty="0"/>
+              <a:t>Scenario </a:t>
+            </a:r>
+            <a:r>
+              <a:rPr lang="en-US" b="1" dirty="0" err="1"/>
+              <a:t>sa</a:t>
+            </a:r>
+            <a:r>
+              <a:rPr lang="en-US" b="1" dirty="0"/>
+              <a:t> Singe Sign On-om</a:t>
             </a:r>
           </a:p>
         </p:txBody>
@@ -10094,7 +9670,7 @@
           <p:cNvPr id="5" name="Content Placeholder 4">
             <a:extLst>
               <a:ext uri="{FF2B5EF4-FFF2-40B4-BE49-F238E27FC236}">
-                <a16:creationId xmlns:a16="http://schemas.microsoft.com/office/drawing/2014/main" id="{91BE8D3A-DF43-4B2C-A53A-051C96D96037}"/>
+                <a16:creationId xmlns:a16="http://schemas.microsoft.com/office/drawing/2014/main" id="{140D57F0-40F0-4526-82DF-30FD086170A2}"/>
               </a:ext>
             </a:extLst>
           </p:cNvPr>
@@ -10113,15 +9689,15 @@
         </p:blipFill>
         <p:spPr>
           <a:xfrm>
-            <a:off x="1926454" y="1752930"/>
-            <a:ext cx="5377165" cy="3929467"/>
+            <a:off x="512873" y="1556267"/>
+            <a:ext cx="8089693" cy="4692134"/>
           </a:xfrm>
         </p:spPr>
       </p:pic>
     </p:spTree>
     <p:extLst>
       <p:ext uri="{BB962C8B-B14F-4D97-AF65-F5344CB8AC3E}">
-        <p14:creationId xmlns:p14="http://schemas.microsoft.com/office/powerpoint/2010/main" val="1657054353"/>
+        <p14:creationId xmlns:p14="http://schemas.microsoft.com/office/powerpoint/2010/main" val="3132753219"/>
       </p:ext>
     </p:extLst>
   </p:cSld>
@@ -10153,7 +9729,7 @@
           <p:cNvPr id="2" name="Title 1">
             <a:extLst>
               <a:ext uri="{FF2B5EF4-FFF2-40B4-BE49-F238E27FC236}">
-                <a16:creationId xmlns:a16="http://schemas.microsoft.com/office/drawing/2014/main" id="{3C2F1305-1279-4FA3-92A3-B91FC713306D}"/>
+                <a16:creationId xmlns:a16="http://schemas.microsoft.com/office/drawing/2014/main" id="{29C61D79-9719-46A1-AECB-F9112D1069E0}"/>
               </a:ext>
             </a:extLst>
           </p:cNvPr>
@@ -10166,57 +9742,348 @@
         </p:nvSpPr>
         <p:spPr/>
         <p:txBody>
-          <a:bodyPr/>
+          <a:bodyPr>
+            <a:normAutofit/>
+          </a:bodyPr>
           <a:lstStyle/>
           <a:p>
             <a:r>
-              <a:rPr lang="en-US" dirty="0"/>
-              <a:t>Scenario </a:t>
-            </a:r>
-            <a:r>
-              <a:rPr lang="en-US" dirty="0" err="1"/>
-              <a:t>sa</a:t>
-            </a:r>
-            <a:r>
-              <a:rPr lang="en-US" dirty="0"/>
-              <a:t> Singe Sign On-om</a:t>
-            </a:r>
-          </a:p>
-        </p:txBody>
-      </p:sp>
-      <p:pic>
-        <p:nvPicPr>
-          <p:cNvPr id="5" name="Content Placeholder 4">
+              <a:rPr lang="en-US" b="1" kern="0" dirty="0" err="1">
+                <a:effectLst/>
+                <a:ea typeface="Times New Roman" panose="02020603050405020304" pitchFamily="18" charset="0"/>
+                <a:cs typeface="Times New Roman" panose="02020603050405020304" pitchFamily="18" charset="0"/>
+              </a:rPr>
+              <a:t>Ujedinjeni</a:t>
+            </a:r>
+            <a:r>
+              <a:rPr lang="en-US" b="1" kern="0" dirty="0">
+                <a:effectLst/>
+                <a:ea typeface="Times New Roman" panose="02020603050405020304" pitchFamily="18" charset="0"/>
+                <a:cs typeface="Times New Roman" panose="02020603050405020304" pitchFamily="18" charset="0"/>
+              </a:rPr>
+              <a:t> </a:t>
+            </a:r>
+            <a:r>
+              <a:rPr lang="en-US" b="1" kern="0" dirty="0" err="1">
+                <a:effectLst/>
+                <a:ea typeface="Times New Roman" panose="02020603050405020304" pitchFamily="18" charset="0"/>
+                <a:cs typeface="Times New Roman" panose="02020603050405020304" pitchFamily="18" charset="0"/>
+              </a:rPr>
+              <a:t>sistemi</a:t>
+            </a:r>
+            <a:r>
+              <a:rPr lang="en-US" b="1" kern="0" dirty="0">
+                <a:effectLst/>
+                <a:ea typeface="Times New Roman" panose="02020603050405020304" pitchFamily="18" charset="0"/>
+                <a:cs typeface="Times New Roman" panose="02020603050405020304" pitchFamily="18" charset="0"/>
+              </a:rPr>
+              <a:t> </a:t>
+            </a:r>
+            <a:r>
+              <a:rPr lang="en-US" b="1" kern="0" dirty="0" err="1">
+                <a:effectLst/>
+                <a:ea typeface="Times New Roman" panose="02020603050405020304" pitchFamily="18" charset="0"/>
+                <a:cs typeface="Times New Roman" panose="02020603050405020304" pitchFamily="18" charset="0"/>
+              </a:rPr>
+              <a:t>identiteta</a:t>
+            </a:r>
+            <a:r>
+              <a:rPr lang="en-US" b="1" kern="0" dirty="0">
+                <a:effectLst/>
+                <a:ea typeface="Times New Roman" panose="02020603050405020304" pitchFamily="18" charset="0"/>
+                <a:cs typeface="Times New Roman" panose="02020603050405020304" pitchFamily="18" charset="0"/>
+              </a:rPr>
+              <a:t> (Federated Identity)</a:t>
+            </a:r>
+            <a:endParaRPr lang="en-US" dirty="0"/>
+          </a:p>
+        </p:txBody>
+      </p:sp>
+      <p:sp>
+        <p:nvSpPr>
+          <p:cNvPr id="3" name="Content Placeholder 2">
             <a:extLst>
               <a:ext uri="{FF2B5EF4-FFF2-40B4-BE49-F238E27FC236}">
-                <a16:creationId xmlns:a16="http://schemas.microsoft.com/office/drawing/2014/main" id="{140D57F0-40F0-4526-82DF-30FD086170A2}"/>
+                <a16:creationId xmlns:a16="http://schemas.microsoft.com/office/drawing/2014/main" id="{8C16861A-89B7-45A4-8507-34B0678817AC}"/>
               </a:ext>
             </a:extLst>
           </p:cNvPr>
-          <p:cNvPicPr>
-            <a:picLocks noGrp="1" noChangeAspect="1"/>
-          </p:cNvPicPr>
+          <p:cNvSpPr>
+            <a:spLocks noGrp="1"/>
+          </p:cNvSpPr>
           <p:nvPr>
             <p:ph idx="1"/>
           </p:nvPr>
-        </p:nvPicPr>
-        <p:blipFill>
-          <a:blip r:embed="rId2"/>
-          <a:stretch>
-            <a:fillRect/>
-          </a:stretch>
-        </p:blipFill>
+        </p:nvSpPr>
         <p:spPr>
           <a:xfrm>
-            <a:off x="1341749" y="2160588"/>
-            <a:ext cx="7268540" cy="3881437"/>
+            <a:off x="677334" y="2392219"/>
+            <a:ext cx="8974666" cy="4212562"/>
           </a:xfrm>
         </p:spPr>
-      </p:pic>
+        <p:txBody>
+          <a:bodyPr/>
+          <a:lstStyle/>
+          <a:p>
+            <a:pPr marL="0" indent="0">
+              <a:spcBef>
+                <a:spcPts val="2400"/>
+              </a:spcBef>
+              <a:buNone/>
+            </a:pPr>
+            <a:r>
+              <a:rPr lang="en-US" sz="2800" b="1" dirty="0" err="1">
+                <a:effectLst/>
+                <a:latin typeface="Calibri" panose="020F0502020204030204" pitchFamily="34" charset="0"/>
+                <a:ea typeface="Calibri" panose="020F0502020204030204" pitchFamily="34" charset="0"/>
+                <a:cs typeface="Times New Roman" panose="02020603050405020304" pitchFamily="18" charset="0"/>
+              </a:rPr>
+              <a:t>Ujedinjeni</a:t>
+            </a:r>
+            <a:r>
+              <a:rPr lang="en-US" sz="2800" b="1" dirty="0">
+                <a:effectLst/>
+                <a:latin typeface="Calibri" panose="020F0502020204030204" pitchFamily="34" charset="0"/>
+                <a:ea typeface="Calibri" panose="020F0502020204030204" pitchFamily="34" charset="0"/>
+                <a:cs typeface="Times New Roman" panose="02020603050405020304" pitchFamily="18" charset="0"/>
+              </a:rPr>
+              <a:t> </a:t>
+            </a:r>
+            <a:r>
+              <a:rPr lang="en-US" sz="2800" b="1" dirty="0" err="1">
+                <a:effectLst/>
+                <a:latin typeface="Calibri" panose="020F0502020204030204" pitchFamily="34" charset="0"/>
+                <a:ea typeface="Calibri" panose="020F0502020204030204" pitchFamily="34" charset="0"/>
+                <a:cs typeface="Times New Roman" panose="02020603050405020304" pitchFamily="18" charset="0"/>
+              </a:rPr>
+              <a:t>sistemi</a:t>
+            </a:r>
+            <a:r>
+              <a:rPr lang="en-US" sz="2800" b="1" dirty="0">
+                <a:effectLst/>
+                <a:latin typeface="Calibri" panose="020F0502020204030204" pitchFamily="34" charset="0"/>
+                <a:ea typeface="Calibri" panose="020F0502020204030204" pitchFamily="34" charset="0"/>
+                <a:cs typeface="Times New Roman" panose="02020603050405020304" pitchFamily="18" charset="0"/>
+              </a:rPr>
+              <a:t> </a:t>
+            </a:r>
+            <a:r>
+              <a:rPr lang="en-US" sz="2800" b="1" dirty="0" err="1">
+                <a:effectLst/>
+                <a:latin typeface="Calibri" panose="020F0502020204030204" pitchFamily="34" charset="0"/>
+                <a:ea typeface="Calibri" panose="020F0502020204030204" pitchFamily="34" charset="0"/>
+                <a:cs typeface="Times New Roman" panose="02020603050405020304" pitchFamily="18" charset="0"/>
+              </a:rPr>
+              <a:t>identiteta</a:t>
+            </a:r>
+            <a:r>
+              <a:rPr lang="en-US" sz="2800" b="1" dirty="0">
+                <a:effectLst/>
+                <a:latin typeface="Calibri" panose="020F0502020204030204" pitchFamily="34" charset="0"/>
+                <a:ea typeface="Calibri" panose="020F0502020204030204" pitchFamily="34" charset="0"/>
+                <a:cs typeface="Times New Roman" panose="02020603050405020304" pitchFamily="18" charset="0"/>
+              </a:rPr>
+              <a:t> </a:t>
+            </a:r>
+            <a:r>
+              <a:rPr lang="en-US" sz="2800" b="1" dirty="0" err="1">
+                <a:effectLst/>
+                <a:latin typeface="Calibri" panose="020F0502020204030204" pitchFamily="34" charset="0"/>
+                <a:ea typeface="Calibri" panose="020F0502020204030204" pitchFamily="34" charset="0"/>
+                <a:cs typeface="Times New Roman" panose="02020603050405020304" pitchFamily="18" charset="0"/>
+              </a:rPr>
+              <a:t>rešavaju</a:t>
+            </a:r>
+            <a:r>
+              <a:rPr lang="en-US" sz="2800" b="1" dirty="0">
+                <a:effectLst/>
+                <a:latin typeface="Calibri" panose="020F0502020204030204" pitchFamily="34" charset="0"/>
+                <a:ea typeface="Calibri" panose="020F0502020204030204" pitchFamily="34" charset="0"/>
+                <a:cs typeface="Times New Roman" panose="02020603050405020304" pitchFamily="18" charset="0"/>
+              </a:rPr>
+              <a:t> </a:t>
+            </a:r>
+            <a:r>
+              <a:rPr lang="en-US" sz="2800" b="1" dirty="0" err="1">
+                <a:effectLst/>
+                <a:latin typeface="Calibri" panose="020F0502020204030204" pitchFamily="34" charset="0"/>
+                <a:ea typeface="Calibri" panose="020F0502020204030204" pitchFamily="34" charset="0"/>
+                <a:cs typeface="Times New Roman" panose="02020603050405020304" pitchFamily="18" charset="0"/>
+              </a:rPr>
+              <a:t>nekoliko</a:t>
+            </a:r>
+            <a:r>
+              <a:rPr lang="en-US" sz="2800" b="1" dirty="0">
+                <a:effectLst/>
+                <a:latin typeface="Calibri" panose="020F0502020204030204" pitchFamily="34" charset="0"/>
+                <a:ea typeface="Calibri" panose="020F0502020204030204" pitchFamily="34" charset="0"/>
+                <a:cs typeface="Times New Roman" panose="02020603050405020304" pitchFamily="18" charset="0"/>
+              </a:rPr>
+              <a:t> </a:t>
+            </a:r>
+            <a:r>
+              <a:rPr lang="en-US" sz="2800" b="1" dirty="0" err="1">
+                <a:effectLst/>
+                <a:latin typeface="Calibri" panose="020F0502020204030204" pitchFamily="34" charset="0"/>
+                <a:ea typeface="Calibri" panose="020F0502020204030204" pitchFamily="34" charset="0"/>
+                <a:cs typeface="Times New Roman" panose="02020603050405020304" pitchFamily="18" charset="0"/>
+              </a:rPr>
+              <a:t>problema</a:t>
+            </a:r>
+            <a:r>
+              <a:rPr lang="en-US" sz="2800" b="1" dirty="0">
+                <a:effectLst/>
+                <a:latin typeface="Calibri" panose="020F0502020204030204" pitchFamily="34" charset="0"/>
+                <a:ea typeface="Calibri" panose="020F0502020204030204" pitchFamily="34" charset="0"/>
+                <a:cs typeface="Times New Roman" panose="02020603050405020304" pitchFamily="18" charset="0"/>
+              </a:rPr>
+              <a:t>: </a:t>
+            </a:r>
+          </a:p>
+          <a:p>
+            <a:pPr marL="342900" marR="0" lvl="0" indent="-342900" algn="just">
+              <a:lnSpc>
+                <a:spcPct val="107000"/>
+              </a:lnSpc>
+              <a:spcBef>
+                <a:spcPts val="2400"/>
+              </a:spcBef>
+              <a:spcAft>
+                <a:spcPts val="0"/>
+              </a:spcAft>
+              <a:buFont typeface="Symbol" panose="05050102010706020507" pitchFamily="18" charset="2"/>
+              <a:buChar char=""/>
+            </a:pPr>
+            <a:r>
+              <a:rPr lang="sr-Latn-RS" sz="2800" dirty="0">
+                <a:effectLst/>
+                <a:latin typeface="Calibri" panose="020F0502020204030204" pitchFamily="34" charset="0"/>
+                <a:ea typeface="Calibri" panose="020F0502020204030204" pitchFamily="34" charset="0"/>
+                <a:cs typeface="Times New Roman" panose="02020603050405020304" pitchFamily="18" charset="0"/>
+              </a:rPr>
+              <a:t>Autentifikacij</a:t>
+            </a:r>
+            <a:r>
+              <a:rPr lang="en-US" sz="2800" dirty="0">
+                <a:effectLst/>
+                <a:latin typeface="Calibri" panose="020F0502020204030204" pitchFamily="34" charset="0"/>
+                <a:ea typeface="Calibri" panose="020F0502020204030204" pitchFamily="34" charset="0"/>
+                <a:cs typeface="Times New Roman" panose="02020603050405020304" pitchFamily="18" charset="0"/>
+              </a:rPr>
+              <a:t>a</a:t>
+            </a:r>
+          </a:p>
+          <a:p>
+            <a:pPr marL="342900" marR="0" lvl="0" indent="-342900" algn="just">
+              <a:lnSpc>
+                <a:spcPct val="107000"/>
+              </a:lnSpc>
+              <a:spcBef>
+                <a:spcPts val="600"/>
+              </a:spcBef>
+              <a:spcAft>
+                <a:spcPts val="0"/>
+              </a:spcAft>
+              <a:buFont typeface="Symbol" panose="05050102010706020507" pitchFamily="18" charset="2"/>
+              <a:buChar char=""/>
+            </a:pPr>
+            <a:r>
+              <a:rPr lang="sr-Latn-RS" sz="2800" dirty="0">
+                <a:effectLst/>
+                <a:latin typeface="Calibri" panose="020F0502020204030204" pitchFamily="34" charset="0"/>
+                <a:ea typeface="Calibri" panose="020F0502020204030204" pitchFamily="34" charset="0"/>
+                <a:cs typeface="Times New Roman" panose="02020603050405020304" pitchFamily="18" charset="0"/>
+              </a:rPr>
+              <a:t>Pravo pristupa resursima</a:t>
+            </a:r>
+            <a:endParaRPr lang="en-US" sz="2800" dirty="0">
+              <a:effectLst/>
+              <a:latin typeface="Calibri" panose="020F0502020204030204" pitchFamily="34" charset="0"/>
+              <a:ea typeface="Calibri" panose="020F0502020204030204" pitchFamily="34" charset="0"/>
+              <a:cs typeface="Times New Roman" panose="02020603050405020304" pitchFamily="18" charset="0"/>
+            </a:endParaRPr>
+          </a:p>
+          <a:p>
+            <a:pPr marL="342900" marR="0" lvl="0" indent="-342900" algn="just">
+              <a:lnSpc>
+                <a:spcPct val="107000"/>
+              </a:lnSpc>
+              <a:spcBef>
+                <a:spcPts val="600"/>
+              </a:spcBef>
+              <a:spcAft>
+                <a:spcPts val="0"/>
+              </a:spcAft>
+              <a:buFont typeface="Symbol" panose="05050102010706020507" pitchFamily="18" charset="2"/>
+              <a:buChar char=""/>
+            </a:pPr>
+            <a:r>
+              <a:rPr lang="sr-Latn-RS" sz="2800" dirty="0">
+                <a:effectLst/>
+                <a:latin typeface="Calibri" panose="020F0502020204030204" pitchFamily="34" charset="0"/>
+                <a:ea typeface="Calibri" panose="020F0502020204030204" pitchFamily="34" charset="0"/>
+                <a:cs typeface="Times New Roman" panose="02020603050405020304" pitchFamily="18" charset="0"/>
+              </a:rPr>
+              <a:t>Razmena korisničkih podataka</a:t>
+            </a:r>
+            <a:endParaRPr lang="en-US" sz="2800" dirty="0">
+              <a:effectLst/>
+              <a:latin typeface="Calibri" panose="020F0502020204030204" pitchFamily="34" charset="0"/>
+              <a:ea typeface="Calibri" panose="020F0502020204030204" pitchFamily="34" charset="0"/>
+              <a:cs typeface="Times New Roman" panose="02020603050405020304" pitchFamily="18" charset="0"/>
+            </a:endParaRPr>
+          </a:p>
+          <a:p>
+            <a:pPr marL="342900" marR="0" lvl="0" indent="-342900" algn="just">
+              <a:lnSpc>
+                <a:spcPct val="107000"/>
+              </a:lnSpc>
+              <a:spcBef>
+                <a:spcPts val="600"/>
+              </a:spcBef>
+              <a:spcAft>
+                <a:spcPts val="800"/>
+              </a:spcAft>
+              <a:buFont typeface="Symbol" panose="05050102010706020507" pitchFamily="18" charset="2"/>
+              <a:buChar char=""/>
+            </a:pPr>
+            <a:r>
+              <a:rPr lang="sr-Latn-RS" sz="2800" dirty="0">
+                <a:effectLst/>
+                <a:latin typeface="Calibri" panose="020F0502020204030204" pitchFamily="34" charset="0"/>
+                <a:ea typeface="Calibri" panose="020F0502020204030204" pitchFamily="34" charset="0"/>
+                <a:cs typeface="Times New Roman" panose="02020603050405020304" pitchFamily="18" charset="0"/>
+              </a:rPr>
+              <a:t>Upravljanje korisnicima</a:t>
+            </a:r>
+            <a:endParaRPr lang="en-US" sz="2800" dirty="0">
+              <a:effectLst/>
+              <a:latin typeface="Calibri" panose="020F0502020204030204" pitchFamily="34" charset="0"/>
+              <a:ea typeface="Calibri" panose="020F0502020204030204" pitchFamily="34" charset="0"/>
+              <a:cs typeface="Times New Roman" panose="02020603050405020304" pitchFamily="18" charset="0"/>
+            </a:endParaRPr>
+          </a:p>
+          <a:p>
+            <a:endParaRPr lang="en-US" sz="1800" dirty="0">
+              <a:effectLst/>
+              <a:latin typeface="Calibri" panose="020F0502020204030204" pitchFamily="34" charset="0"/>
+              <a:ea typeface="Calibri" panose="020F0502020204030204" pitchFamily="34" charset="0"/>
+              <a:cs typeface="Times New Roman" panose="02020603050405020304" pitchFamily="18" charset="0"/>
+            </a:endParaRPr>
+          </a:p>
+          <a:p>
+            <a:pPr>
+              <a:buFont typeface="+mj-lt"/>
+              <a:buAutoNum type="arabicPeriod"/>
+            </a:pPr>
+            <a:endParaRPr lang="en-US" dirty="0"/>
+          </a:p>
+        </p:txBody>
+      </p:sp>
     </p:spTree>
     <p:extLst>
       <p:ext uri="{BB962C8B-B14F-4D97-AF65-F5344CB8AC3E}">
-        <p14:creationId xmlns:p14="http://schemas.microsoft.com/office/powerpoint/2010/main" val="3132753219"/>
+        <p14:creationId xmlns:p14="http://schemas.microsoft.com/office/powerpoint/2010/main" val="1428585126"/>
       </p:ext>
     </p:extLst>
   </p:cSld>
@@ -10265,11 +10132,15 @@
           <a:lstStyle/>
           <a:p>
             <a:r>
-              <a:rPr lang="en-US" dirty="0" err="1"/>
+              <a:rPr lang="en-US" b="1" dirty="0" err="1"/>
               <a:t>Singl</a:t>
             </a:r>
             <a:r>
-              <a:rPr lang="en-US" dirty="0"/>
+              <a:rPr lang="sr-Latn-RS" b="1" dirty="0"/>
+              <a:t>e</a:t>
+            </a:r>
+            <a:r>
+              <a:rPr lang="en-US" b="1" dirty="0"/>
               <a:t> Sign On</a:t>
             </a:r>
           </a:p>
@@ -10291,37 +10162,328 @@
             <p:ph idx="1"/>
           </p:nvPr>
         </p:nvSpPr>
-        <p:spPr/>
+        <p:spPr>
+          <a:xfrm>
+            <a:off x="677334" y="1791854"/>
+            <a:ext cx="8596668" cy="4110182"/>
+          </a:xfrm>
+        </p:spPr>
         <p:txBody>
           <a:bodyPr/>
           <a:lstStyle/>
           <a:p>
+            <a:pPr marL="0" indent="0">
+              <a:spcBef>
+                <a:spcPts val="600"/>
+              </a:spcBef>
+              <a:buNone/>
+            </a:pPr>
+            <a:r>
+              <a:rPr lang="en-US" sz="2800" b="1" dirty="0" err="1">
+                <a:latin typeface="Calibri" panose="020F0502020204030204" pitchFamily="34" charset="0"/>
+                <a:cs typeface="Calibri" panose="020F0502020204030204" pitchFamily="34" charset="0"/>
+              </a:rPr>
+              <a:t>Prednosti</a:t>
+            </a:r>
+            <a:r>
+              <a:rPr lang="en-US" sz="2800" b="1" dirty="0">
+                <a:latin typeface="Calibri" panose="020F0502020204030204" pitchFamily="34" charset="0"/>
+                <a:cs typeface="Calibri" panose="020F0502020204030204" pitchFamily="34" charset="0"/>
+              </a:rPr>
+              <a:t> Sing</a:t>
+            </a:r>
+            <a:r>
+              <a:rPr lang="sr-Latn-RS" sz="2800" b="1" dirty="0">
+                <a:latin typeface="Calibri" panose="020F0502020204030204" pitchFamily="34" charset="0"/>
+                <a:cs typeface="Calibri" panose="020F0502020204030204" pitchFamily="34" charset="0"/>
+              </a:rPr>
+              <a:t>l</a:t>
+            </a:r>
+            <a:r>
+              <a:rPr lang="en-US" sz="2800" b="1" dirty="0">
+                <a:latin typeface="Calibri" panose="020F0502020204030204" pitchFamily="34" charset="0"/>
+                <a:cs typeface="Calibri" panose="020F0502020204030204" pitchFamily="34" charset="0"/>
+              </a:rPr>
+              <a:t>e Sign On-a</a:t>
+            </a:r>
+          </a:p>
+          <a:p>
             <a:pPr>
-              <a:buFont typeface="+mj-lt"/>
-              <a:buAutoNum type="arabicPeriod"/>
+              <a:spcBef>
+                <a:spcPts val="600"/>
+              </a:spcBef>
             </a:pPr>
             <a:r>
-              <a:rPr lang="en-US" dirty="0" err="1"/>
-              <a:t>Prednosti</a:t>
-            </a:r>
-            <a:r>
-              <a:rPr lang="en-US" dirty="0"/>
-              <a:t> Singe Sign On-a</a:t>
-            </a:r>
+              <a:rPr lang="en-US" dirty="0">
+                <a:latin typeface="Calibri" panose="020F0502020204030204" pitchFamily="34" charset="0"/>
+                <a:cs typeface="Calibri" panose="020F0502020204030204" pitchFamily="34" charset="0"/>
+              </a:rPr>
+              <a:t>Pam</a:t>
+            </a:r>
+            <a:r>
+              <a:rPr lang="sr-Latn-RS" dirty="0">
+                <a:latin typeface="Calibri" panose="020F0502020204030204" pitchFamily="34" charset="0"/>
+                <a:cs typeface="Calibri" panose="020F0502020204030204" pitchFamily="34" charset="0"/>
+              </a:rPr>
+              <a:t>ć</a:t>
+            </a:r>
+            <a:r>
+              <a:rPr lang="en-US" dirty="0" err="1">
+                <a:latin typeface="Calibri" panose="020F0502020204030204" pitchFamily="34" charset="0"/>
+                <a:cs typeface="Calibri" panose="020F0502020204030204" pitchFamily="34" charset="0"/>
+              </a:rPr>
+              <a:t>enje</a:t>
+            </a:r>
+            <a:r>
+              <a:rPr lang="en-US" dirty="0">
+                <a:latin typeface="Calibri" panose="020F0502020204030204" pitchFamily="34" charset="0"/>
+                <a:cs typeface="Calibri" panose="020F0502020204030204" pitchFamily="34" charset="0"/>
+              </a:rPr>
+              <a:t> </a:t>
+            </a:r>
+            <a:r>
+              <a:rPr lang="en-US" dirty="0" err="1">
+                <a:latin typeface="Calibri" panose="020F0502020204030204" pitchFamily="34" charset="0"/>
+                <a:cs typeface="Calibri" panose="020F0502020204030204" pitchFamily="34" charset="0"/>
+              </a:rPr>
+              <a:t>desetina</a:t>
+            </a:r>
+            <a:r>
+              <a:rPr lang="en-US" dirty="0">
+                <a:latin typeface="Calibri" panose="020F0502020204030204" pitchFamily="34" charset="0"/>
+                <a:cs typeface="Calibri" panose="020F0502020204030204" pitchFamily="34" charset="0"/>
+              </a:rPr>
+              <a:t> </a:t>
+            </a:r>
+            <a:r>
+              <a:rPr lang="en-US" dirty="0" err="1">
+                <a:latin typeface="Calibri" panose="020F0502020204030204" pitchFamily="34" charset="0"/>
+                <a:cs typeface="Calibri" panose="020F0502020204030204" pitchFamily="34" charset="0"/>
+              </a:rPr>
+              <a:t>lozinki</a:t>
+            </a:r>
+            <a:endParaRPr lang="sr-Latn-RS" dirty="0">
+              <a:latin typeface="Calibri" panose="020F0502020204030204" pitchFamily="34" charset="0"/>
+              <a:cs typeface="Calibri" panose="020F0502020204030204" pitchFamily="34" charset="0"/>
+            </a:endParaRPr>
           </a:p>
           <a:p>
             <a:pPr>
-              <a:buFont typeface="+mj-lt"/>
-              <a:buAutoNum type="arabicPeriod"/>
+              <a:spcBef>
+                <a:spcPts val="600"/>
+              </a:spcBef>
             </a:pPr>
             <a:r>
-              <a:rPr lang="en-US" dirty="0" err="1"/>
+              <a:rPr lang="en-US" dirty="0" err="1">
+                <a:latin typeface="Calibri" panose="020F0502020204030204" pitchFamily="34" charset="0"/>
+                <a:cs typeface="Calibri" panose="020F0502020204030204" pitchFamily="34" charset="0"/>
+              </a:rPr>
+              <a:t>Jedan</a:t>
+            </a:r>
+            <a:r>
+              <a:rPr lang="en-US" dirty="0">
+                <a:latin typeface="Calibri" panose="020F0502020204030204" pitchFamily="34" charset="0"/>
+                <a:cs typeface="Calibri" panose="020F0502020204030204" pitchFamily="34" charset="0"/>
+              </a:rPr>
+              <a:t> </a:t>
+            </a:r>
+            <a:r>
+              <a:rPr lang="en-US" dirty="0" err="1">
+                <a:latin typeface="Calibri" panose="020F0502020204030204" pitchFamily="34" charset="0"/>
+                <a:cs typeface="Calibri" panose="020F0502020204030204" pitchFamily="34" charset="0"/>
+              </a:rPr>
+              <a:t>Interfejs</a:t>
+            </a:r>
+            <a:endParaRPr lang="sr-Latn-RS" dirty="0">
+              <a:latin typeface="Calibri" panose="020F0502020204030204" pitchFamily="34" charset="0"/>
+              <a:cs typeface="Calibri" panose="020F0502020204030204" pitchFamily="34" charset="0"/>
+            </a:endParaRPr>
+          </a:p>
+          <a:p>
+            <a:pPr>
+              <a:spcBef>
+                <a:spcPts val="600"/>
+              </a:spcBef>
+            </a:pPr>
+            <a:r>
+              <a:rPr lang="en-US" dirty="0">
+                <a:latin typeface="Calibri" panose="020F0502020204030204" pitchFamily="34" charset="0"/>
+                <a:cs typeface="Calibri" panose="020F0502020204030204" pitchFamily="34" charset="0"/>
+              </a:rPr>
+              <a:t>Z</a:t>
+            </a:r>
+            <a:r>
+              <a:rPr lang="pl-PL" dirty="0">
+                <a:latin typeface="Calibri" panose="020F0502020204030204" pitchFamily="34" charset="0"/>
+                <a:cs typeface="Calibri" panose="020F0502020204030204" pitchFamily="34" charset="0"/>
+              </a:rPr>
+              <a:t>aštit</a:t>
+            </a:r>
+            <a:r>
+              <a:rPr lang="en-US" dirty="0">
+                <a:latin typeface="Calibri" panose="020F0502020204030204" pitchFamily="34" charset="0"/>
+                <a:cs typeface="Calibri" panose="020F0502020204030204" pitchFamily="34" charset="0"/>
+              </a:rPr>
+              <a:t>a</a:t>
+            </a:r>
+            <a:r>
+              <a:rPr lang="pl-PL" dirty="0">
+                <a:latin typeface="Calibri" panose="020F0502020204030204" pitchFamily="34" charset="0"/>
+                <a:cs typeface="Calibri" panose="020F0502020204030204" pitchFamily="34" charset="0"/>
+              </a:rPr>
+              <a:t> samo na jednom mestu</a:t>
+            </a:r>
+          </a:p>
+          <a:p>
+            <a:pPr marL="0" indent="0">
+              <a:spcBef>
+                <a:spcPts val="600"/>
+              </a:spcBef>
+              <a:buNone/>
+            </a:pPr>
+            <a:endParaRPr lang="en-US" dirty="0">
+              <a:latin typeface="Calibri" panose="020F0502020204030204" pitchFamily="34" charset="0"/>
+              <a:cs typeface="Calibri" panose="020F0502020204030204" pitchFamily="34" charset="0"/>
+            </a:endParaRPr>
+          </a:p>
+          <a:p>
+            <a:pPr marL="0" indent="0">
+              <a:spcBef>
+                <a:spcPts val="600"/>
+              </a:spcBef>
+              <a:buNone/>
+            </a:pPr>
+            <a:r>
+              <a:rPr lang="en-US" sz="2800" b="1" dirty="0" err="1">
+                <a:latin typeface="Calibri" panose="020F0502020204030204" pitchFamily="34" charset="0"/>
+                <a:cs typeface="Calibri" panose="020F0502020204030204" pitchFamily="34" charset="0"/>
+              </a:rPr>
               <a:t>Problemi</a:t>
             </a:r>
             <a:r>
-              <a:rPr lang="en-US" dirty="0"/>
+              <a:rPr lang="en-US" sz="2800" b="1" dirty="0">
+                <a:latin typeface="Calibri" panose="020F0502020204030204" pitchFamily="34" charset="0"/>
+                <a:cs typeface="Calibri" panose="020F0502020204030204" pitchFamily="34" charset="0"/>
+              </a:rPr>
               <a:t> Single Sing On-a</a:t>
             </a:r>
+            <a:endParaRPr lang="sr-Latn-RS" sz="2800" b="1" dirty="0">
+              <a:latin typeface="Calibri" panose="020F0502020204030204" pitchFamily="34" charset="0"/>
+              <a:cs typeface="Calibri" panose="020F0502020204030204" pitchFamily="34" charset="0"/>
+            </a:endParaRPr>
+          </a:p>
+          <a:p>
+            <a:pPr>
+              <a:spcBef>
+                <a:spcPts val="600"/>
+              </a:spcBef>
+            </a:pPr>
+            <a:r>
+              <a:rPr lang="en-US" dirty="0" err="1">
+                <a:latin typeface="Calibri" panose="020F0502020204030204" pitchFamily="34" charset="0"/>
+                <a:cs typeface="Calibri" panose="020F0502020204030204" pitchFamily="34" charset="0"/>
+              </a:rPr>
+              <a:t>Sistem</a:t>
+            </a:r>
+            <a:r>
+              <a:rPr lang="en-US" dirty="0">
+                <a:latin typeface="Calibri" panose="020F0502020204030204" pitchFamily="34" charset="0"/>
+                <a:cs typeface="Calibri" panose="020F0502020204030204" pitchFamily="34" charset="0"/>
+              </a:rPr>
+              <a:t> </a:t>
+            </a:r>
+            <a:r>
+              <a:rPr lang="en-US" dirty="0" err="1">
+                <a:latin typeface="Calibri" panose="020F0502020204030204" pitchFamily="34" charset="0"/>
+                <a:cs typeface="Calibri" panose="020F0502020204030204" pitchFamily="34" charset="0"/>
+              </a:rPr>
+              <a:t>identiteta</a:t>
+            </a:r>
+            <a:r>
+              <a:rPr lang="en-US" dirty="0">
+                <a:latin typeface="Calibri" panose="020F0502020204030204" pitchFamily="34" charset="0"/>
+                <a:cs typeface="Calibri" panose="020F0502020204030204" pitchFamily="34" charset="0"/>
+              </a:rPr>
+              <a:t> </a:t>
+            </a:r>
+            <a:r>
+              <a:rPr lang="en-US" dirty="0" err="1">
+                <a:latin typeface="Calibri" panose="020F0502020204030204" pitchFamily="34" charset="0"/>
+                <a:cs typeface="Calibri" panose="020F0502020204030204" pitchFamily="34" charset="0"/>
+              </a:rPr>
+              <a:t>postaje</a:t>
+            </a:r>
+            <a:r>
+              <a:rPr lang="en-US" dirty="0">
+                <a:latin typeface="Calibri" panose="020F0502020204030204" pitchFamily="34" charset="0"/>
+                <a:cs typeface="Calibri" panose="020F0502020204030204" pitchFamily="34" charset="0"/>
+              </a:rPr>
+              <a:t> </a:t>
+            </a:r>
+            <a:r>
+              <a:rPr lang="en-US" dirty="0" err="1">
+                <a:latin typeface="Calibri" panose="020F0502020204030204" pitchFamily="34" charset="0"/>
+                <a:cs typeface="Calibri" panose="020F0502020204030204" pitchFamily="34" charset="0"/>
+              </a:rPr>
+              <a:t>usko</a:t>
+            </a:r>
+            <a:r>
+              <a:rPr lang="en-US" dirty="0">
+                <a:latin typeface="Calibri" panose="020F0502020204030204" pitchFamily="34" charset="0"/>
+                <a:cs typeface="Calibri" panose="020F0502020204030204" pitchFamily="34" charset="0"/>
+              </a:rPr>
+              <a:t> </a:t>
+            </a:r>
+            <a:r>
+              <a:rPr lang="en-US" dirty="0" err="1">
+                <a:latin typeface="Calibri" panose="020F0502020204030204" pitchFamily="34" charset="0"/>
+                <a:cs typeface="Calibri" panose="020F0502020204030204" pitchFamily="34" charset="0"/>
+              </a:rPr>
+              <a:t>grlo</a:t>
+            </a:r>
+            <a:endParaRPr lang="sr-Latn-RS" dirty="0">
+              <a:latin typeface="Calibri" panose="020F0502020204030204" pitchFamily="34" charset="0"/>
+              <a:cs typeface="Calibri" panose="020F0502020204030204" pitchFamily="34" charset="0"/>
+            </a:endParaRPr>
+          </a:p>
+          <a:p>
+            <a:pPr>
+              <a:spcBef>
+                <a:spcPts val="600"/>
+              </a:spcBef>
+            </a:pPr>
+            <a:r>
+              <a:rPr lang="en-US" dirty="0">
+                <a:latin typeface="Calibri" panose="020F0502020204030204" pitchFamily="34" charset="0"/>
+                <a:cs typeface="Calibri" panose="020F0502020204030204" pitchFamily="34" charset="0"/>
+              </a:rPr>
+              <a:t>Pad </a:t>
+            </a:r>
+            <a:r>
+              <a:rPr lang="pl-PL" dirty="0">
+                <a:latin typeface="Calibri" panose="020F0502020204030204" pitchFamily="34" charset="0"/>
+                <a:cs typeface="Calibri" panose="020F0502020204030204" pitchFamily="34" charset="0"/>
+              </a:rPr>
+              <a:t>kredencijal</a:t>
+            </a:r>
+            <a:r>
+              <a:rPr lang="en-US" dirty="0">
+                <a:latin typeface="Calibri" panose="020F0502020204030204" pitchFamily="34" charset="0"/>
+                <a:cs typeface="Calibri" panose="020F0502020204030204" pitchFamily="34" charset="0"/>
+              </a:rPr>
+              <a:t>a </a:t>
+            </a:r>
+            <a:r>
+              <a:rPr lang="pl-PL" dirty="0">
+                <a:latin typeface="Calibri" panose="020F0502020204030204" pitchFamily="34" charset="0"/>
+                <a:cs typeface="Calibri" panose="020F0502020204030204" pitchFamily="34" charset="0"/>
+              </a:rPr>
+              <a:t>u pogrešne ruke</a:t>
+            </a:r>
+            <a:endParaRPr lang="en-US" dirty="0">
+              <a:latin typeface="Calibri" panose="020F0502020204030204" pitchFamily="34" charset="0"/>
+              <a:cs typeface="Calibri" panose="020F0502020204030204" pitchFamily="34" charset="0"/>
+            </a:endParaRPr>
           </a:p>
         </p:txBody>
       </p:sp>
@@ -10379,29 +10541,21 @@
         </p:spPr>
         <p:txBody>
           <a:bodyPr>
-            <a:normAutofit fontScale="90000"/>
+            <a:noAutofit/>
           </a:bodyPr>
           <a:lstStyle/>
           <a:p>
             <a:r>
-              <a:rPr lang="sr-Latn-RS" sz="2800" b="1" dirty="0">
-                <a:solidFill>
-                  <a:srgbClr val="2F5496"/>
-                </a:solidFill>
-                <a:effectLst/>
-                <a:latin typeface="Calibri Light" panose="020F0302020204030204" pitchFamily="34" charset="0"/>
+              <a:rPr lang="sr-Latn-RS" b="1" dirty="0">
+                <a:effectLst/>
                 <a:ea typeface="Times New Roman" panose="02020603050405020304" pitchFamily="18" charset="0"/>
                 <a:cs typeface="Times New Roman" panose="02020603050405020304" pitchFamily="18" charset="0"/>
               </a:rPr>
-              <a:t>OpenId Connect (OIDC)</a:t>
+              <a:t>OpenID Connect (OIDC)</a:t>
             </a:r>
             <a:br>
-              <a:rPr lang="en-US" sz="1800" b="1" dirty="0">
-                <a:solidFill>
-                  <a:srgbClr val="2F5496"/>
-                </a:solidFill>
-                <a:effectLst/>
-                <a:latin typeface="Calibri Light" panose="020F0302020204030204" pitchFamily="34" charset="0"/>
+              <a:rPr lang="en-US" b="1" dirty="0">
+                <a:effectLst/>
                 <a:ea typeface="Times New Roman" panose="02020603050405020304" pitchFamily="18" charset="0"/>
                 <a:cs typeface="Times New Roman" panose="02020603050405020304" pitchFamily="18" charset="0"/>
               </a:rPr>
@@ -10428,23 +10582,43 @@
         </p:nvSpPr>
         <p:spPr>
           <a:xfrm>
-            <a:off x="677334" y="1669003"/>
-            <a:ext cx="8596668" cy="4372360"/>
+            <a:off x="677334" y="2161309"/>
+            <a:ext cx="5898957" cy="2549236"/>
           </a:xfrm>
         </p:spPr>
         <p:txBody>
-          <a:bodyPr/>
+          <a:bodyPr>
+            <a:normAutofit/>
+          </a:bodyPr>
           <a:lstStyle/>
           <a:p>
-            <a:r>
-              <a:rPr lang="en-US" dirty="0"/>
-              <a:t>Sta je OAuth2 ?</a:t>
-            </a:r>
-          </a:p>
-          <a:p>
-            <a:r>
-              <a:rPr lang="en-US" dirty="0"/>
-              <a:t>Sta je OIDC ?</a:t>
+            <a:pPr>
+              <a:spcBef>
+                <a:spcPts val="600"/>
+              </a:spcBef>
+            </a:pPr>
+            <a:r>
+              <a:rPr lang="sr-Latn-RS" sz="2800" b="1" dirty="0"/>
+              <a:t>Š</a:t>
+            </a:r>
+            <a:r>
+              <a:rPr lang="en-US" sz="2800" b="1" dirty="0"/>
+              <a:t>ta je OAuth2?</a:t>
+            </a:r>
+          </a:p>
+          <a:p>
+            <a:pPr>
+              <a:spcBef>
+                <a:spcPts val="600"/>
+              </a:spcBef>
+            </a:pPr>
+            <a:r>
+              <a:rPr lang="sr-Latn-RS" sz="2800" b="1" dirty="0"/>
+              <a:t>Š</a:t>
+            </a:r>
+            <a:r>
+              <a:rPr lang="en-US" sz="2800" b="1" dirty="0"/>
+              <a:t>ta je OIDC?</a:t>
             </a:r>
           </a:p>
         </p:txBody>
@@ -10501,13 +10675,26 @@
           <a:lstStyle/>
           <a:p>
             <a:r>
-              <a:rPr lang="en-US" dirty="0" err="1"/>
+              <a:rPr lang="en-US" b="1" dirty="0" err="1"/>
               <a:t>Koncepti</a:t>
             </a:r>
             <a:r>
-              <a:rPr lang="en-US" dirty="0"/>
-              <a:t> OAuth2</a:t>
-            </a:r>
+              <a:rPr lang="en-US" b="1" dirty="0"/>
+              <a:t> OIDC </a:t>
+            </a:r>
+            <a:r>
+              <a:rPr lang="sr-Latn-RS" b="1" dirty="0"/>
+              <a:t>i</a:t>
+            </a:r>
+            <a:r>
+              <a:rPr lang="en-US" b="1" dirty="0"/>
+              <a:t> OAuth2 </a:t>
+            </a:r>
+            <a:r>
+              <a:rPr lang="en-US" b="1" dirty="0" err="1"/>
+              <a:t>protokola</a:t>
+            </a:r>
+            <a:endParaRPr lang="en-US" b="1" dirty="0"/>
           </a:p>
         </p:txBody>
       </p:sp>
@@ -10533,11 +10720,17 @@
           <a:lstStyle/>
           <a:p>
             <a:pPr>
+              <a:spcBef>
+                <a:spcPts val="600"/>
+              </a:spcBef>
               <a:buFont typeface="+mj-lt"/>
               <a:buAutoNum type="arabicPeriod"/>
             </a:pPr>
             <a:r>
-              <a:rPr lang="en-US" sz="1800" b="1" dirty="0" err="1">
+              <a:rPr lang="en-US" sz="2800" dirty="0" err="1">
+                <a:solidFill>
+                  <a:schemeClr val="tx1"/>
+                </a:solidFill>
                 <a:effectLst/>
                 <a:latin typeface="Calibri" panose="020F0502020204030204" pitchFamily="34" charset="0"/>
                 <a:ea typeface="Calibri" panose="020F0502020204030204" pitchFamily="34" charset="0"/>
@@ -10546,7 +10739,10 @@
               <a:t>Vlasnik</a:t>
             </a:r>
             <a:r>
-              <a:rPr lang="en-US" sz="1800" b="1" dirty="0">
+              <a:rPr lang="en-US" sz="2800" dirty="0">
+                <a:solidFill>
+                  <a:schemeClr val="tx1"/>
+                </a:solidFill>
                 <a:effectLst/>
                 <a:latin typeface="Calibri" panose="020F0502020204030204" pitchFamily="34" charset="0"/>
                 <a:ea typeface="Calibri" panose="020F0502020204030204" pitchFamily="34" charset="0"/>
@@ -10555,7 +10751,10 @@
               <a:t> </a:t>
             </a:r>
             <a:r>
-              <a:rPr lang="en-US" sz="1800" b="1" dirty="0" err="1">
+              <a:rPr lang="en-US" sz="2800" dirty="0" err="1">
+                <a:solidFill>
+                  <a:schemeClr val="tx1"/>
+                </a:solidFill>
                 <a:effectLst/>
                 <a:latin typeface="Calibri" panose="020F0502020204030204" pitchFamily="34" charset="0"/>
                 <a:ea typeface="Calibri" panose="020F0502020204030204" pitchFamily="34" charset="0"/>
@@ -10564,7 +10763,10 @@
               <a:t>Resursa</a:t>
             </a:r>
             <a:r>
-              <a:rPr lang="en-US" sz="1800" b="1" dirty="0">
+              <a:rPr lang="en-US" sz="2800" dirty="0">
+                <a:solidFill>
+                  <a:schemeClr val="tx1"/>
+                </a:solidFill>
                 <a:effectLst/>
                 <a:latin typeface="Calibri" panose="020F0502020204030204" pitchFamily="34" charset="0"/>
                 <a:ea typeface="Calibri" panose="020F0502020204030204" pitchFamily="34" charset="0"/>
@@ -10572,7 +10774,10 @@
               </a:rPr>
               <a:t> (Resource Owner)</a:t>
             </a:r>
-            <a:endParaRPr lang="en-US" sz="1800" dirty="0">
+            <a:endParaRPr lang="en-US" sz="2800" dirty="0">
+              <a:solidFill>
+                <a:schemeClr val="tx1"/>
+              </a:solidFill>
               <a:effectLst/>
               <a:latin typeface="Calibri" panose="020F0502020204030204" pitchFamily="34" charset="0"/>
               <a:ea typeface="Calibri" panose="020F0502020204030204" pitchFamily="34" charset="0"/>
@@ -10581,11 +10786,17 @@
           </a:p>
           <a:p>
             <a:pPr>
+              <a:spcBef>
+                <a:spcPts val="600"/>
+              </a:spcBef>
               <a:buFont typeface="+mj-lt"/>
               <a:buAutoNum type="arabicPeriod"/>
             </a:pPr>
             <a:r>
-              <a:rPr lang="sr-Latn-RS" sz="1800" b="1" dirty="0">
+              <a:rPr lang="sr-Latn-RS" sz="2800" dirty="0">
+                <a:solidFill>
+                  <a:schemeClr val="tx1"/>
+                </a:solidFill>
                 <a:effectLst/>
                 <a:latin typeface="Calibri" panose="020F0502020204030204" pitchFamily="34" charset="0"/>
                 <a:ea typeface="Calibri" panose="020F0502020204030204" pitchFamily="34" charset="0"/>
@@ -10593,7 +10804,10 @@
               </a:rPr>
               <a:t>OAuth Klijent</a:t>
             </a:r>
-            <a:endParaRPr lang="en-US" sz="1800" dirty="0">
+            <a:endParaRPr lang="en-US" sz="2800" dirty="0">
+              <a:solidFill>
+                <a:schemeClr val="tx1"/>
+              </a:solidFill>
               <a:effectLst/>
               <a:latin typeface="Calibri" panose="020F0502020204030204" pitchFamily="34" charset="0"/>
               <a:ea typeface="Calibri" panose="020F0502020204030204" pitchFamily="34" charset="0"/>
@@ -10602,11 +10816,17 @@
           </a:p>
           <a:p>
             <a:pPr>
+              <a:spcBef>
+                <a:spcPts val="600"/>
+              </a:spcBef>
               <a:buFont typeface="+mj-lt"/>
               <a:buAutoNum type="arabicPeriod"/>
             </a:pPr>
             <a:r>
-              <a:rPr lang="sr-Latn-RS" sz="1800" b="1" dirty="0">
+              <a:rPr lang="sr-Latn-RS" sz="2800" dirty="0">
+                <a:solidFill>
+                  <a:schemeClr val="tx1"/>
+                </a:solidFill>
                 <a:effectLst/>
                 <a:latin typeface="Calibri" panose="020F0502020204030204" pitchFamily="34" charset="0"/>
                 <a:ea typeface="Calibri" panose="020F0502020204030204" pitchFamily="34" charset="0"/>
@@ -10614,7 +10834,10 @@
               </a:rPr>
               <a:t>OAuth server (IdP)</a:t>
             </a:r>
-            <a:endParaRPr lang="en-US" sz="1800" dirty="0">
+            <a:endParaRPr lang="en-US" sz="2800" dirty="0">
+              <a:solidFill>
+                <a:schemeClr val="tx1"/>
+              </a:solidFill>
               <a:effectLst/>
               <a:latin typeface="Calibri" panose="020F0502020204030204" pitchFamily="34" charset="0"/>
               <a:ea typeface="Calibri" panose="020F0502020204030204" pitchFamily="34" charset="0"/>
@@ -10623,11 +10846,17 @@
           </a:p>
           <a:p>
             <a:pPr>
+              <a:spcBef>
+                <a:spcPts val="600"/>
+              </a:spcBef>
               <a:buFont typeface="+mj-lt"/>
               <a:buAutoNum type="arabicPeriod"/>
             </a:pPr>
             <a:r>
-              <a:rPr lang="sr-Latn-RS" sz="1800" b="1" dirty="0">
+              <a:rPr lang="sr-Latn-RS" sz="2800" dirty="0">
+                <a:solidFill>
+                  <a:schemeClr val="tx1"/>
+                </a:solidFill>
                 <a:effectLst/>
                 <a:latin typeface="Calibri" panose="020F0502020204030204" pitchFamily="34" charset="0"/>
                 <a:ea typeface="Calibri" panose="020F0502020204030204" pitchFamily="34" charset="0"/>
@@ -10635,7 +10864,10 @@
               </a:rPr>
               <a:t>Server Resursa (Resource Server)</a:t>
             </a:r>
-            <a:endParaRPr lang="en-US" sz="1800" dirty="0">
+            <a:endParaRPr lang="en-US" sz="2800" dirty="0">
+              <a:solidFill>
+                <a:schemeClr val="tx1"/>
+              </a:solidFill>
               <a:effectLst/>
               <a:latin typeface="Calibri" panose="020F0502020204030204" pitchFamily="34" charset="0"/>
               <a:ea typeface="Calibri" panose="020F0502020204030204" pitchFamily="34" charset="0"/>
@@ -10644,11 +10876,17 @@
           </a:p>
           <a:p>
             <a:pPr>
+              <a:spcBef>
+                <a:spcPts val="600"/>
+              </a:spcBef>
               <a:buFont typeface="+mj-lt"/>
               <a:buAutoNum type="arabicPeriod"/>
             </a:pPr>
             <a:r>
-              <a:rPr lang="sr-Latn-RS" sz="1800" b="1" dirty="0">
+              <a:rPr lang="sr-Latn-RS" sz="2800" dirty="0">
+                <a:solidFill>
+                  <a:schemeClr val="tx1"/>
+                </a:solidFill>
                 <a:effectLst/>
                 <a:latin typeface="Calibri" panose="020F0502020204030204" pitchFamily="34" charset="0"/>
                 <a:ea typeface="Calibri" panose="020F0502020204030204" pitchFamily="34" charset="0"/>
@@ -10656,7 +10894,10 @@
               </a:rPr>
               <a:t>Token Identiteta (ID Token)</a:t>
             </a:r>
-            <a:endParaRPr lang="en-US" sz="1800" dirty="0">
+            <a:endParaRPr lang="en-US" sz="2800" dirty="0">
+              <a:solidFill>
+                <a:schemeClr val="tx1"/>
+              </a:solidFill>
               <a:effectLst/>
               <a:latin typeface="Calibri" panose="020F0502020204030204" pitchFamily="34" charset="0"/>
               <a:ea typeface="Calibri" panose="020F0502020204030204" pitchFamily="34" charset="0"/>
@@ -10665,11 +10906,17 @@
           </a:p>
           <a:p>
             <a:pPr>
+              <a:spcBef>
+                <a:spcPts val="600"/>
+              </a:spcBef>
               <a:buFont typeface="+mj-lt"/>
               <a:buAutoNum type="arabicPeriod"/>
             </a:pPr>
             <a:r>
-              <a:rPr lang="sr-Latn-RS" sz="1800" b="1" dirty="0">
+              <a:rPr lang="sr-Latn-RS" sz="2800" dirty="0">
+                <a:solidFill>
+                  <a:schemeClr val="tx1"/>
+                </a:solidFill>
                 <a:effectLst/>
                 <a:latin typeface="Calibri" panose="020F0502020204030204" pitchFamily="34" charset="0"/>
                 <a:ea typeface="Calibri" panose="020F0502020204030204" pitchFamily="34" charset="0"/>
@@ -10677,7 +10924,10 @@
               </a:rPr>
               <a:t>Dodela Odobrenja (Authorization Grant) </a:t>
             </a:r>
-            <a:endParaRPr lang="en-US" sz="1800" dirty="0">
+            <a:endParaRPr lang="en-US" sz="2800" dirty="0">
+              <a:solidFill>
+                <a:schemeClr val="tx1"/>
+              </a:solidFill>
               <a:effectLst/>
               <a:latin typeface="Calibri" panose="020F0502020204030204" pitchFamily="34" charset="0"/>
               <a:ea typeface="Calibri" panose="020F0502020204030204" pitchFamily="34" charset="0"/>
@@ -10738,33 +10988,54 @@
             <p:ph type="title"/>
           </p:nvPr>
         </p:nvSpPr>
-        <p:spPr/>
+        <p:spPr>
+          <a:xfrm>
+            <a:off x="677334" y="609600"/>
+            <a:ext cx="8124921" cy="1320800"/>
+          </a:xfrm>
+        </p:spPr>
         <p:txBody>
           <a:bodyPr/>
           <a:lstStyle/>
           <a:p>
             <a:r>
-              <a:rPr lang="en-US" dirty="0" err="1"/>
+              <a:rPr lang="en-US" b="1" dirty="0" err="1"/>
               <a:t>Dodela</a:t>
             </a:r>
             <a:r>
-              <a:rPr lang="en-US" dirty="0"/>
-              <a:t> I </a:t>
-            </a:r>
-            <a:r>
-              <a:rPr lang="en-US" dirty="0" err="1"/>
-              <a:t>Tokovi</a:t>
-            </a:r>
-            <a:r>
-              <a:rPr lang="en-US" dirty="0"/>
+              <a:rPr lang="en-US" b="1" dirty="0"/>
               <a:t> </a:t>
             </a:r>
             <a:r>
-              <a:rPr lang="en-US" dirty="0" err="1"/>
-              <a:t>Odobrenja</a:t>
-            </a:r>
-            <a:r>
-              <a:rPr lang="en-US" dirty="0"/>
+              <a:rPr lang="sr-Latn-RS" b="1" dirty="0"/>
+              <a:t>i</a:t>
+            </a:r>
+            <a:r>
+              <a:rPr lang="en-US" b="1" dirty="0"/>
+              <a:t> </a:t>
+            </a:r>
+            <a:r>
+              <a:rPr lang="sr-Latn-RS" b="1" dirty="0"/>
+              <a:t>t</a:t>
+            </a:r>
+            <a:r>
+              <a:rPr lang="en-US" b="1" dirty="0" err="1"/>
+              <a:t>okovi</a:t>
+            </a:r>
+            <a:r>
+              <a:rPr lang="en-US" b="1" dirty="0"/>
+              <a:t> </a:t>
+            </a:r>
+            <a:r>
+              <a:rPr lang="sr-Latn-RS" b="1" dirty="0"/>
+              <a:t>o</a:t>
+            </a:r>
+            <a:r>
+              <a:rPr lang="en-US" b="1" dirty="0" err="1"/>
+              <a:t>dobrenja</a:t>
+            </a:r>
+            <a:r>
+              <a:rPr lang="en-US" b="1" dirty="0"/>
               <a:t> (Authorization Flow Grants)</a:t>
             </a:r>
           </a:p>
@@ -10786,26 +11057,29 @@
             <p:ph idx="1"/>
           </p:nvPr>
         </p:nvSpPr>
-        <p:spPr/>
+        <p:spPr>
+          <a:xfrm>
+            <a:off x="677334" y="2160589"/>
+            <a:ext cx="8946958" cy="3880773"/>
+          </a:xfrm>
+        </p:spPr>
         <p:txBody>
           <a:bodyPr/>
           <a:lstStyle/>
           <a:p>
-            <a:pPr marL="342900" marR="0" lvl="0" indent="-342900" algn="just">
+            <a:pPr algn="just">
               <a:lnSpc>
                 <a:spcPct val="107000"/>
               </a:lnSpc>
               <a:spcBef>
-                <a:spcPts val="0"/>
+                <a:spcPts val="600"/>
               </a:spcBef>
-              <a:spcAft>
-                <a:spcPts val="0"/>
-              </a:spcAft>
-              <a:buFont typeface="Symbol" panose="05050102010706020507" pitchFamily="18" charset="2"/>
-              <a:buChar char=""/>
             </a:pPr>
             <a:r>
-              <a:rPr lang="sr-Latn-RS" sz="1800" dirty="0">
+              <a:rPr lang="sr-Latn-RS" sz="2800" dirty="0">
+                <a:solidFill>
+                  <a:schemeClr val="tx1"/>
+                </a:solidFill>
                 <a:effectLst/>
                 <a:latin typeface="Calibri" panose="020F0502020204030204" pitchFamily="34" charset="0"/>
                 <a:ea typeface="Calibri" panose="020F0502020204030204" pitchFamily="34" charset="0"/>
@@ -10813,29 +11087,29 @@
               </a:rPr>
               <a:t>Tok Autorizacionim kodom (eng. Authorization Code Flow)</a:t>
             </a:r>
-            <a:endParaRPr lang="en-US" sz="1800" dirty="0">
-              <a:effectLst/>
+            <a:endParaRPr lang="sr-Latn-RS" sz="2800" dirty="0">
+              <a:solidFill>
+                <a:schemeClr val="tx1"/>
+              </a:solidFill>
               <a:latin typeface="Calibri" panose="020F0502020204030204" pitchFamily="34" charset="0"/>
               <a:ea typeface="Calibri" panose="020F0502020204030204" pitchFamily="34" charset="0"/>
               <a:cs typeface="Times New Roman" panose="02020603050405020304" pitchFamily="18" charset="0"/>
             </a:endParaRPr>
           </a:p>
           <a:p>
-            <a:pPr marL="342900" marR="0" lvl="0" indent="-342900" algn="just">
+            <a:pPr algn="just">
               <a:lnSpc>
                 <a:spcPct val="107000"/>
               </a:lnSpc>
               <a:spcBef>
-                <a:spcPts val="0"/>
+                <a:spcPts val="600"/>
               </a:spcBef>
-              <a:spcAft>
-                <a:spcPts val="0"/>
-              </a:spcAft>
-              <a:buFont typeface="Symbol" panose="05050102010706020507" pitchFamily="18" charset="2"/>
-              <a:buChar char=""/>
             </a:pPr>
             <a:r>
-              <a:rPr lang="sr-Latn-RS" sz="1800" dirty="0">
+              <a:rPr lang="sr-Latn-RS" sz="2800" dirty="0">
+                <a:solidFill>
+                  <a:schemeClr val="tx1"/>
+                </a:solidFill>
                 <a:effectLst/>
                 <a:latin typeface="Calibri" panose="020F0502020204030204" pitchFamily="34" charset="0"/>
                 <a:ea typeface="Calibri" panose="020F0502020204030204" pitchFamily="34" charset="0"/>
@@ -10843,67 +11117,70 @@
               </a:rPr>
               <a:t>Implicitni Tok (eng. Implicit Flow)</a:t>
             </a:r>
-            <a:endParaRPr lang="en-US" sz="1800" dirty="0">
-              <a:effectLst/>
+            <a:endParaRPr lang="sr-Latn-RS" sz="2800" dirty="0">
+              <a:solidFill>
+                <a:schemeClr val="tx1"/>
+              </a:solidFill>
               <a:latin typeface="Calibri" panose="020F0502020204030204" pitchFamily="34" charset="0"/>
               <a:ea typeface="Calibri" panose="020F0502020204030204" pitchFamily="34" charset="0"/>
               <a:cs typeface="Times New Roman" panose="02020603050405020304" pitchFamily="18" charset="0"/>
             </a:endParaRPr>
           </a:p>
           <a:p>
-            <a:pPr marL="342900" marR="0" lvl="0" indent="-342900" algn="just">
+            <a:pPr algn="just">
               <a:lnSpc>
                 <a:spcPct val="107000"/>
               </a:lnSpc>
               <a:spcBef>
-                <a:spcPts val="0"/>
+                <a:spcPts val="600"/>
               </a:spcBef>
-              <a:spcAft>
-                <a:spcPts val="0"/>
-              </a:spcAft>
-              <a:buFont typeface="Symbol" panose="05050102010706020507" pitchFamily="18" charset="2"/>
-              <a:buChar char=""/>
             </a:pPr>
             <a:r>
-              <a:rPr lang="sr-Latn-RS" sz="1800" dirty="0">
-                <a:effectLst/>
-                <a:latin typeface="Calibri" panose="020F0502020204030204" pitchFamily="34" charset="0"/>
-                <a:ea typeface="Calibri" panose="020F0502020204030204" pitchFamily="34" charset="0"/>
-                <a:cs typeface="Calibri" panose="020F0502020204030204" pitchFamily="34" charset="0"/>
-              </a:rPr>
-              <a:t>Hibridni Tok (eng. Hybrid Flow) – Dodatno uveden od strane OIDC sa posebnim namenama</a:t>
-            </a:r>
-            <a:endParaRPr lang="en-US" sz="1800" dirty="0">
-              <a:effectLst/>
+              <a:rPr lang="sr-Latn-RS" sz="2800" dirty="0">
+                <a:solidFill>
+                  <a:schemeClr val="tx1"/>
+                </a:solidFill>
+                <a:effectLst/>
+                <a:latin typeface="Calibri" panose="020F0502020204030204" pitchFamily="34" charset="0"/>
+                <a:ea typeface="Calibri" panose="020F0502020204030204" pitchFamily="34" charset="0"/>
+                <a:cs typeface="Calibri" panose="020F0502020204030204" pitchFamily="34" charset="0"/>
+              </a:rPr>
+              <a:t>Hibridni Tok (eng. Hybrid Flow) </a:t>
+            </a:r>
+            <a:endParaRPr lang="sr-Latn-RS" sz="2800" dirty="0">
+              <a:solidFill>
+                <a:schemeClr val="tx1"/>
+              </a:solidFill>
               <a:latin typeface="Calibri" panose="020F0502020204030204" pitchFamily="34" charset="0"/>
               <a:ea typeface="Calibri" panose="020F0502020204030204" pitchFamily="34" charset="0"/>
-              <a:cs typeface="Times New Roman" panose="02020603050405020304" pitchFamily="18" charset="0"/>
+              <a:cs typeface="Calibri" panose="020F0502020204030204" pitchFamily="34" charset="0"/>
             </a:endParaRPr>
           </a:p>
           <a:p>
-            <a:pPr marL="342900" marR="0" lvl="0" indent="-342900" algn="just">
+            <a:pPr algn="just">
               <a:lnSpc>
                 <a:spcPct val="107000"/>
               </a:lnSpc>
               <a:spcBef>
-                <a:spcPts val="0"/>
+                <a:spcPts val="600"/>
               </a:spcBef>
-              <a:spcAft>
-                <a:spcPts val="800"/>
-              </a:spcAft>
-              <a:buFont typeface="Symbol" panose="05050102010706020507" pitchFamily="18" charset="2"/>
-              <a:buChar char=""/>
             </a:pPr>
             <a:r>
-              <a:rPr lang="sr-Latn-RS" sz="1800" dirty="0">
-                <a:effectLst/>
-                <a:latin typeface="Calibri" panose="020F0502020204030204" pitchFamily="34" charset="0"/>
-                <a:ea typeface="Calibri" panose="020F0502020204030204" pitchFamily="34" charset="0"/>
-                <a:cs typeface="Calibri" panose="020F0502020204030204" pitchFamily="34" charset="0"/>
-              </a:rPr>
-              <a:t>Tok Autorizacionim kodom sa dokazom kljuca za razmenu kodova (eng. Authorization Code Flow with Proof Key for Code Excange - PKCE)</a:t>
-            </a:r>
-            <a:endParaRPr lang="en-US" sz="1800" dirty="0">
+              <a:rPr lang="sr-Latn-RS" sz="2800" dirty="0">
+                <a:solidFill>
+                  <a:schemeClr val="tx1"/>
+                </a:solidFill>
+                <a:effectLst/>
+                <a:latin typeface="Calibri" panose="020F0502020204030204" pitchFamily="34" charset="0"/>
+                <a:ea typeface="Calibri" panose="020F0502020204030204" pitchFamily="34" charset="0"/>
+                <a:cs typeface="Calibri" panose="020F0502020204030204" pitchFamily="34" charset="0"/>
+              </a:rPr>
+              <a:t>Tok Autorizacionim kodom sa dokazom ključa za razmenu kodova (eng. Authorization Code Flow with Proof Key for Code Excange - PKCE)</a:t>
+            </a:r>
+            <a:endParaRPr lang="en-US" sz="2800" dirty="0">
+              <a:solidFill>
+                <a:schemeClr val="tx1"/>
+              </a:solidFill>
               <a:effectLst/>
               <a:latin typeface="Calibri" panose="020F0502020204030204" pitchFamily="34" charset="0"/>
               <a:ea typeface="Calibri" panose="020F0502020204030204" pitchFamily="34" charset="0"/>
@@ -10966,8 +11243,8 @@
         </p:nvSpPr>
         <p:spPr>
           <a:xfrm>
-            <a:off x="677334" y="609600"/>
-            <a:ext cx="8596668" cy="1148179"/>
+            <a:off x="677333" y="609600"/>
+            <a:ext cx="6933431" cy="1148179"/>
           </a:xfrm>
         </p:spPr>
         <p:txBody>
@@ -10977,9 +11254,8 @@
           <a:lstStyle/>
           <a:p>
             <a:r>
-              <a:rPr lang="sr-Latn-RS" sz="3600" dirty="0">
-                <a:effectLst/>
-                <a:latin typeface="Calibri" panose="020F0502020204030204" pitchFamily="34" charset="0"/>
+              <a:rPr lang="sr-Latn-RS" sz="4000" b="1" dirty="0">
+                <a:effectLst/>
                 <a:ea typeface="Calibri" panose="020F0502020204030204" pitchFamily="34" charset="0"/>
                 <a:cs typeface="Calibri" panose="020F0502020204030204" pitchFamily="34" charset="0"/>
               </a:rPr>
@@ -10988,7 +11264,6 @@
             <a:br>
               <a:rPr lang="en-US" sz="3600" dirty="0">
                 <a:effectLst/>
-                <a:latin typeface="Calibri" panose="020F0502020204030204" pitchFamily="34" charset="0"/>
                 <a:ea typeface="Calibri" panose="020F0502020204030204" pitchFamily="34" charset="0"/>
                 <a:cs typeface="Times New Roman" panose="02020603050405020304" pitchFamily="18" charset="0"/>
               </a:rPr>
@@ -11015,29 +11290,44 @@
         </p:nvSpPr>
         <p:spPr>
           <a:xfrm>
-            <a:off x="482026" y="1876503"/>
-            <a:ext cx="8596668" cy="3880773"/>
+            <a:off x="482026" y="2115127"/>
+            <a:ext cx="8596668" cy="4378037"/>
           </a:xfrm>
         </p:spPr>
         <p:txBody>
           <a:bodyPr>
-            <a:normAutofit fontScale="92500" lnSpcReduction="10000"/>
+            <a:normAutofit lnSpcReduction="10000"/>
           </a:bodyPr>
           <a:lstStyle/>
           <a:p>
             <a:r>
-              <a:rPr lang="en-US" dirty="0" err="1"/>
+              <a:rPr lang="en-US" sz="2800" b="1" dirty="0" err="1">
+                <a:solidFill>
+                  <a:schemeClr val="tx1"/>
+                </a:solidFill>
+                <a:latin typeface="Calibri" panose="020F0502020204030204" pitchFamily="34" charset="0"/>
+                <a:cs typeface="Calibri" panose="020F0502020204030204" pitchFamily="34" charset="0"/>
+              </a:rPr>
               <a:t>Zahtev</a:t>
             </a:r>
             <a:r>
-              <a:rPr lang="en-US" dirty="0"/>
+              <a:rPr lang="en-US" sz="2800" b="1" dirty="0">
+                <a:latin typeface="Calibri" panose="020F0502020204030204" pitchFamily="34" charset="0"/>
+                <a:cs typeface="Calibri" panose="020F0502020204030204" pitchFamily="34" charset="0"/>
+              </a:rPr>
               <a:t> za </a:t>
             </a:r>
             <a:r>
-              <a:rPr lang="en-US" dirty="0" err="1"/>
+              <a:rPr lang="en-US" sz="2800" b="1" dirty="0" err="1">
+                <a:latin typeface="Calibri" panose="020F0502020204030204" pitchFamily="34" charset="0"/>
+                <a:cs typeface="Calibri" panose="020F0502020204030204" pitchFamily="34" charset="0"/>
+              </a:rPr>
               <a:t>Autentikaciju</a:t>
             </a:r>
-            <a:endParaRPr lang="en-US" dirty="0"/>
+            <a:endParaRPr lang="en-US" sz="2800" b="1" dirty="0">
+              <a:latin typeface="Calibri" panose="020F0502020204030204" pitchFamily="34" charset="0"/>
+              <a:cs typeface="Calibri" panose="020F0502020204030204" pitchFamily="34" charset="0"/>
+            </a:endParaRPr>
           </a:p>
           <a:p>
             <a:pPr marL="0" indent="0">
@@ -11244,7 +11534,7 @@
                 <a:effectLst/>
                 <a:latin typeface="Calibri" panose="020F0502020204030204" pitchFamily="34" charset="0"/>
                 <a:ea typeface="Calibri" panose="020F0502020204030204" pitchFamily="34" charset="0"/>
-                <a:cs typeface="Times New Roman" panose="02020603050405020304" pitchFamily="18" charset="0"/>
+                <a:cs typeface="Calibri" panose="020F0502020204030204" pitchFamily="34" charset="0"/>
               </a:rPr>
               <a:t>2Fcb  HTTP</a:t>
             </a:r>
@@ -11331,35 +11621,41 @@
               <a:effectLst/>
               <a:latin typeface="Calibri" panose="020F0502020204030204" pitchFamily="34" charset="0"/>
               <a:ea typeface="Calibri" panose="020F0502020204030204" pitchFamily="34" charset="0"/>
-              <a:cs typeface="Times New Roman" panose="02020603050405020304" pitchFamily="18" charset="0"/>
+              <a:cs typeface="Calibri" panose="020F0502020204030204" pitchFamily="34" charset="0"/>
             </a:endParaRPr>
           </a:p>
           <a:p>
             <a:r>
-              <a:rPr lang="en-US" sz="1800" b="1" dirty="0" err="1">
-                <a:solidFill>
-                  <a:srgbClr val="1F3763"/>
-                </a:solidFill>
-                <a:effectLst/>
-                <a:latin typeface="Calibri Light" panose="020F0302020204030204" pitchFamily="34" charset="0"/>
+              <a:rPr lang="en-US" sz="2800" b="1" dirty="0" err="1">
+                <a:solidFill>
+                  <a:schemeClr val="tx1"/>
+                </a:solidFill>
+                <a:effectLst/>
+                <a:latin typeface="Calibri" panose="020F0502020204030204" pitchFamily="34" charset="0"/>
                 <a:ea typeface="Times New Roman" panose="02020603050405020304" pitchFamily="18" charset="0"/>
-                <a:cs typeface="Times New Roman" panose="02020603050405020304" pitchFamily="18" charset="0"/>
+                <a:cs typeface="Calibri" panose="020F0502020204030204" pitchFamily="34" charset="0"/>
               </a:rPr>
               <a:t>Uspe</a:t>
             </a:r>
             <a:r>
-              <a:rPr lang="sr-Latn-RS" sz="1800" b="1" dirty="0">
-                <a:solidFill>
-                  <a:srgbClr val="1F3763"/>
-                </a:solidFill>
-                <a:effectLst/>
-                <a:latin typeface="Calibri Light" panose="020F0302020204030204" pitchFamily="34" charset="0"/>
+              <a:rPr lang="sr-Latn-RS" sz="2800" b="1" dirty="0">
+                <a:solidFill>
+                  <a:schemeClr val="tx1"/>
+                </a:solidFill>
+                <a:effectLst/>
+                <a:latin typeface="Calibri" panose="020F0502020204030204" pitchFamily="34" charset="0"/>
                 <a:ea typeface="Times New Roman" panose="02020603050405020304" pitchFamily="18" charset="0"/>
-                <a:cs typeface="Times New Roman" panose="02020603050405020304" pitchFamily="18" charset="0"/>
+                <a:cs typeface="Calibri" panose="020F0502020204030204" pitchFamily="34" charset="0"/>
               </a:rPr>
               <a:t>šan odgovor nakon potvrde identiteta</a:t>
             </a:r>
-            <a:endParaRPr lang="en-US" dirty="0"/>
+            <a:endParaRPr lang="en-US" sz="2800" b="1" dirty="0">
+              <a:solidFill>
+                <a:schemeClr val="tx1"/>
+              </a:solidFill>
+              <a:latin typeface="Calibri" panose="020F0502020204030204" pitchFamily="34" charset="0"/>
+              <a:cs typeface="Calibri" panose="020F0502020204030204" pitchFamily="34" charset="0"/>
+            </a:endParaRPr>
           </a:p>
           <a:p>
             <a:pPr marL="0" indent="0">
@@ -11398,15 +11694,21 @@
               <a:t>Location: </a:t>
             </a:r>
             <a:r>
-              <a:rPr lang="en-US" sz="1800" u="sng" spc="-25" dirty="0">
-                <a:solidFill>
-                  <a:srgbClr val="000000"/>
-                </a:solidFill>
-                <a:effectLst/>
-                <a:latin typeface="Calibri" panose="020F0502020204030204" pitchFamily="34" charset="0"/>
-                <a:ea typeface="Calibri" panose="020F0502020204030204" pitchFamily="34" charset="0"/>
-                <a:cs typeface="Calibri" panose="020F0502020204030204" pitchFamily="34" charset="0"/>
-                <a:hlinkClick r:id="rId2"/>
+              <a:rPr lang="en-US" sz="1800" b="1" u="sng" spc="-25" dirty="0">
+                <a:solidFill>
+                  <a:schemeClr val="tx1"/>
+                </a:solidFill>
+                <a:effectLst/>
+                <a:latin typeface="Calibri" panose="020F0502020204030204" pitchFamily="34" charset="0"/>
+                <a:ea typeface="Calibri" panose="020F0502020204030204" pitchFamily="34" charset="0"/>
+                <a:cs typeface="Calibri" panose="020F0502020204030204" pitchFamily="34" charset="0"/>
+                <a:hlinkClick r:id="rId2">
+                  <a:extLst>
+                    <a:ext uri="{A12FA001-AC4F-418D-AE19-62706E023703}">
+                      <ahyp:hlinkClr xmlns:ahyp="http://schemas.microsoft.com/office/drawing/2018/hyperlinkcolor" val="tx"/>
+                    </a:ext>
+                  </a:extLst>
+                </a:hlinkClick>
               </a:rPr>
               <a:t>https://client.example.org/cb?</a:t>
             </a:r>
@@ -11454,7 +11756,7 @@
               <a:effectLst/>
               <a:latin typeface="Calibri" panose="020F0502020204030204" pitchFamily="34" charset="0"/>
               <a:ea typeface="Calibri" panose="020F0502020204030204" pitchFamily="34" charset="0"/>
-              <a:cs typeface="Times New Roman" panose="02020603050405020304" pitchFamily="18" charset="0"/>
+              <a:cs typeface="Calibri" panose="020F0502020204030204" pitchFamily="34" charset="0"/>
             </a:endParaRPr>
           </a:p>
           <a:p>
